--- a/Part_02/Section02.pptx
+++ b/Part_02/Section02.pptx
@@ -4,6 +4,13 @@
   <p:sldMasterIdLst>
     <p:sldMasterId id="2147483648" r:id="rId1"/>
   </p:sldMasterIdLst>
+  <p:sldIdLst>
+    <p:sldId id="256" r:id="rId2"/>
+    <p:sldId id="257" r:id="rId3"/>
+    <p:sldId id="258" r:id="rId4"/>
+    <p:sldId id="259" r:id="rId5"/>
+    <p:sldId id="260" r:id="rId6"/>
+  </p:sldIdLst>
   <p:sldSz cx="12192000" cy="6858000"/>
   <p:notesSz cx="6858000" cy="9144000"/>
   <p:defaultTextStyle>
@@ -101,6 +108,11 @@
       </a:defRPr>
     </a:lvl9pPr>
   </p:defaultTextStyle>
+  <p:extLst>
+    <p:ext uri="{EFAFB233-063F-42B5-8137-9DF3F51BA10A}">
+      <p15:sldGuideLst xmlns:p15="http://schemas.microsoft.com/office/powerpoint/2012/main"/>
+    </p:ext>
+  </p:extLst>
 </p:presentation>
 </file>
 
@@ -235,7 +247,7 @@
           <a:p>
             <a:fld id="{3D626D60-E8ED-4541-BE33-B3C1FAE5292A}" type="datetimeFigureOut">
               <a:rPr lang="en-US" smtClean="0"/>
-              <a:t>10/19/2018</a:t>
+              <a:t>11/3/2018</a:t>
             </a:fld>
             <a:endParaRPr lang="en-US"/>
           </a:p>
@@ -405,7 +417,7 @@
           <a:p>
             <a:fld id="{3D626D60-E8ED-4541-BE33-B3C1FAE5292A}" type="datetimeFigureOut">
               <a:rPr lang="en-US" smtClean="0"/>
-              <a:t>10/19/2018</a:t>
+              <a:t>11/3/2018</a:t>
             </a:fld>
             <a:endParaRPr lang="en-US"/>
           </a:p>
@@ -585,7 +597,7 @@
           <a:p>
             <a:fld id="{3D626D60-E8ED-4541-BE33-B3C1FAE5292A}" type="datetimeFigureOut">
               <a:rPr lang="en-US" smtClean="0"/>
-              <a:t>10/19/2018</a:t>
+              <a:t>11/3/2018</a:t>
             </a:fld>
             <a:endParaRPr lang="en-US"/>
           </a:p>
@@ -755,7 +767,7 @@
           <a:p>
             <a:fld id="{3D626D60-E8ED-4541-BE33-B3C1FAE5292A}" type="datetimeFigureOut">
               <a:rPr lang="en-US" smtClean="0"/>
-              <a:t>10/19/2018</a:t>
+              <a:t>11/3/2018</a:t>
             </a:fld>
             <a:endParaRPr lang="en-US"/>
           </a:p>
@@ -1001,7 +1013,7 @@
           <a:p>
             <a:fld id="{3D626D60-E8ED-4541-BE33-B3C1FAE5292A}" type="datetimeFigureOut">
               <a:rPr lang="en-US" smtClean="0"/>
-              <a:t>10/19/2018</a:t>
+              <a:t>11/3/2018</a:t>
             </a:fld>
             <a:endParaRPr lang="en-US"/>
           </a:p>
@@ -1233,7 +1245,7 @@
           <a:p>
             <a:fld id="{3D626D60-E8ED-4541-BE33-B3C1FAE5292A}" type="datetimeFigureOut">
               <a:rPr lang="en-US" smtClean="0"/>
-              <a:t>10/19/2018</a:t>
+              <a:t>11/3/2018</a:t>
             </a:fld>
             <a:endParaRPr lang="en-US"/>
           </a:p>
@@ -1600,7 +1612,7 @@
           <a:p>
             <a:fld id="{3D626D60-E8ED-4541-BE33-B3C1FAE5292A}" type="datetimeFigureOut">
               <a:rPr lang="en-US" smtClean="0"/>
-              <a:t>10/19/2018</a:t>
+              <a:t>11/3/2018</a:t>
             </a:fld>
             <a:endParaRPr lang="en-US"/>
           </a:p>
@@ -1718,7 +1730,7 @@
           <a:p>
             <a:fld id="{3D626D60-E8ED-4541-BE33-B3C1FAE5292A}" type="datetimeFigureOut">
               <a:rPr lang="en-US" smtClean="0"/>
-              <a:t>10/19/2018</a:t>
+              <a:t>11/3/2018</a:t>
             </a:fld>
             <a:endParaRPr lang="en-US"/>
           </a:p>
@@ -1813,7 +1825,7 @@
           <a:p>
             <a:fld id="{3D626D60-E8ED-4541-BE33-B3C1FAE5292A}" type="datetimeFigureOut">
               <a:rPr lang="en-US" smtClean="0"/>
-              <a:t>10/19/2018</a:t>
+              <a:t>11/3/2018</a:t>
             </a:fld>
             <a:endParaRPr lang="en-US"/>
           </a:p>
@@ -2090,7 +2102,7 @@
           <a:p>
             <a:fld id="{3D626D60-E8ED-4541-BE33-B3C1FAE5292A}" type="datetimeFigureOut">
               <a:rPr lang="en-US" smtClean="0"/>
-              <a:t>10/19/2018</a:t>
+              <a:t>11/3/2018</a:t>
             </a:fld>
             <a:endParaRPr lang="en-US"/>
           </a:p>
@@ -2343,7 +2355,7 @@
           <a:p>
             <a:fld id="{3D626D60-E8ED-4541-BE33-B3C1FAE5292A}" type="datetimeFigureOut">
               <a:rPr lang="en-US" smtClean="0"/>
-              <a:t>10/19/2018</a:t>
+              <a:t>11/3/2018</a:t>
             </a:fld>
             <a:endParaRPr lang="en-US"/>
           </a:p>
@@ -2556,7 +2568,7 @@
           <a:p>
             <a:fld id="{3D626D60-E8ED-4541-BE33-B3C1FAE5292A}" type="datetimeFigureOut">
               <a:rPr lang="en-US" smtClean="0"/>
-              <a:t>10/19/2018</a:t>
+              <a:t>11/3/2018</a:t>
             </a:fld>
             <a:endParaRPr lang="en-US"/>
           </a:p>
@@ -2944,6 +2956,446 @@
 </p:sldMaster>
 </file>
 
+<file path=ppt/slides/slide1.xml><?xml version="1.0" encoding="utf-8"?>
+<p:sld xmlns:a="http://schemas.openxmlformats.org/drawingml/2006/main" xmlns:r="http://schemas.openxmlformats.org/officeDocument/2006/relationships" xmlns:p="http://schemas.openxmlformats.org/presentationml/2006/main">
+  <p:cSld>
+    <p:spTree>
+      <p:nvGrpSpPr>
+        <p:cNvPr id="1" name=""/>
+        <p:cNvGrpSpPr/>
+        <p:nvPr/>
+      </p:nvGrpSpPr>
+      <p:grpSpPr>
+        <a:xfrm>
+          <a:off x="0" y="0"/>
+          <a:ext cx="0" cy="0"/>
+          <a:chOff x="0" y="0"/>
+          <a:chExt cx="0" cy="0"/>
+        </a:xfrm>
+      </p:grpSpPr>
+      <p:sp>
+        <p:nvSpPr>
+          <p:cNvPr id="2" name="Title 1"/>
+          <p:cNvSpPr>
+            <a:spLocks noGrp="1"/>
+          </p:cNvSpPr>
+          <p:nvPr>
+            <p:ph type="ctrTitle"/>
+          </p:nvPr>
+        </p:nvSpPr>
+        <p:spPr/>
+        <p:txBody>
+          <a:bodyPr/>
+          <a:lstStyle/>
+          <a:p>
+            <a:r>
+              <a:rPr lang="en-US" dirty="0" smtClean="0"/>
+              <a:t>HECC 2018</a:t>
+            </a:r>
+            <a:endParaRPr lang="en-US" dirty="0"/>
+          </a:p>
+        </p:txBody>
+      </p:sp>
+      <p:sp>
+        <p:nvSpPr>
+          <p:cNvPr id="3" name="Subtitle 2"/>
+          <p:cNvSpPr>
+            <a:spLocks noGrp="1"/>
+          </p:cNvSpPr>
+          <p:nvPr>
+            <p:ph type="subTitle" idx="1"/>
+          </p:nvPr>
+        </p:nvSpPr>
+        <p:spPr/>
+        <p:txBody>
+          <a:bodyPr/>
+          <a:lstStyle/>
+          <a:p>
+            <a:r>
+              <a:rPr lang="en-US" dirty="0" smtClean="0"/>
+              <a:t>2054 </a:t>
+            </a:r>
+            <a:r>
+              <a:rPr lang="en-US" dirty="0"/>
+              <a:t>- Deploying Windows 10 With MDT (Part </a:t>
+            </a:r>
+            <a:r>
+              <a:rPr lang="en-US" dirty="0" smtClean="0"/>
+              <a:t>2)</a:t>
+            </a:r>
+            <a:endParaRPr lang="en-US" dirty="0"/>
+          </a:p>
+        </p:txBody>
+      </p:sp>
+    </p:spTree>
+    <p:extLst>
+      <p:ext uri="{BB962C8B-B14F-4D97-AF65-F5344CB8AC3E}">
+        <p14:creationId xmlns:p14="http://schemas.microsoft.com/office/powerpoint/2010/main" val="1648377986"/>
+      </p:ext>
+    </p:extLst>
+  </p:cSld>
+  <p:clrMapOvr>
+    <a:masterClrMapping/>
+  </p:clrMapOvr>
+</p:sld>
+</file>
+
+<file path=ppt/slides/slide2.xml><?xml version="1.0" encoding="utf-8"?>
+<p:sld xmlns:a="http://schemas.openxmlformats.org/drawingml/2006/main" xmlns:r="http://schemas.openxmlformats.org/officeDocument/2006/relationships" xmlns:p="http://schemas.openxmlformats.org/presentationml/2006/main">
+  <p:cSld>
+    <p:spTree>
+      <p:nvGrpSpPr>
+        <p:cNvPr id="1" name=""/>
+        <p:cNvGrpSpPr/>
+        <p:nvPr/>
+      </p:nvGrpSpPr>
+      <p:grpSpPr>
+        <a:xfrm>
+          <a:off x="0" y="0"/>
+          <a:ext cx="0" cy="0"/>
+          <a:chOff x="0" y="0"/>
+          <a:chExt cx="0" cy="0"/>
+        </a:xfrm>
+      </p:grpSpPr>
+      <p:sp>
+        <p:nvSpPr>
+          <p:cNvPr id="2" name="Title 1"/>
+          <p:cNvSpPr>
+            <a:spLocks noGrp="1"/>
+          </p:cNvSpPr>
+          <p:nvPr>
+            <p:ph type="title"/>
+          </p:nvPr>
+        </p:nvSpPr>
+        <p:spPr>
+          <a:xfrm>
+            <a:off x="838200" y="365125"/>
+            <a:ext cx="10515600" cy="999651"/>
+          </a:xfrm>
+        </p:spPr>
+        <p:txBody>
+          <a:bodyPr/>
+          <a:lstStyle/>
+          <a:p>
+            <a:r>
+              <a:rPr lang="en-US" dirty="0" smtClean="0"/>
+              <a:t>Agenda</a:t>
+            </a:r>
+            <a:endParaRPr lang="en-US" dirty="0"/>
+          </a:p>
+        </p:txBody>
+      </p:sp>
+      <p:sp>
+        <p:nvSpPr>
+          <p:cNvPr id="3" name="Content Placeholder 2"/>
+          <p:cNvSpPr>
+            <a:spLocks noGrp="1"/>
+          </p:cNvSpPr>
+          <p:nvPr>
+            <p:ph idx="1"/>
+          </p:nvPr>
+        </p:nvSpPr>
+        <p:spPr>
+          <a:xfrm>
+            <a:off x="838200" y="1380698"/>
+            <a:ext cx="10342830" cy="4921369"/>
+          </a:xfrm>
+        </p:spPr>
+        <p:txBody>
+          <a:bodyPr>
+            <a:normAutofit/>
+          </a:bodyPr>
+          <a:lstStyle/>
+          <a:p>
+            <a:r>
+              <a:rPr lang="en-US" dirty="0"/>
+              <a:t>Build, Capture, Automation</a:t>
+            </a:r>
+            <a:endParaRPr lang="en-US" dirty="0" smtClean="0"/>
+          </a:p>
+          <a:p>
+            <a:pPr lvl="1"/>
+            <a:r>
+              <a:rPr lang="en-US" dirty="0"/>
+              <a:t>Build and </a:t>
+            </a:r>
+            <a:r>
+              <a:rPr lang="en-US" dirty="0" smtClean="0"/>
+              <a:t>Capture</a:t>
+            </a:r>
+          </a:p>
+          <a:p>
+            <a:pPr lvl="1"/>
+            <a:r>
+              <a:rPr lang="en-US" dirty="0"/>
+              <a:t>Image Factory </a:t>
+            </a:r>
+            <a:endParaRPr lang="en-US" dirty="0" smtClean="0"/>
+          </a:p>
+          <a:p>
+            <a:pPr lvl="2"/>
+            <a:r>
+              <a:rPr lang="en-US" dirty="0" smtClean="0"/>
+              <a:t>Factory </a:t>
+            </a:r>
+            <a:r>
+              <a:rPr lang="en-US" dirty="0"/>
+              <a:t>Setup</a:t>
+            </a:r>
+          </a:p>
+          <a:p>
+            <a:pPr lvl="2"/>
+            <a:r>
+              <a:rPr lang="en-US" dirty="0" smtClean="0"/>
+              <a:t>Process</a:t>
+            </a:r>
+          </a:p>
+          <a:p>
+            <a:pPr lvl="1"/>
+            <a:r>
+              <a:rPr lang="en-US" dirty="0" smtClean="0"/>
+              <a:t>Demo</a:t>
+            </a:r>
+          </a:p>
+          <a:p>
+            <a:pPr lvl="1"/>
+            <a:r>
+              <a:rPr lang="en-US" dirty="0" smtClean="0"/>
+              <a:t>Questions</a:t>
+            </a:r>
+            <a:endParaRPr lang="en-US" dirty="0" smtClean="0"/>
+          </a:p>
+        </p:txBody>
+      </p:sp>
+    </p:spTree>
+    <p:extLst>
+      <p:ext uri="{BB962C8B-B14F-4D97-AF65-F5344CB8AC3E}">
+        <p14:creationId xmlns:p14="http://schemas.microsoft.com/office/powerpoint/2010/main" val="4279485451"/>
+      </p:ext>
+    </p:extLst>
+  </p:cSld>
+  <p:clrMapOvr>
+    <a:masterClrMapping/>
+  </p:clrMapOvr>
+  <p:timing>
+    <p:tnLst>
+      <p:par>
+        <p:cTn id="1" dur="indefinite" restart="never" nodeType="tmRoot"/>
+      </p:par>
+    </p:tnLst>
+  </p:timing>
+</p:sld>
+</file>
+
+<file path=ppt/slides/slide3.xml><?xml version="1.0" encoding="utf-8"?>
+<p:sld xmlns:a="http://schemas.openxmlformats.org/drawingml/2006/main" xmlns:r="http://schemas.openxmlformats.org/officeDocument/2006/relationships" xmlns:p="http://schemas.openxmlformats.org/presentationml/2006/main">
+  <p:cSld>
+    <p:spTree>
+      <p:nvGrpSpPr>
+        <p:cNvPr id="1" name=""/>
+        <p:cNvGrpSpPr/>
+        <p:nvPr/>
+      </p:nvGrpSpPr>
+      <p:grpSpPr>
+        <a:xfrm>
+          <a:off x="0" y="0"/>
+          <a:ext cx="0" cy="0"/>
+          <a:chOff x="0" y="0"/>
+          <a:chExt cx="0" cy="0"/>
+        </a:xfrm>
+      </p:grpSpPr>
+      <p:sp>
+        <p:nvSpPr>
+          <p:cNvPr id="2" name="Title 1"/>
+          <p:cNvSpPr>
+            <a:spLocks noGrp="1"/>
+          </p:cNvSpPr>
+          <p:nvPr>
+            <p:ph type="title"/>
+          </p:nvPr>
+        </p:nvSpPr>
+        <p:spPr>
+          <a:xfrm>
+            <a:off x="838200" y="365125"/>
+            <a:ext cx="10515600" cy="5461934"/>
+          </a:xfrm>
+        </p:spPr>
+        <p:txBody>
+          <a:bodyPr>
+            <a:normAutofit/>
+          </a:bodyPr>
+          <a:lstStyle/>
+          <a:p>
+            <a:pPr algn="ctr"/>
+            <a:r>
+              <a:rPr lang="en-US" sz="16600" dirty="0" smtClean="0"/>
+              <a:t>Demo</a:t>
+            </a:r>
+            <a:endParaRPr lang="en-US" sz="16600" dirty="0"/>
+          </a:p>
+        </p:txBody>
+      </p:sp>
+    </p:spTree>
+    <p:extLst>
+      <p:ext uri="{BB962C8B-B14F-4D97-AF65-F5344CB8AC3E}">
+        <p14:creationId xmlns:p14="http://schemas.microsoft.com/office/powerpoint/2010/main" val="1108004813"/>
+      </p:ext>
+    </p:extLst>
+  </p:cSld>
+  <p:clrMapOvr>
+    <a:masterClrMapping/>
+  </p:clrMapOvr>
+  <p:timing>
+    <p:tnLst>
+      <p:par>
+        <p:cTn id="1" dur="indefinite" restart="never" nodeType="tmRoot"/>
+      </p:par>
+    </p:tnLst>
+  </p:timing>
+</p:sld>
+</file>
+
+<file path=ppt/slides/slide4.xml><?xml version="1.0" encoding="utf-8"?>
+<p:sld xmlns:a="http://schemas.openxmlformats.org/drawingml/2006/main" xmlns:r="http://schemas.openxmlformats.org/officeDocument/2006/relationships" xmlns:p="http://schemas.openxmlformats.org/presentationml/2006/main">
+  <p:cSld>
+    <p:spTree>
+      <p:nvGrpSpPr>
+        <p:cNvPr id="1" name=""/>
+        <p:cNvGrpSpPr/>
+        <p:nvPr/>
+      </p:nvGrpSpPr>
+      <p:grpSpPr>
+        <a:xfrm>
+          <a:off x="0" y="0"/>
+          <a:ext cx="0" cy="0"/>
+          <a:chOff x="0" y="0"/>
+          <a:chExt cx="0" cy="0"/>
+        </a:xfrm>
+      </p:grpSpPr>
+      <p:sp>
+        <p:nvSpPr>
+          <p:cNvPr id="2" name="Title 1"/>
+          <p:cNvSpPr>
+            <a:spLocks noGrp="1"/>
+          </p:cNvSpPr>
+          <p:nvPr>
+            <p:ph type="title"/>
+          </p:nvPr>
+        </p:nvSpPr>
+        <p:spPr>
+          <a:xfrm>
+            <a:off x="838200" y="365125"/>
+            <a:ext cx="10515600" cy="5641228"/>
+          </a:xfrm>
+        </p:spPr>
+        <p:txBody>
+          <a:bodyPr>
+            <a:normAutofit/>
+          </a:bodyPr>
+          <a:lstStyle/>
+          <a:p>
+            <a:pPr algn="ctr"/>
+            <a:r>
+              <a:rPr lang="en-US" sz="13800" dirty="0" smtClean="0"/>
+              <a:t>Questions</a:t>
+            </a:r>
+            <a:endParaRPr lang="en-US" sz="13800" dirty="0"/>
+          </a:p>
+        </p:txBody>
+      </p:sp>
+    </p:spTree>
+    <p:extLst>
+      <p:ext uri="{BB962C8B-B14F-4D97-AF65-F5344CB8AC3E}">
+        <p14:creationId xmlns:p14="http://schemas.microsoft.com/office/powerpoint/2010/main" val="4065363205"/>
+      </p:ext>
+    </p:extLst>
+  </p:cSld>
+  <p:clrMapOvr>
+    <a:masterClrMapping/>
+  </p:clrMapOvr>
+  <p:timing>
+    <p:tnLst>
+      <p:par>
+        <p:cTn id="1" dur="indefinite" restart="never" nodeType="tmRoot"/>
+      </p:par>
+    </p:tnLst>
+  </p:timing>
+</p:sld>
+</file>
+
+<file path=ppt/slides/slide5.xml><?xml version="1.0" encoding="utf-8"?>
+<p:sld xmlns:a="http://schemas.openxmlformats.org/drawingml/2006/main" xmlns:r="http://schemas.openxmlformats.org/officeDocument/2006/relationships" xmlns:p="http://schemas.openxmlformats.org/presentationml/2006/main">
+  <p:cSld>
+    <p:spTree>
+      <p:nvGrpSpPr>
+        <p:cNvPr id="1" name=""/>
+        <p:cNvGrpSpPr/>
+        <p:nvPr/>
+      </p:nvGrpSpPr>
+      <p:grpSpPr>
+        <a:xfrm>
+          <a:off x="0" y="0"/>
+          <a:ext cx="0" cy="0"/>
+          <a:chOff x="0" y="0"/>
+          <a:chExt cx="0" cy="0"/>
+        </a:xfrm>
+      </p:grpSpPr>
+      <p:sp>
+        <p:nvSpPr>
+          <p:cNvPr id="2" name="Title 1"/>
+          <p:cNvSpPr>
+            <a:spLocks noGrp="1"/>
+          </p:cNvSpPr>
+          <p:nvPr>
+            <p:ph type="title"/>
+          </p:nvPr>
+        </p:nvSpPr>
+        <p:spPr>
+          <a:xfrm>
+            <a:off x="838200" y="365125"/>
+            <a:ext cx="10515600" cy="5730875"/>
+          </a:xfrm>
+        </p:spPr>
+        <p:txBody>
+          <a:bodyPr/>
+          <a:lstStyle/>
+          <a:p>
+            <a:pPr algn="ctr"/>
+            <a:r>
+              <a:rPr lang="en-US" sz="13800" dirty="0" smtClean="0"/>
+              <a:t>Break</a:t>
+            </a:r>
+            <a:br>
+              <a:rPr lang="en-US" sz="13800" dirty="0" smtClean="0"/>
+            </a:br>
+            <a:r>
+              <a:rPr lang="en-US" sz="3200" dirty="0" smtClean="0"/>
+              <a:t>10 Minutes</a:t>
+            </a:r>
+            <a:endParaRPr lang="en-US" dirty="0"/>
+          </a:p>
+        </p:txBody>
+      </p:sp>
+    </p:spTree>
+    <p:extLst>
+      <p:ext uri="{BB962C8B-B14F-4D97-AF65-F5344CB8AC3E}">
+        <p14:creationId xmlns:p14="http://schemas.microsoft.com/office/powerpoint/2010/main" val="1552923458"/>
+      </p:ext>
+    </p:extLst>
+  </p:cSld>
+  <p:clrMapOvr>
+    <a:masterClrMapping/>
+  </p:clrMapOvr>
+  <p:timing>
+    <p:tnLst>
+      <p:par>
+        <p:cTn id="1" dur="indefinite" restart="never" nodeType="tmRoot"/>
+      </p:par>
+    </p:tnLst>
+  </p:timing>
+</p:sld>
+</file>
+
 <file path=ppt/theme/theme1.xml><?xml version="1.0" encoding="utf-8"?>
 <a:theme xmlns:a="http://schemas.openxmlformats.org/drawingml/2006/main" name="Office Theme">
   <a:themeElements>

--- a/Part_02/Section02.pptx
+++ b/Part_02/Section02.pptx
@@ -3023,6 +3023,14 @@
               <a:rPr lang="en-US" dirty="0" smtClean="0"/>
               <a:t>2)</a:t>
             </a:r>
+          </a:p>
+          <a:p>
+            <a:r>
+              <a:rPr lang="en-US" sz="2000" dirty="0"/>
+              <a:t>Section 2</a:t>
+            </a:r>
+          </a:p>
+          <a:p>
             <a:endParaRPr lang="en-US" dirty="0"/>
           </a:p>
         </p:txBody>
@@ -3108,8 +3116,16 @@
           <a:lstStyle/>
           <a:p>
             <a:r>
+              <a:rPr lang="en-US" dirty="0" smtClean="0"/>
+              <a:t>Drivers and BIOS</a:t>
+            </a:r>
+            <a:endParaRPr lang="en-US" dirty="0" smtClean="0"/>
+          </a:p>
+          <a:p>
+            <a:pPr lvl="1"/>
+            <a:r>
               <a:rPr lang="en-US" dirty="0"/>
-              <a:t>Build, Capture, Automation</a:t>
+              <a:t>Modern Driver Implementation </a:t>
             </a:r>
             <a:endParaRPr lang="en-US" dirty="0" smtClean="0"/>
           </a:p>
@@ -3117,37 +3133,54 @@
             <a:pPr lvl="1"/>
             <a:r>
               <a:rPr lang="en-US" dirty="0"/>
-              <a:t>Build and </a:t>
+              <a:t>Model Alias </a:t>
+            </a:r>
+            <a:endParaRPr lang="en-US" dirty="0" smtClean="0"/>
+          </a:p>
+          <a:p>
+            <a:pPr lvl="1"/>
+            <a:r>
+              <a:rPr lang="en-US" dirty="0"/>
+              <a:t>Driver PowerShell App </a:t>
+            </a:r>
+            <a:endParaRPr lang="en-US" dirty="0" smtClean="0"/>
+          </a:p>
+          <a:p>
+            <a:pPr lvl="1"/>
+            <a:r>
+              <a:rPr lang="en-US" dirty="0"/>
+              <a:t>BIOS </a:t>
             </a:r>
             <a:r>
               <a:rPr lang="en-US" dirty="0" smtClean="0"/>
-              <a:t>Capture</a:t>
+              <a:t>upgrade </a:t>
+            </a:r>
+            <a:r>
+              <a:rPr lang="en-US" dirty="0"/>
+              <a:t>during </a:t>
+            </a:r>
+            <a:r>
+              <a:rPr lang="en-US" dirty="0" smtClean="0"/>
+              <a:t>deployment</a:t>
             </a:r>
           </a:p>
           <a:p>
             <a:pPr lvl="1"/>
             <a:r>
               <a:rPr lang="en-US" dirty="0"/>
-              <a:t>Image Factory </a:t>
-            </a:r>
-            <a:endParaRPr lang="en-US" dirty="0" smtClean="0"/>
-          </a:p>
-          <a:p>
-            <a:pPr lvl="2"/>
+              <a:t>Task Sequence a</a:t>
+            </a:r>
             <a:r>
               <a:rPr lang="en-US" dirty="0" smtClean="0"/>
-              <a:t>Factory </a:t>
+              <a:t>djustments </a:t>
             </a:r>
             <a:r>
               <a:rPr lang="en-US" dirty="0"/>
-              <a:t>Setup</a:t>
-            </a:r>
-          </a:p>
-          <a:p>
-            <a:pPr lvl="2"/>
+              <a:t>for </a:t>
+            </a:r>
             <a:r>
               <a:rPr lang="en-US" dirty="0" smtClean="0"/>
-              <a:t>Process</a:t>
+              <a:t>drivers and BIOS update</a:t>
             </a:r>
           </a:p>
           <a:p>
@@ -3156,6 +3189,7 @@
               <a:rPr lang="en-US" dirty="0" smtClean="0"/>
               <a:t>Demo</a:t>
             </a:r>
+            <a:endParaRPr lang="en-US" dirty="0" smtClean="0"/>
           </a:p>
           <a:p>
             <a:pPr lvl="1"/>
@@ -3163,7 +3197,6 @@
               <a:rPr lang="en-US" dirty="0" smtClean="0"/>
               <a:t>Questions</a:t>
             </a:r>
-            <a:endParaRPr lang="en-US" dirty="0" smtClean="0"/>
           </a:p>
         </p:txBody>
       </p:sp>

--- a/Part_02/Section02.pptx
+++ b/Part_02/Section02.pptx
@@ -7,9 +7,13 @@
   <p:sldIdLst>
     <p:sldId id="256" r:id="rId2"/>
     <p:sldId id="257" r:id="rId3"/>
-    <p:sldId id="258" r:id="rId4"/>
-    <p:sldId id="259" r:id="rId5"/>
-    <p:sldId id="260" r:id="rId6"/>
+    <p:sldId id="261" r:id="rId4"/>
+    <p:sldId id="262" r:id="rId5"/>
+    <p:sldId id="263" r:id="rId6"/>
+    <p:sldId id="264" r:id="rId7"/>
+    <p:sldId id="258" r:id="rId8"/>
+    <p:sldId id="259" r:id="rId9"/>
+    <p:sldId id="260" r:id="rId10"/>
   </p:sldIdLst>
   <p:sldSz cx="12192000" cy="6858000"/>
   <p:notesSz cx="6858000" cy="9144000"/>
@@ -3119,7 +3123,6 @@
               <a:rPr lang="en-US" dirty="0" smtClean="0"/>
               <a:t>Drivers and BIOS</a:t>
             </a:r>
-            <a:endParaRPr lang="en-US" dirty="0" smtClean="0"/>
           </a:p>
           <a:p>
             <a:pPr lvl="1"/>
@@ -3141,14 +3144,17 @@
             <a:pPr lvl="1"/>
             <a:r>
               <a:rPr lang="en-US" dirty="0"/>
-              <a:t>Driver PowerShell App </a:t>
-            </a:r>
-            <a:endParaRPr lang="en-US" dirty="0" smtClean="0"/>
+              <a:t>Driver Automation </a:t>
+            </a:r>
+            <a:r>
+              <a:rPr lang="en-US" dirty="0" smtClean="0"/>
+              <a:t>Tool</a:t>
+            </a:r>
           </a:p>
           <a:p>
             <a:pPr lvl="1"/>
             <a:r>
-              <a:rPr lang="en-US" dirty="0"/>
+              <a:rPr lang="en-US" dirty="0" smtClean="0"/>
               <a:t>BIOS </a:t>
             </a:r>
             <a:r>
@@ -3189,7 +3195,6 @@
               <a:rPr lang="en-US" dirty="0" smtClean="0"/>
               <a:t>Demo</a:t>
             </a:r>
-            <a:endParaRPr lang="en-US" dirty="0" smtClean="0"/>
           </a:p>
           <a:p>
             <a:pPr lvl="1"/>
@@ -3247,6 +3252,521 @@
             <p:ph type="title"/>
           </p:nvPr>
         </p:nvSpPr>
+        <p:spPr/>
+        <p:txBody>
+          <a:bodyPr/>
+          <a:lstStyle/>
+          <a:p>
+            <a:r>
+              <a:rPr lang="en-US" dirty="0"/>
+              <a:t>Modern Driver Implementation </a:t>
+            </a:r>
+          </a:p>
+        </p:txBody>
+      </p:sp>
+      <p:sp>
+        <p:nvSpPr>
+          <p:cNvPr id="3" name="Content Placeholder 2"/>
+          <p:cNvSpPr>
+            <a:spLocks noGrp="1"/>
+          </p:cNvSpPr>
+          <p:nvPr>
+            <p:ph idx="1"/>
+          </p:nvPr>
+        </p:nvSpPr>
+        <p:spPr>
+          <a:xfrm>
+            <a:off x="838200" y="1825625"/>
+            <a:ext cx="6857246" cy="4351338"/>
+          </a:xfrm>
+        </p:spPr>
+        <p:txBody>
+          <a:bodyPr/>
+          <a:lstStyle/>
+          <a:p>
+            <a:r>
+              <a:rPr lang="en-US" dirty="0" smtClean="0"/>
+              <a:t>Only install Drivers for the Machine and OS you are deploying to</a:t>
+            </a:r>
+          </a:p>
+          <a:p>
+            <a:r>
+              <a:rPr lang="en-US" dirty="0" smtClean="0"/>
+              <a:t>Organized Drivers to make updating them less of a pain</a:t>
+            </a:r>
+          </a:p>
+          <a:p>
+            <a:r>
+              <a:rPr lang="en-US" dirty="0" smtClean="0"/>
+              <a:t>Does require Model Alias Script</a:t>
+            </a:r>
+          </a:p>
+          <a:p>
+            <a:pPr marL="0" indent="0">
+              <a:buNone/>
+            </a:pPr>
+            <a:endParaRPr lang="en-US" dirty="0" smtClean="0"/>
+          </a:p>
+          <a:p>
+            <a:endParaRPr lang="en-US" dirty="0"/>
+          </a:p>
+        </p:txBody>
+      </p:sp>
+      <p:pic>
+        <p:nvPicPr>
+          <p:cNvPr id="4" name="Picture 3"/>
+          <p:cNvPicPr>
+            <a:picLocks noChangeAspect="1"/>
+          </p:cNvPicPr>
+          <p:nvPr/>
+        </p:nvPicPr>
+        <p:blipFill>
+          <a:blip r:embed="rId2"/>
+          <a:stretch>
+            <a:fillRect/>
+          </a:stretch>
+        </p:blipFill>
+        <p:spPr>
+          <a:xfrm>
+            <a:off x="7695445" y="1496432"/>
+            <a:ext cx="3573571" cy="4931528"/>
+          </a:xfrm>
+          <a:prstGeom prst="rect">
+            <a:avLst/>
+          </a:prstGeom>
+        </p:spPr>
+      </p:pic>
+    </p:spTree>
+    <p:extLst>
+      <p:ext uri="{BB962C8B-B14F-4D97-AF65-F5344CB8AC3E}">
+        <p14:creationId xmlns:p14="http://schemas.microsoft.com/office/powerpoint/2010/main" val="3302566440"/>
+      </p:ext>
+    </p:extLst>
+  </p:cSld>
+  <p:clrMapOvr>
+    <a:masterClrMapping/>
+  </p:clrMapOvr>
+</p:sld>
+</file>
+
+<file path=ppt/slides/slide4.xml><?xml version="1.0" encoding="utf-8"?>
+<p:sld xmlns:a="http://schemas.openxmlformats.org/drawingml/2006/main" xmlns:r="http://schemas.openxmlformats.org/officeDocument/2006/relationships" xmlns:p="http://schemas.openxmlformats.org/presentationml/2006/main">
+  <p:cSld>
+    <p:spTree>
+      <p:nvGrpSpPr>
+        <p:cNvPr id="1" name=""/>
+        <p:cNvGrpSpPr/>
+        <p:nvPr/>
+      </p:nvGrpSpPr>
+      <p:grpSpPr>
+        <a:xfrm>
+          <a:off x="0" y="0"/>
+          <a:ext cx="0" cy="0"/>
+          <a:chOff x="0" y="0"/>
+          <a:chExt cx="0" cy="0"/>
+        </a:xfrm>
+      </p:grpSpPr>
+      <p:sp>
+        <p:nvSpPr>
+          <p:cNvPr id="2" name="Title 1"/>
+          <p:cNvSpPr>
+            <a:spLocks noGrp="1"/>
+          </p:cNvSpPr>
+          <p:nvPr>
+            <p:ph type="title"/>
+          </p:nvPr>
+        </p:nvSpPr>
+        <p:spPr/>
+        <p:txBody>
+          <a:bodyPr/>
+          <a:lstStyle/>
+          <a:p>
+            <a:r>
+              <a:rPr lang="en-US" dirty="0"/>
+              <a:t>Model </a:t>
+            </a:r>
+            <a:r>
+              <a:rPr lang="en-US" dirty="0" smtClean="0"/>
+              <a:t>Alias</a:t>
+            </a:r>
+            <a:endParaRPr lang="en-US" dirty="0"/>
+          </a:p>
+        </p:txBody>
+      </p:sp>
+      <p:sp>
+        <p:nvSpPr>
+          <p:cNvPr id="3" name="Content Placeholder 2"/>
+          <p:cNvSpPr>
+            <a:spLocks noGrp="1"/>
+          </p:cNvSpPr>
+          <p:nvPr>
+            <p:ph idx="1"/>
+          </p:nvPr>
+        </p:nvSpPr>
+        <p:spPr/>
+        <p:txBody>
+          <a:bodyPr/>
+          <a:lstStyle/>
+          <a:p>
+            <a:r>
+              <a:rPr lang="en-US" dirty="0"/>
+              <a:t>VB Script (</a:t>
+            </a:r>
+            <a:r>
+              <a:rPr lang="en-US" dirty="0" smtClean="0"/>
+              <a:t>AliasUserExit.vbs) to help with Modern Driver Implementation and other functions</a:t>
+            </a:r>
+          </a:p>
+          <a:p>
+            <a:r>
+              <a:rPr lang="en-US" dirty="0" smtClean="0"/>
+              <a:t>Sits in %</a:t>
+            </a:r>
+            <a:r>
+              <a:rPr lang="en-US" dirty="0" err="1" smtClean="0"/>
+              <a:t>DeploymentRoot</a:t>
+            </a:r>
+            <a:r>
+              <a:rPr lang="en-US" dirty="0" smtClean="0"/>
+              <a:t>%\Scripts folder</a:t>
+            </a:r>
+          </a:p>
+          <a:p>
+            <a:r>
+              <a:rPr lang="en-US" dirty="0" smtClean="0"/>
+              <a:t>Basically creates MDT custom variables about the deployment target machine</a:t>
+            </a:r>
+          </a:p>
+          <a:p>
+            <a:r>
+              <a:rPr lang="en-US" dirty="0" smtClean="0"/>
+              <a:t>Written Originally by Mikael Nystrom</a:t>
+            </a:r>
+          </a:p>
+          <a:p>
+            <a:pPr lvl="1"/>
+            <a:r>
+              <a:rPr lang="en-US" sz="1600" dirty="0">
+                <a:hlinkClick r:id="rId2"/>
+              </a:rPr>
+              <a:t>https://deploymentbunny.com/2012/05/01/modelalias-user-exit-for-microsoft-deployment-toolkit-20102012</a:t>
+            </a:r>
+            <a:r>
+              <a:rPr lang="en-US" sz="1600" dirty="0" smtClean="0">
+                <a:hlinkClick r:id="rId2"/>
+              </a:rPr>
+              <a:t>/</a:t>
+            </a:r>
+            <a:endParaRPr lang="en-US" sz="1600" dirty="0" smtClean="0"/>
+          </a:p>
+          <a:p>
+            <a:endParaRPr lang="en-US" dirty="0"/>
+          </a:p>
+          <a:p>
+            <a:endParaRPr lang="en-US" dirty="0"/>
+          </a:p>
+        </p:txBody>
+      </p:sp>
+    </p:spTree>
+    <p:extLst>
+      <p:ext uri="{BB962C8B-B14F-4D97-AF65-F5344CB8AC3E}">
+        <p14:creationId xmlns:p14="http://schemas.microsoft.com/office/powerpoint/2010/main" val="2894998867"/>
+      </p:ext>
+    </p:extLst>
+  </p:cSld>
+  <p:clrMapOvr>
+    <a:masterClrMapping/>
+  </p:clrMapOvr>
+</p:sld>
+</file>
+
+<file path=ppt/slides/slide5.xml><?xml version="1.0" encoding="utf-8"?>
+<p:sld xmlns:a="http://schemas.openxmlformats.org/drawingml/2006/main" xmlns:r="http://schemas.openxmlformats.org/officeDocument/2006/relationships" xmlns:p="http://schemas.openxmlformats.org/presentationml/2006/main">
+  <p:cSld>
+    <p:spTree>
+      <p:nvGrpSpPr>
+        <p:cNvPr id="1" name=""/>
+        <p:cNvGrpSpPr/>
+        <p:nvPr/>
+      </p:nvGrpSpPr>
+      <p:grpSpPr>
+        <a:xfrm>
+          <a:off x="0" y="0"/>
+          <a:ext cx="0" cy="0"/>
+          <a:chOff x="0" y="0"/>
+          <a:chExt cx="0" cy="0"/>
+        </a:xfrm>
+      </p:grpSpPr>
+      <p:sp>
+        <p:nvSpPr>
+          <p:cNvPr id="2" name="Title 1"/>
+          <p:cNvSpPr>
+            <a:spLocks noGrp="1"/>
+          </p:cNvSpPr>
+          <p:nvPr>
+            <p:ph type="title"/>
+          </p:nvPr>
+        </p:nvSpPr>
+        <p:spPr/>
+        <p:txBody>
+          <a:bodyPr/>
+          <a:lstStyle/>
+          <a:p>
+            <a:r>
+              <a:rPr lang="en-US" dirty="0"/>
+              <a:t>Driver Automation Tool</a:t>
+            </a:r>
+          </a:p>
+        </p:txBody>
+      </p:sp>
+      <p:sp>
+        <p:nvSpPr>
+          <p:cNvPr id="3" name="Content Placeholder 2"/>
+          <p:cNvSpPr>
+            <a:spLocks noGrp="1"/>
+          </p:cNvSpPr>
+          <p:nvPr>
+            <p:ph idx="1"/>
+          </p:nvPr>
+        </p:nvSpPr>
+        <p:spPr/>
+        <p:txBody>
+          <a:bodyPr/>
+          <a:lstStyle/>
+          <a:p>
+            <a:r>
+              <a:rPr lang="en-US" dirty="0" smtClean="0"/>
+              <a:t>Built by Maurice Daly - @</a:t>
+            </a:r>
+            <a:r>
+              <a:rPr lang="en-US" dirty="0" err="1" smtClean="0"/>
+              <a:t>modaly_it</a:t>
+            </a:r>
+            <a:endParaRPr lang="en-US" dirty="0" smtClean="0"/>
+          </a:p>
+          <a:p>
+            <a:r>
+              <a:rPr lang="en-US" dirty="0" smtClean="0"/>
+              <a:t>Can be found at</a:t>
+            </a:r>
+          </a:p>
+          <a:p>
+            <a:pPr lvl="1"/>
+            <a:r>
+              <a:rPr lang="en-US" dirty="0"/>
+              <a:t> </a:t>
+            </a:r>
+            <a:r>
+              <a:rPr lang="en-US" sz="2000" dirty="0">
+                <a:hlinkClick r:id="rId2"/>
+              </a:rPr>
+              <a:t>http://www.scconfigmgr.com/2018/08/28/driver-automation-tool-6-1-0-released</a:t>
+            </a:r>
+            <a:r>
+              <a:rPr lang="en-US" sz="2000" dirty="0" smtClean="0">
+                <a:hlinkClick r:id="rId2"/>
+              </a:rPr>
+              <a:t>/</a:t>
+            </a:r>
+            <a:endParaRPr lang="en-US" sz="2000" dirty="0" smtClean="0"/>
+          </a:p>
+          <a:p>
+            <a:r>
+              <a:rPr lang="en-US" dirty="0" smtClean="0"/>
+              <a:t>GUI Based</a:t>
+            </a:r>
+          </a:p>
+          <a:p>
+            <a:r>
+              <a:rPr lang="en-US" dirty="0" smtClean="0"/>
+              <a:t>Works with MDT and SCCM</a:t>
+            </a:r>
+          </a:p>
+          <a:p>
+            <a:r>
+              <a:rPr lang="en-US" dirty="0" smtClean="0"/>
+              <a:t>Works with</a:t>
+            </a:r>
+          </a:p>
+          <a:p>
+            <a:pPr lvl="1"/>
+            <a:r>
+              <a:rPr lang="en-US" dirty="0" smtClean="0"/>
+              <a:t>Dell</a:t>
+            </a:r>
+          </a:p>
+          <a:p>
+            <a:pPr lvl="1"/>
+            <a:r>
+              <a:rPr lang="en-US" dirty="0" smtClean="0"/>
+              <a:t>HP</a:t>
+            </a:r>
+          </a:p>
+          <a:p>
+            <a:pPr lvl="1"/>
+            <a:r>
+              <a:rPr lang="en-US" dirty="0" smtClean="0"/>
+              <a:t>Lenovo</a:t>
+            </a:r>
+          </a:p>
+        </p:txBody>
+      </p:sp>
+    </p:spTree>
+    <p:extLst>
+      <p:ext uri="{BB962C8B-B14F-4D97-AF65-F5344CB8AC3E}">
+        <p14:creationId xmlns:p14="http://schemas.microsoft.com/office/powerpoint/2010/main" val="1409174615"/>
+      </p:ext>
+    </p:extLst>
+  </p:cSld>
+  <p:clrMapOvr>
+    <a:masterClrMapping/>
+  </p:clrMapOvr>
+</p:sld>
+</file>
+
+<file path=ppt/slides/slide6.xml><?xml version="1.0" encoding="utf-8"?>
+<p:sld xmlns:a="http://schemas.openxmlformats.org/drawingml/2006/main" xmlns:r="http://schemas.openxmlformats.org/officeDocument/2006/relationships" xmlns:p="http://schemas.openxmlformats.org/presentationml/2006/main">
+  <p:cSld>
+    <p:spTree>
+      <p:nvGrpSpPr>
+        <p:cNvPr id="1" name=""/>
+        <p:cNvGrpSpPr/>
+        <p:nvPr/>
+      </p:nvGrpSpPr>
+      <p:grpSpPr>
+        <a:xfrm>
+          <a:off x="0" y="0"/>
+          <a:ext cx="0" cy="0"/>
+          <a:chOff x="0" y="0"/>
+          <a:chExt cx="0" cy="0"/>
+        </a:xfrm>
+      </p:grpSpPr>
+      <p:sp>
+        <p:nvSpPr>
+          <p:cNvPr id="2" name="Title 1"/>
+          <p:cNvSpPr>
+            <a:spLocks noGrp="1"/>
+          </p:cNvSpPr>
+          <p:nvPr>
+            <p:ph type="title"/>
+          </p:nvPr>
+        </p:nvSpPr>
+        <p:spPr/>
+        <p:txBody>
+          <a:bodyPr/>
+          <a:lstStyle/>
+          <a:p>
+            <a:r>
+              <a:rPr lang="en-US" dirty="0"/>
+              <a:t>BIOS upgrade during </a:t>
+            </a:r>
+            <a:r>
+              <a:rPr lang="en-US" dirty="0" smtClean="0"/>
+              <a:t>deployment</a:t>
+            </a:r>
+            <a:endParaRPr lang="en-US" dirty="0"/>
+          </a:p>
+        </p:txBody>
+      </p:sp>
+      <p:sp>
+        <p:nvSpPr>
+          <p:cNvPr id="3" name="Content Placeholder 2"/>
+          <p:cNvSpPr>
+            <a:spLocks noGrp="1"/>
+          </p:cNvSpPr>
+          <p:nvPr>
+            <p:ph idx="1"/>
+          </p:nvPr>
+        </p:nvSpPr>
+        <p:spPr/>
+        <p:txBody>
+          <a:bodyPr/>
+          <a:lstStyle/>
+          <a:p>
+            <a:r>
+              <a:rPr lang="en-US" dirty="0" smtClean="0"/>
+              <a:t>PowerShell script to install BIOS updates for HP and Dell machines</a:t>
+            </a:r>
+          </a:p>
+          <a:p>
+            <a:r>
+              <a:rPr lang="en-US" dirty="0" smtClean="0"/>
+              <a:t>Idea taken from this post by Mikael Nystrom</a:t>
+            </a:r>
+          </a:p>
+          <a:p>
+            <a:pPr lvl="1"/>
+            <a:r>
+              <a:rPr lang="en-US" sz="1600" dirty="0">
+                <a:hlinkClick r:id="rId2"/>
+              </a:rPr>
+              <a:t>https://deploymentbunny.com/2016/07/20/osd-bios-upgrade-during-os-deployment-in-mdtconfigmgr-v3</a:t>
+            </a:r>
+            <a:r>
+              <a:rPr lang="en-US" sz="1600" dirty="0" smtClean="0">
+                <a:hlinkClick r:id="rId2"/>
+              </a:rPr>
+              <a:t>/</a:t>
+            </a:r>
+            <a:endParaRPr lang="en-US" sz="1600" dirty="0" smtClean="0"/>
+          </a:p>
+          <a:p>
+            <a:r>
+              <a:rPr lang="en-US" dirty="0" smtClean="0"/>
+              <a:t>I have tweaked it to make it work for me</a:t>
+            </a:r>
+          </a:p>
+          <a:p>
+            <a:r>
+              <a:rPr lang="en-US" dirty="0" smtClean="0"/>
+              <a:t>Also depend on Model Alias</a:t>
+            </a:r>
+          </a:p>
+          <a:p>
+            <a:endParaRPr lang="en-US" dirty="0"/>
+          </a:p>
+        </p:txBody>
+      </p:sp>
+    </p:spTree>
+    <p:extLst>
+      <p:ext uri="{BB962C8B-B14F-4D97-AF65-F5344CB8AC3E}">
+        <p14:creationId xmlns:p14="http://schemas.microsoft.com/office/powerpoint/2010/main" val="712266743"/>
+      </p:ext>
+    </p:extLst>
+  </p:cSld>
+  <p:clrMapOvr>
+    <a:masterClrMapping/>
+  </p:clrMapOvr>
+</p:sld>
+</file>
+
+<file path=ppt/slides/slide7.xml><?xml version="1.0" encoding="utf-8"?>
+<p:sld xmlns:a="http://schemas.openxmlformats.org/drawingml/2006/main" xmlns:r="http://schemas.openxmlformats.org/officeDocument/2006/relationships" xmlns:p="http://schemas.openxmlformats.org/presentationml/2006/main">
+  <p:cSld>
+    <p:spTree>
+      <p:nvGrpSpPr>
+        <p:cNvPr id="1" name=""/>
+        <p:cNvGrpSpPr/>
+        <p:nvPr/>
+      </p:nvGrpSpPr>
+      <p:grpSpPr>
+        <a:xfrm>
+          <a:off x="0" y="0"/>
+          <a:ext cx="0" cy="0"/>
+          <a:chOff x="0" y="0"/>
+          <a:chExt cx="0" cy="0"/>
+        </a:xfrm>
+      </p:grpSpPr>
+      <p:sp>
+        <p:nvSpPr>
+          <p:cNvPr id="2" name="Title 1"/>
+          <p:cNvSpPr>
+            <a:spLocks noGrp="1"/>
+          </p:cNvSpPr>
+          <p:nvPr>
+            <p:ph type="title"/>
+          </p:nvPr>
+        </p:nvSpPr>
         <p:spPr>
           <a:xfrm>
             <a:off x="838200" y="365125"/>
@@ -3288,7 +3808,7 @@
 </p:sld>
 </file>
 
-<file path=ppt/slides/slide4.xml><?xml version="1.0" encoding="utf-8"?>
+<file path=ppt/slides/slide8.xml><?xml version="1.0" encoding="utf-8"?>
 <p:sld xmlns:a="http://schemas.openxmlformats.org/drawingml/2006/main" xmlns:r="http://schemas.openxmlformats.org/officeDocument/2006/relationships" xmlns:p="http://schemas.openxmlformats.org/presentationml/2006/main">
   <p:cSld>
     <p:spTree>
@@ -3356,7 +3876,7 @@
 </p:sld>
 </file>
 
-<file path=ppt/slides/slide5.xml><?xml version="1.0" encoding="utf-8"?>
+<file path=ppt/slides/slide9.xml><?xml version="1.0" encoding="utf-8"?>
 <p:sld xmlns:a="http://schemas.openxmlformats.org/drawingml/2006/main" xmlns:r="http://schemas.openxmlformats.org/officeDocument/2006/relationships" xmlns:p="http://schemas.openxmlformats.org/presentationml/2006/main">
   <p:cSld>
     <p:spTree>

--- a/Part_02/Section02.pptx
+++ b/Part_02/Section02.pptx
@@ -9,11 +9,14 @@
     <p:sldId id="257" r:id="rId3"/>
     <p:sldId id="261" r:id="rId4"/>
     <p:sldId id="262" r:id="rId5"/>
-    <p:sldId id="263" r:id="rId6"/>
-    <p:sldId id="264" r:id="rId7"/>
-    <p:sldId id="258" r:id="rId8"/>
-    <p:sldId id="259" r:id="rId9"/>
-    <p:sldId id="260" r:id="rId10"/>
+    <p:sldId id="265" r:id="rId6"/>
+    <p:sldId id="266" r:id="rId7"/>
+    <p:sldId id="263" r:id="rId8"/>
+    <p:sldId id="264" r:id="rId9"/>
+    <p:sldId id="267" r:id="rId10"/>
+    <p:sldId id="258" r:id="rId11"/>
+    <p:sldId id="259" r:id="rId12"/>
+    <p:sldId id="260" r:id="rId13"/>
   </p:sldIdLst>
   <p:sldSz cx="12192000" cy="6858000"/>
   <p:notesSz cx="6858000" cy="9144000"/>
@@ -251,7 +254,7 @@
           <a:p>
             <a:fld id="{3D626D60-E8ED-4541-BE33-B3C1FAE5292A}" type="datetimeFigureOut">
               <a:rPr lang="en-US" smtClean="0"/>
-              <a:t>11/3/2018</a:t>
+              <a:t>11/4/2018</a:t>
             </a:fld>
             <a:endParaRPr lang="en-US"/>
           </a:p>
@@ -421,7 +424,7 @@
           <a:p>
             <a:fld id="{3D626D60-E8ED-4541-BE33-B3C1FAE5292A}" type="datetimeFigureOut">
               <a:rPr lang="en-US" smtClean="0"/>
-              <a:t>11/3/2018</a:t>
+              <a:t>11/4/2018</a:t>
             </a:fld>
             <a:endParaRPr lang="en-US"/>
           </a:p>
@@ -601,7 +604,7 @@
           <a:p>
             <a:fld id="{3D626D60-E8ED-4541-BE33-B3C1FAE5292A}" type="datetimeFigureOut">
               <a:rPr lang="en-US" smtClean="0"/>
-              <a:t>11/3/2018</a:t>
+              <a:t>11/4/2018</a:t>
             </a:fld>
             <a:endParaRPr lang="en-US"/>
           </a:p>
@@ -771,7 +774,7 @@
           <a:p>
             <a:fld id="{3D626D60-E8ED-4541-BE33-B3C1FAE5292A}" type="datetimeFigureOut">
               <a:rPr lang="en-US" smtClean="0"/>
-              <a:t>11/3/2018</a:t>
+              <a:t>11/4/2018</a:t>
             </a:fld>
             <a:endParaRPr lang="en-US"/>
           </a:p>
@@ -1017,7 +1020,7 @@
           <a:p>
             <a:fld id="{3D626D60-E8ED-4541-BE33-B3C1FAE5292A}" type="datetimeFigureOut">
               <a:rPr lang="en-US" smtClean="0"/>
-              <a:t>11/3/2018</a:t>
+              <a:t>11/4/2018</a:t>
             </a:fld>
             <a:endParaRPr lang="en-US"/>
           </a:p>
@@ -1249,7 +1252,7 @@
           <a:p>
             <a:fld id="{3D626D60-E8ED-4541-BE33-B3C1FAE5292A}" type="datetimeFigureOut">
               <a:rPr lang="en-US" smtClean="0"/>
-              <a:t>11/3/2018</a:t>
+              <a:t>11/4/2018</a:t>
             </a:fld>
             <a:endParaRPr lang="en-US"/>
           </a:p>
@@ -1616,7 +1619,7 @@
           <a:p>
             <a:fld id="{3D626D60-E8ED-4541-BE33-B3C1FAE5292A}" type="datetimeFigureOut">
               <a:rPr lang="en-US" smtClean="0"/>
-              <a:t>11/3/2018</a:t>
+              <a:t>11/4/2018</a:t>
             </a:fld>
             <a:endParaRPr lang="en-US"/>
           </a:p>
@@ -1734,7 +1737,7 @@
           <a:p>
             <a:fld id="{3D626D60-E8ED-4541-BE33-B3C1FAE5292A}" type="datetimeFigureOut">
               <a:rPr lang="en-US" smtClean="0"/>
-              <a:t>11/3/2018</a:t>
+              <a:t>11/4/2018</a:t>
             </a:fld>
             <a:endParaRPr lang="en-US"/>
           </a:p>
@@ -1829,7 +1832,7 @@
           <a:p>
             <a:fld id="{3D626D60-E8ED-4541-BE33-B3C1FAE5292A}" type="datetimeFigureOut">
               <a:rPr lang="en-US" smtClean="0"/>
-              <a:t>11/3/2018</a:t>
+              <a:t>11/4/2018</a:t>
             </a:fld>
             <a:endParaRPr lang="en-US"/>
           </a:p>
@@ -2106,7 +2109,7 @@
           <a:p>
             <a:fld id="{3D626D60-E8ED-4541-BE33-B3C1FAE5292A}" type="datetimeFigureOut">
               <a:rPr lang="en-US" smtClean="0"/>
-              <a:t>11/3/2018</a:t>
+              <a:t>11/4/2018</a:t>
             </a:fld>
             <a:endParaRPr lang="en-US"/>
           </a:p>
@@ -2359,7 +2362,7 @@
           <a:p>
             <a:fld id="{3D626D60-E8ED-4541-BE33-B3C1FAE5292A}" type="datetimeFigureOut">
               <a:rPr lang="en-US" smtClean="0"/>
-              <a:t>11/3/2018</a:t>
+              <a:t>11/4/2018</a:t>
             </a:fld>
             <a:endParaRPr lang="en-US"/>
           </a:p>
@@ -2572,7 +2575,7 @@
           <a:p>
             <a:fld id="{3D626D60-E8ED-4541-BE33-B3C1FAE5292A}" type="datetimeFigureOut">
               <a:rPr lang="en-US" smtClean="0"/>
-              <a:t>11/3/2018</a:t>
+              <a:t>11/4/2018</a:t>
             </a:fld>
             <a:endParaRPr lang="en-US"/>
           </a:p>
@@ -3052,6 +3055,215 @@
 </p:sld>
 </file>
 
+<file path=ppt/slides/slide10.xml><?xml version="1.0" encoding="utf-8"?>
+<p:sld xmlns:a="http://schemas.openxmlformats.org/drawingml/2006/main" xmlns:r="http://schemas.openxmlformats.org/officeDocument/2006/relationships" xmlns:p="http://schemas.openxmlformats.org/presentationml/2006/main">
+  <p:cSld>
+    <p:spTree>
+      <p:nvGrpSpPr>
+        <p:cNvPr id="1" name=""/>
+        <p:cNvGrpSpPr/>
+        <p:nvPr/>
+      </p:nvGrpSpPr>
+      <p:grpSpPr>
+        <a:xfrm>
+          <a:off x="0" y="0"/>
+          <a:ext cx="0" cy="0"/>
+          <a:chOff x="0" y="0"/>
+          <a:chExt cx="0" cy="0"/>
+        </a:xfrm>
+      </p:grpSpPr>
+      <p:sp>
+        <p:nvSpPr>
+          <p:cNvPr id="2" name="Title 1"/>
+          <p:cNvSpPr>
+            <a:spLocks noGrp="1"/>
+          </p:cNvSpPr>
+          <p:nvPr>
+            <p:ph type="title"/>
+          </p:nvPr>
+        </p:nvSpPr>
+        <p:spPr>
+          <a:xfrm>
+            <a:off x="838200" y="365125"/>
+            <a:ext cx="10515600" cy="5461934"/>
+          </a:xfrm>
+        </p:spPr>
+        <p:txBody>
+          <a:bodyPr>
+            <a:normAutofit/>
+          </a:bodyPr>
+          <a:lstStyle/>
+          <a:p>
+            <a:pPr algn="ctr"/>
+            <a:r>
+              <a:rPr lang="en-US" sz="16600" dirty="0" smtClean="0"/>
+              <a:t>Demo</a:t>
+            </a:r>
+            <a:endParaRPr lang="en-US" sz="16600" dirty="0"/>
+          </a:p>
+        </p:txBody>
+      </p:sp>
+    </p:spTree>
+    <p:extLst>
+      <p:ext uri="{BB962C8B-B14F-4D97-AF65-F5344CB8AC3E}">
+        <p14:creationId xmlns:p14="http://schemas.microsoft.com/office/powerpoint/2010/main" val="1108004813"/>
+      </p:ext>
+    </p:extLst>
+  </p:cSld>
+  <p:clrMapOvr>
+    <a:masterClrMapping/>
+  </p:clrMapOvr>
+  <p:timing>
+    <p:tnLst>
+      <p:par>
+        <p:cTn id="1" dur="indefinite" restart="never" nodeType="tmRoot"/>
+      </p:par>
+    </p:tnLst>
+  </p:timing>
+</p:sld>
+</file>
+
+<file path=ppt/slides/slide11.xml><?xml version="1.0" encoding="utf-8"?>
+<p:sld xmlns:a="http://schemas.openxmlformats.org/drawingml/2006/main" xmlns:r="http://schemas.openxmlformats.org/officeDocument/2006/relationships" xmlns:p="http://schemas.openxmlformats.org/presentationml/2006/main">
+  <p:cSld>
+    <p:spTree>
+      <p:nvGrpSpPr>
+        <p:cNvPr id="1" name=""/>
+        <p:cNvGrpSpPr/>
+        <p:nvPr/>
+      </p:nvGrpSpPr>
+      <p:grpSpPr>
+        <a:xfrm>
+          <a:off x="0" y="0"/>
+          <a:ext cx="0" cy="0"/>
+          <a:chOff x="0" y="0"/>
+          <a:chExt cx="0" cy="0"/>
+        </a:xfrm>
+      </p:grpSpPr>
+      <p:sp>
+        <p:nvSpPr>
+          <p:cNvPr id="2" name="Title 1"/>
+          <p:cNvSpPr>
+            <a:spLocks noGrp="1"/>
+          </p:cNvSpPr>
+          <p:nvPr>
+            <p:ph type="title"/>
+          </p:nvPr>
+        </p:nvSpPr>
+        <p:spPr>
+          <a:xfrm>
+            <a:off x="838200" y="365125"/>
+            <a:ext cx="10515600" cy="5641228"/>
+          </a:xfrm>
+        </p:spPr>
+        <p:txBody>
+          <a:bodyPr>
+            <a:normAutofit/>
+          </a:bodyPr>
+          <a:lstStyle/>
+          <a:p>
+            <a:pPr algn="ctr"/>
+            <a:r>
+              <a:rPr lang="en-US" sz="13800" dirty="0" smtClean="0"/>
+              <a:t>Questions</a:t>
+            </a:r>
+            <a:endParaRPr lang="en-US" sz="13800" dirty="0"/>
+          </a:p>
+        </p:txBody>
+      </p:sp>
+    </p:spTree>
+    <p:extLst>
+      <p:ext uri="{BB962C8B-B14F-4D97-AF65-F5344CB8AC3E}">
+        <p14:creationId xmlns:p14="http://schemas.microsoft.com/office/powerpoint/2010/main" val="4065363205"/>
+      </p:ext>
+    </p:extLst>
+  </p:cSld>
+  <p:clrMapOvr>
+    <a:masterClrMapping/>
+  </p:clrMapOvr>
+  <p:timing>
+    <p:tnLst>
+      <p:par>
+        <p:cTn id="1" dur="indefinite" restart="never" nodeType="tmRoot"/>
+      </p:par>
+    </p:tnLst>
+  </p:timing>
+</p:sld>
+</file>
+
+<file path=ppt/slides/slide12.xml><?xml version="1.0" encoding="utf-8"?>
+<p:sld xmlns:a="http://schemas.openxmlformats.org/drawingml/2006/main" xmlns:r="http://schemas.openxmlformats.org/officeDocument/2006/relationships" xmlns:p="http://schemas.openxmlformats.org/presentationml/2006/main">
+  <p:cSld>
+    <p:spTree>
+      <p:nvGrpSpPr>
+        <p:cNvPr id="1" name=""/>
+        <p:cNvGrpSpPr/>
+        <p:nvPr/>
+      </p:nvGrpSpPr>
+      <p:grpSpPr>
+        <a:xfrm>
+          <a:off x="0" y="0"/>
+          <a:ext cx="0" cy="0"/>
+          <a:chOff x="0" y="0"/>
+          <a:chExt cx="0" cy="0"/>
+        </a:xfrm>
+      </p:grpSpPr>
+      <p:sp>
+        <p:nvSpPr>
+          <p:cNvPr id="2" name="Title 1"/>
+          <p:cNvSpPr>
+            <a:spLocks noGrp="1"/>
+          </p:cNvSpPr>
+          <p:nvPr>
+            <p:ph type="title"/>
+          </p:nvPr>
+        </p:nvSpPr>
+        <p:spPr>
+          <a:xfrm>
+            <a:off x="838200" y="365125"/>
+            <a:ext cx="10515600" cy="5730875"/>
+          </a:xfrm>
+        </p:spPr>
+        <p:txBody>
+          <a:bodyPr/>
+          <a:lstStyle/>
+          <a:p>
+            <a:pPr algn="ctr"/>
+            <a:r>
+              <a:rPr lang="en-US" sz="13800" dirty="0" smtClean="0"/>
+              <a:t>Break</a:t>
+            </a:r>
+            <a:br>
+              <a:rPr lang="en-US" sz="13800" dirty="0" smtClean="0"/>
+            </a:br>
+            <a:r>
+              <a:rPr lang="en-US" sz="3200" dirty="0" smtClean="0"/>
+              <a:t>10 Minutes</a:t>
+            </a:r>
+            <a:endParaRPr lang="en-US" dirty="0"/>
+          </a:p>
+        </p:txBody>
+      </p:sp>
+    </p:spTree>
+    <p:extLst>
+      <p:ext uri="{BB962C8B-B14F-4D97-AF65-F5344CB8AC3E}">
+        <p14:creationId xmlns:p14="http://schemas.microsoft.com/office/powerpoint/2010/main" val="1552923458"/>
+      </p:ext>
+    </p:extLst>
+  </p:cSld>
+  <p:clrMapOvr>
+    <a:masterClrMapping/>
+  </p:clrMapOvr>
+  <p:timing>
+    <p:tnLst>
+      <p:par>
+        <p:cTn id="1" dur="indefinite" restart="never" nodeType="tmRoot"/>
+      </p:par>
+    </p:tnLst>
+  </p:timing>
+</p:sld>
+</file>
+
 <file path=ppt/slides/slide2.xml><?xml version="1.0" encoding="utf-8"?>
 <p:sld xmlns:a="http://schemas.openxmlformats.org/drawingml/2006/main" xmlns:r="http://schemas.openxmlformats.org/officeDocument/2006/relationships" xmlns:p="http://schemas.openxmlformats.org/presentationml/2006/main">
   <p:cSld>
@@ -3155,11 +3367,7 @@
             <a:pPr lvl="1"/>
             <a:r>
               <a:rPr lang="en-US" dirty="0" smtClean="0"/>
-              <a:t>BIOS </a:t>
-            </a:r>
-            <a:r>
-              <a:rPr lang="en-US" dirty="0" smtClean="0"/>
-              <a:t>upgrade </a:t>
+              <a:t>BIOS upgrade </a:t>
             </a:r>
             <a:r>
               <a:rPr lang="en-US" dirty="0"/>
@@ -3513,108 +3721,129 @@
           <a:lstStyle/>
           <a:p>
             <a:r>
+              <a:rPr lang="en-US" dirty="0" smtClean="0"/>
+              <a:t>Driver Task Sequence Adjustment</a:t>
+            </a:r>
+            <a:endParaRPr lang="en-US" dirty="0"/>
+          </a:p>
+        </p:txBody>
+      </p:sp>
+      <p:sp>
+        <p:nvSpPr>
+          <p:cNvPr id="3" name="Content Placeholder 2"/>
+          <p:cNvSpPr>
+            <a:spLocks noGrp="1"/>
+          </p:cNvSpPr>
+          <p:nvPr>
+            <p:ph idx="1"/>
+          </p:nvPr>
+        </p:nvSpPr>
+        <p:spPr/>
+        <p:txBody>
+          <a:bodyPr/>
+          <a:lstStyle/>
+          <a:p>
+            <a:r>
+              <a:rPr lang="en-US" dirty="0" smtClean="0"/>
+              <a:t>Need to create 2 Set Task Sequence Variable Tasks under Preinstall before the Inject Drivers TS</a:t>
+            </a:r>
+          </a:p>
+          <a:p>
+            <a:pPr lvl="1"/>
+            <a:r>
+              <a:rPr lang="en-US" dirty="0" smtClean="0"/>
+              <a:t>Task 1</a:t>
+            </a:r>
+          </a:p>
+          <a:p>
+            <a:pPr lvl="2"/>
+            <a:r>
+              <a:rPr lang="en-US" dirty="0" smtClean="0"/>
+              <a:t>Name - DriverGroup001</a:t>
+            </a:r>
+          </a:p>
+          <a:p>
+            <a:pPr lvl="2"/>
+            <a:r>
+              <a:rPr lang="en-US" dirty="0" smtClean="0"/>
+              <a:t>Task Sequence Variable - </a:t>
+            </a:r>
+            <a:r>
               <a:rPr lang="en-US" dirty="0"/>
-              <a:t>Driver Automation Tool</a:t>
-            </a:r>
-          </a:p>
-        </p:txBody>
-      </p:sp>
-      <p:sp>
-        <p:nvSpPr>
-          <p:cNvPr id="3" name="Content Placeholder 2"/>
-          <p:cNvSpPr>
-            <a:spLocks noGrp="1"/>
-          </p:cNvSpPr>
-          <p:nvPr>
-            <p:ph idx="1"/>
-          </p:nvPr>
-        </p:nvSpPr>
-        <p:spPr/>
-        <p:txBody>
-          <a:bodyPr/>
-          <a:lstStyle/>
-          <a:p>
-            <a:r>
-              <a:rPr lang="en-US" dirty="0" smtClean="0"/>
-              <a:t>Built by Maurice Daly - @</a:t>
-            </a:r>
-            <a:r>
-              <a:rPr lang="en-US" dirty="0" err="1" smtClean="0"/>
-              <a:t>modaly_it</a:t>
+              <a:t>DriverGroup001</a:t>
+            </a:r>
+          </a:p>
+          <a:p>
+            <a:pPr lvl="2"/>
+            <a:r>
+              <a:rPr lang="en-US" dirty="0" smtClean="0"/>
+              <a:t>Value - </a:t>
+            </a:r>
+            <a:r>
+              <a:rPr lang="pt-BR" dirty="0"/>
+              <a:t>Windows 10 x64\%MakeAlias%\%ModelAlias%</a:t>
             </a:r>
             <a:endParaRPr lang="en-US" dirty="0" smtClean="0"/>
           </a:p>
           <a:p>
-            <a:r>
-              <a:rPr lang="en-US" dirty="0" smtClean="0"/>
-              <a:t>Can be found at</a:t>
-            </a:r>
-          </a:p>
-          <a:p>
             <a:pPr lvl="1"/>
             <a:r>
+              <a:rPr lang="en-US" dirty="0" smtClean="0"/>
+              <a:t>Task 2</a:t>
+            </a:r>
+          </a:p>
+          <a:p>
+            <a:pPr lvl="2"/>
+            <a:r>
               <a:rPr lang="en-US" dirty="0"/>
-              <a:t> </a:t>
-            </a:r>
-            <a:r>
-              <a:rPr lang="en-US" sz="2000" dirty="0">
-                <a:hlinkClick r:id="rId2"/>
-              </a:rPr>
-              <a:t>http://www.scconfigmgr.com/2018/08/28/driver-automation-tool-6-1-0-released</a:t>
-            </a:r>
-            <a:r>
-              <a:rPr lang="en-US" sz="2000" dirty="0" smtClean="0">
-                <a:hlinkClick r:id="rId2"/>
-              </a:rPr>
-              <a:t>/</a:t>
-            </a:r>
-            <a:endParaRPr lang="en-US" sz="2000" dirty="0" smtClean="0"/>
-          </a:p>
-          <a:p>
-            <a:r>
-              <a:rPr lang="en-US" dirty="0" smtClean="0"/>
-              <a:t>GUI Based</a:t>
-            </a:r>
-          </a:p>
-          <a:p>
-            <a:r>
-              <a:rPr lang="en-US" dirty="0" smtClean="0"/>
-              <a:t>Works with MDT and SCCM</a:t>
-            </a:r>
-          </a:p>
-          <a:p>
-            <a:r>
-              <a:rPr lang="en-US" dirty="0" smtClean="0"/>
-              <a:t>Works with</a:t>
-            </a:r>
-          </a:p>
-          <a:p>
-            <a:pPr lvl="1"/>
-            <a:r>
-              <a:rPr lang="en-US" dirty="0" smtClean="0"/>
-              <a:t>Dell</a:t>
-            </a:r>
-          </a:p>
-          <a:p>
-            <a:pPr lvl="1"/>
-            <a:r>
-              <a:rPr lang="en-US" dirty="0" smtClean="0"/>
-              <a:t>HP</a:t>
-            </a:r>
-          </a:p>
-          <a:p>
-            <a:pPr lvl="1"/>
-            <a:r>
-              <a:rPr lang="en-US" dirty="0" smtClean="0"/>
-              <a:t>Lenovo</a:t>
-            </a:r>
+              <a:t>Name - </a:t>
+            </a:r>
+            <a:r>
+              <a:rPr lang="en-US" dirty="0" smtClean="0"/>
+              <a:t>DriverGroup002</a:t>
+            </a:r>
+            <a:endParaRPr lang="en-US" dirty="0"/>
+          </a:p>
+          <a:p>
+            <a:pPr lvl="2"/>
+            <a:r>
+              <a:rPr lang="en-US" dirty="0"/>
+              <a:t>Task Sequence Variable - </a:t>
+            </a:r>
+            <a:r>
+              <a:rPr lang="en-US" dirty="0" smtClean="0"/>
+              <a:t>DriverGroup002</a:t>
+            </a:r>
+            <a:endParaRPr lang="en-US" dirty="0"/>
+          </a:p>
+          <a:p>
+            <a:pPr lvl="2"/>
+            <a:r>
+              <a:rPr lang="en-US" dirty="0"/>
+              <a:t>Value - </a:t>
+            </a:r>
+            <a:r>
+              <a:rPr lang="pt-BR" dirty="0"/>
+              <a:t>Windows 10 </a:t>
+            </a:r>
+            <a:r>
+              <a:rPr lang="pt-BR" dirty="0" smtClean="0"/>
+              <a:t>x64\Generic</a:t>
+            </a:r>
+          </a:p>
+          <a:p>
+            <a:r>
+              <a:rPr lang="pt-BR" dirty="0" smtClean="0"/>
+              <a:t>Set Inject Drivers to Nothing</a:t>
+            </a:r>
+            <a:endParaRPr lang="en-US" dirty="0"/>
           </a:p>
         </p:txBody>
       </p:sp>
     </p:spTree>
     <p:extLst>
       <p:ext uri="{BB962C8B-B14F-4D97-AF65-F5344CB8AC3E}">
-        <p14:creationId xmlns:p14="http://schemas.microsoft.com/office/powerpoint/2010/main" val="1409174615"/>
+        <p14:creationId xmlns:p14="http://schemas.microsoft.com/office/powerpoint/2010/main" val="318556256"/>
       </p:ext>
     </p:extLst>
   </p:cSld>
@@ -3651,92 +3880,183 @@
             <p:ph type="title"/>
           </p:nvPr>
         </p:nvSpPr>
-        <p:spPr/>
-        <p:txBody>
-          <a:bodyPr/>
-          <a:lstStyle/>
-          <a:p>
-            <a:r>
-              <a:rPr lang="en-US" dirty="0"/>
-              <a:t>BIOS upgrade during </a:t>
-            </a:r>
-            <a:r>
-              <a:rPr lang="en-US" dirty="0" smtClean="0"/>
-              <a:t>deployment</a:t>
+        <p:spPr>
+          <a:xfrm>
+            <a:off x="838200" y="334981"/>
+            <a:ext cx="10515600" cy="1325563"/>
+          </a:xfrm>
+        </p:spPr>
+        <p:txBody>
+          <a:bodyPr/>
+          <a:lstStyle/>
+          <a:p>
+            <a:r>
+              <a:rPr lang="en-US" dirty="0" smtClean="0"/>
+              <a:t>Driver Task Sequence Adjustment</a:t>
             </a:r>
             <a:endParaRPr lang="en-US" dirty="0"/>
           </a:p>
         </p:txBody>
       </p:sp>
-      <p:sp>
-        <p:nvSpPr>
-          <p:cNvPr id="3" name="Content Placeholder 2"/>
-          <p:cNvSpPr>
-            <a:spLocks noGrp="1"/>
-          </p:cNvSpPr>
+      <p:pic>
+        <p:nvPicPr>
+          <p:cNvPr id="5" name="Content Placeholder 4"/>
+          <p:cNvPicPr>
+            <a:picLocks noGrp="1" noChangeAspect="1"/>
+          </p:cNvPicPr>
           <p:nvPr>
             <p:ph idx="1"/>
           </p:nvPr>
-        </p:nvSpPr>
-        <p:spPr/>
-        <p:txBody>
-          <a:bodyPr/>
-          <a:lstStyle/>
-          <a:p>
-            <a:r>
-              <a:rPr lang="en-US" dirty="0" smtClean="0"/>
-              <a:t>PowerShell script to install BIOS updates for HP and Dell machines</a:t>
-            </a:r>
-          </a:p>
-          <a:p>
-            <a:r>
-              <a:rPr lang="en-US" dirty="0" smtClean="0"/>
-              <a:t>Idea taken from this post by Mikael Nystrom</a:t>
-            </a:r>
-          </a:p>
-          <a:p>
-            <a:pPr lvl="1"/>
-            <a:r>
-              <a:rPr lang="en-US" sz="1600" dirty="0">
-                <a:hlinkClick r:id="rId2"/>
-              </a:rPr>
-              <a:t>https://deploymentbunny.com/2016/07/20/osd-bios-upgrade-during-os-deployment-in-mdtconfigmgr-v3</a:t>
-            </a:r>
-            <a:r>
-              <a:rPr lang="en-US" sz="1600" dirty="0" smtClean="0">
-                <a:hlinkClick r:id="rId2"/>
-              </a:rPr>
-              <a:t>/</a:t>
-            </a:r>
-            <a:endParaRPr lang="en-US" sz="1600" dirty="0" smtClean="0"/>
-          </a:p>
-          <a:p>
-            <a:r>
-              <a:rPr lang="en-US" dirty="0" smtClean="0"/>
-              <a:t>I have tweaked it to make it work for me</a:t>
-            </a:r>
-          </a:p>
-          <a:p>
-            <a:r>
-              <a:rPr lang="en-US" dirty="0" smtClean="0"/>
-              <a:t>Also depend on Model Alias</a:t>
-            </a:r>
-          </a:p>
-          <a:p>
-            <a:endParaRPr lang="en-US" dirty="0"/>
-          </a:p>
-        </p:txBody>
-      </p:sp>
+        </p:nvPicPr>
+        <p:blipFill>
+          <a:blip r:embed="rId2"/>
+          <a:stretch>
+            <a:fillRect/>
+          </a:stretch>
+        </p:blipFill>
+        <p:spPr>
+          <a:xfrm>
+            <a:off x="3043427" y="1293060"/>
+            <a:ext cx="6105146" cy="5502275"/>
+          </a:xfrm>
+          <a:prstGeom prst="rect">
+            <a:avLst/>
+          </a:prstGeom>
+        </p:spPr>
+      </p:pic>
+      <p:pic>
+        <p:nvPicPr>
+          <p:cNvPr id="6" name="Picture 5"/>
+          <p:cNvPicPr>
+            <a:picLocks noChangeAspect="1"/>
+          </p:cNvPicPr>
+          <p:nvPr/>
+        </p:nvPicPr>
+        <p:blipFill>
+          <a:blip r:embed="rId3"/>
+          <a:stretch>
+            <a:fillRect/>
+          </a:stretch>
+        </p:blipFill>
+        <p:spPr>
+          <a:xfrm>
+            <a:off x="3043427" y="1293060"/>
+            <a:ext cx="6105147" cy="5502275"/>
+          </a:xfrm>
+          <a:prstGeom prst="rect">
+            <a:avLst/>
+          </a:prstGeom>
+        </p:spPr>
+      </p:pic>
+      <p:pic>
+        <p:nvPicPr>
+          <p:cNvPr id="7" name="Picture 6"/>
+          <p:cNvPicPr>
+            <a:picLocks noChangeAspect="1"/>
+          </p:cNvPicPr>
+          <p:nvPr/>
+        </p:nvPicPr>
+        <p:blipFill>
+          <a:blip r:embed="rId4"/>
+          <a:stretch>
+            <a:fillRect/>
+          </a:stretch>
+        </p:blipFill>
+        <p:spPr>
+          <a:xfrm>
+            <a:off x="3043427" y="1293060"/>
+            <a:ext cx="6105147" cy="5502275"/>
+          </a:xfrm>
+          <a:prstGeom prst="rect">
+            <a:avLst/>
+          </a:prstGeom>
+        </p:spPr>
+      </p:pic>
     </p:spTree>
     <p:extLst>
       <p:ext uri="{BB962C8B-B14F-4D97-AF65-F5344CB8AC3E}">
-        <p14:creationId xmlns:p14="http://schemas.microsoft.com/office/powerpoint/2010/main" val="712266743"/>
+        <p14:creationId xmlns:p14="http://schemas.microsoft.com/office/powerpoint/2010/main" val="839545996"/>
       </p:ext>
     </p:extLst>
   </p:cSld>
   <p:clrMapOvr>
     <a:masterClrMapping/>
   </p:clrMapOvr>
+  <p:timing>
+    <p:tnLst>
+      <p:par>
+        <p:cTn id="1" dur="indefinite" restart="never" nodeType="tmRoot">
+          <p:childTnLst>
+            <p:seq concurrent="1" nextAc="seek">
+              <p:cTn id="2" dur="indefinite" nodeType="mainSeq">
+                <p:childTnLst>
+                  <p:par>
+                    <p:cTn id="3" fill="hold">
+                      <p:stCondLst>
+                        <p:cond delay="indefinite"/>
+                      </p:stCondLst>
+                      <p:childTnLst>
+                        <p:par>
+                          <p:cTn id="4" fill="hold">
+                            <p:stCondLst>
+                              <p:cond delay="0"/>
+                            </p:stCondLst>
+                            <p:childTnLst>
+                              <p:par>
+                                <p:cTn id="5" presetID="1" presetClass="entr" presetSubtype="0" fill="hold" nodeType="clickEffect">
+                                  <p:stCondLst>
+                                    <p:cond delay="0"/>
+                                  </p:stCondLst>
+                                  <p:childTnLst>
+                                    <p:set>
+                                      <p:cBhvr>
+                                        <p:cTn id="6" dur="1" fill="hold">
+                                          <p:stCondLst>
+                                            <p:cond delay="0"/>
+                                          </p:stCondLst>
+                                        </p:cTn>
+                                        <p:tgtEl>
+                                          <p:spTgt spid="6"/>
+                                        </p:tgtEl>
+                                        <p:attrNameLst>
+                                          <p:attrName>style.visibility</p:attrName>
+                                        </p:attrNameLst>
+                                      </p:cBhvr>
+                                      <p:to>
+                                        <p:strVal val="visible"/>
+                                      </p:to>
+                                    </p:set>
+                                  </p:childTnLst>
+                                </p:cTn>
+                              </p:par>
+                            </p:childTnLst>
+                          </p:cTn>
+                        </p:par>
+                      </p:childTnLst>
+                    </p:cTn>
+                  </p:par>
+                </p:childTnLst>
+              </p:cTn>
+              <p:prevCondLst>
+                <p:cond evt="onPrev" delay="0">
+                  <p:tgtEl>
+                    <p:sldTgt/>
+                  </p:tgtEl>
+                </p:cond>
+              </p:prevCondLst>
+              <p:nextCondLst>
+                <p:cond evt="onNext" delay="0">
+                  <p:tgtEl>
+                    <p:sldTgt/>
+                  </p:tgtEl>
+                </p:cond>
+              </p:nextCondLst>
+            </p:seq>
+          </p:childTnLst>
+        </p:cTn>
+      </p:par>
+    </p:tnLst>
+  </p:timing>
 </p:sld>
 </file>
 
@@ -3767,44 +4087,120 @@
             <p:ph type="title"/>
           </p:nvPr>
         </p:nvSpPr>
-        <p:spPr>
-          <a:xfrm>
-            <a:off x="838200" y="365125"/>
-            <a:ext cx="10515600" cy="5461934"/>
-          </a:xfrm>
-        </p:spPr>
-        <p:txBody>
-          <a:bodyPr>
-            <a:normAutofit/>
-          </a:bodyPr>
-          <a:lstStyle/>
-          <a:p>
-            <a:pPr algn="ctr"/>
-            <a:r>
-              <a:rPr lang="en-US" sz="16600" dirty="0" smtClean="0"/>
-              <a:t>Demo</a:t>
-            </a:r>
-            <a:endParaRPr lang="en-US" sz="16600" dirty="0"/>
+        <p:spPr/>
+        <p:txBody>
+          <a:bodyPr/>
+          <a:lstStyle/>
+          <a:p>
+            <a:r>
+              <a:rPr lang="en-US" dirty="0"/>
+              <a:t>Driver Automation Tool</a:t>
+            </a:r>
+          </a:p>
+        </p:txBody>
+      </p:sp>
+      <p:sp>
+        <p:nvSpPr>
+          <p:cNvPr id="3" name="Content Placeholder 2"/>
+          <p:cNvSpPr>
+            <a:spLocks noGrp="1"/>
+          </p:cNvSpPr>
+          <p:nvPr>
+            <p:ph idx="1"/>
+          </p:nvPr>
+        </p:nvSpPr>
+        <p:spPr/>
+        <p:txBody>
+          <a:bodyPr/>
+          <a:lstStyle/>
+          <a:p>
+            <a:r>
+              <a:rPr lang="en-US" dirty="0" smtClean="0"/>
+              <a:t>Built by Maurice Daly - @</a:t>
+            </a:r>
+            <a:r>
+              <a:rPr lang="en-US" dirty="0" err="1" smtClean="0"/>
+              <a:t>modaly_it</a:t>
+            </a:r>
+            <a:endParaRPr lang="en-US" dirty="0" smtClean="0"/>
+          </a:p>
+          <a:p>
+            <a:r>
+              <a:rPr lang="en-US" dirty="0" smtClean="0"/>
+              <a:t>Can be found at</a:t>
+            </a:r>
+          </a:p>
+          <a:p>
+            <a:pPr lvl="1"/>
+            <a:r>
+              <a:rPr lang="en-US" dirty="0"/>
+              <a:t> </a:t>
+            </a:r>
+            <a:r>
+              <a:rPr lang="en-US" sz="2000" dirty="0">
+                <a:hlinkClick r:id="rId2"/>
+              </a:rPr>
+              <a:t>http://www.scconfigmgr.com/2018/08/28/driver-automation-tool-6-1-0-released</a:t>
+            </a:r>
+            <a:r>
+              <a:rPr lang="en-US" sz="2000" dirty="0" smtClean="0">
+                <a:hlinkClick r:id="rId2"/>
+              </a:rPr>
+              <a:t>/</a:t>
+            </a:r>
+            <a:endParaRPr lang="en-US" sz="2000" dirty="0" smtClean="0"/>
+          </a:p>
+          <a:p>
+            <a:r>
+              <a:rPr lang="en-US" dirty="0" smtClean="0"/>
+              <a:t>GUI Based</a:t>
+            </a:r>
+          </a:p>
+          <a:p>
+            <a:r>
+              <a:rPr lang="en-US" dirty="0" smtClean="0"/>
+              <a:t>Works with MDT and SCCM</a:t>
+            </a:r>
+          </a:p>
+          <a:p>
+            <a:r>
+              <a:rPr lang="en-US" dirty="0" smtClean="0"/>
+              <a:t>Works with</a:t>
+            </a:r>
+          </a:p>
+          <a:p>
+            <a:pPr lvl="1"/>
+            <a:r>
+              <a:rPr lang="en-US" dirty="0" smtClean="0"/>
+              <a:t>Dell</a:t>
+            </a:r>
+          </a:p>
+          <a:p>
+            <a:pPr lvl="1"/>
+            <a:r>
+              <a:rPr lang="en-US" dirty="0" smtClean="0"/>
+              <a:t>HP</a:t>
+            </a:r>
+          </a:p>
+          <a:p>
+            <a:pPr lvl="1"/>
+            <a:r>
+              <a:rPr lang="en-US" dirty="0" smtClean="0"/>
+              <a:t>Lenovo</a:t>
+            </a:r>
           </a:p>
         </p:txBody>
       </p:sp>
     </p:spTree>
     <p:extLst>
       <p:ext uri="{BB962C8B-B14F-4D97-AF65-F5344CB8AC3E}">
-        <p14:creationId xmlns:p14="http://schemas.microsoft.com/office/powerpoint/2010/main" val="1108004813"/>
+        <p14:creationId xmlns:p14="http://schemas.microsoft.com/office/powerpoint/2010/main" val="1409174615"/>
       </p:ext>
     </p:extLst>
   </p:cSld>
   <p:clrMapOvr>
     <a:masterClrMapping/>
   </p:clrMapOvr>
-  <p:timing>
-    <p:tnLst>
-      <p:par>
-        <p:cTn id="1" dur="indefinite" restart="never" nodeType="tmRoot"/>
-      </p:par>
-    </p:tnLst>
-  </p:timing>
 </p:sld>
 </file>
 
@@ -3835,31 +4231,86 @@
             <p:ph type="title"/>
           </p:nvPr>
         </p:nvSpPr>
-        <p:spPr>
-          <a:xfrm>
-            <a:off x="838200" y="365125"/>
-            <a:ext cx="10515600" cy="5641228"/>
-          </a:xfrm>
-        </p:spPr>
-        <p:txBody>
-          <a:bodyPr>
-            <a:normAutofit/>
-          </a:bodyPr>
-          <a:lstStyle/>
-          <a:p>
-            <a:pPr algn="ctr"/>
-            <a:r>
-              <a:rPr lang="en-US" sz="13800" dirty="0" smtClean="0"/>
-              <a:t>Questions</a:t>
-            </a:r>
-            <a:endParaRPr lang="en-US" sz="13800" dirty="0"/>
+        <p:spPr/>
+        <p:txBody>
+          <a:bodyPr/>
+          <a:lstStyle/>
+          <a:p>
+            <a:r>
+              <a:rPr lang="en-US" dirty="0"/>
+              <a:t>BIOS upgrade during </a:t>
+            </a:r>
+            <a:r>
+              <a:rPr lang="en-US" dirty="0" smtClean="0"/>
+              <a:t>deployment</a:t>
+            </a:r>
+            <a:endParaRPr lang="en-US" dirty="0"/>
+          </a:p>
+        </p:txBody>
+      </p:sp>
+      <p:sp>
+        <p:nvSpPr>
+          <p:cNvPr id="3" name="Content Placeholder 2"/>
+          <p:cNvSpPr>
+            <a:spLocks noGrp="1"/>
+          </p:cNvSpPr>
+          <p:nvPr>
+            <p:ph idx="1"/>
+          </p:nvPr>
+        </p:nvSpPr>
+        <p:spPr/>
+        <p:txBody>
+          <a:bodyPr/>
+          <a:lstStyle/>
+          <a:p>
+            <a:r>
+              <a:rPr lang="en-US" dirty="0" smtClean="0"/>
+              <a:t>PowerShell script to install BIOS updates for HP and Dell machines</a:t>
+            </a:r>
+          </a:p>
+          <a:p>
+            <a:r>
+              <a:rPr lang="en-US" dirty="0" smtClean="0"/>
+              <a:t>Idea taken from this post by Mikael Nystrom</a:t>
+            </a:r>
+          </a:p>
+          <a:p>
+            <a:pPr lvl="1"/>
+            <a:r>
+              <a:rPr lang="en-US" sz="1600" dirty="0">
+                <a:hlinkClick r:id="rId2"/>
+              </a:rPr>
+              <a:t>https://deploymentbunny.com/2016/07/20/osd-bios-upgrade-during-os-deployment-in-mdtconfigmgr-v3</a:t>
+            </a:r>
+            <a:r>
+              <a:rPr lang="en-US" sz="1600" dirty="0" smtClean="0">
+                <a:hlinkClick r:id="rId2"/>
+              </a:rPr>
+              <a:t>/</a:t>
+            </a:r>
+            <a:endParaRPr lang="en-US" sz="1600" dirty="0" smtClean="0"/>
+          </a:p>
+          <a:p>
+            <a:r>
+              <a:rPr lang="en-US" dirty="0" smtClean="0"/>
+              <a:t>I have tweaked it to make it work for me</a:t>
+            </a:r>
+          </a:p>
+          <a:p>
+            <a:r>
+              <a:rPr lang="en-US" dirty="0" smtClean="0"/>
+              <a:t>Also depend on Model Alias</a:t>
+            </a:r>
+          </a:p>
+          <a:p>
+            <a:endParaRPr lang="en-US" dirty="0"/>
           </a:p>
         </p:txBody>
       </p:sp>
     </p:spTree>
     <p:extLst>
       <p:ext uri="{BB962C8B-B14F-4D97-AF65-F5344CB8AC3E}">
-        <p14:creationId xmlns:p14="http://schemas.microsoft.com/office/powerpoint/2010/main" val="4065363205"/>
+        <p14:creationId xmlns:p14="http://schemas.microsoft.com/office/powerpoint/2010/main" val="712266743"/>
       </p:ext>
     </p:extLst>
   </p:cSld>
@@ -3903,28 +4354,95 @@
             <p:ph type="title"/>
           </p:nvPr>
         </p:nvSpPr>
-        <p:spPr>
-          <a:xfrm>
-            <a:off x="838200" y="365125"/>
-            <a:ext cx="10515600" cy="5730875"/>
-          </a:xfrm>
-        </p:spPr>
-        <p:txBody>
-          <a:bodyPr/>
-          <a:lstStyle/>
-          <a:p>
-            <a:pPr algn="ctr"/>
-            <a:r>
-              <a:rPr lang="en-US" sz="13800" dirty="0" smtClean="0"/>
-              <a:t>Break</a:t>
-            </a:r>
-            <a:br>
-              <a:rPr lang="en-US" sz="13800" dirty="0" smtClean="0"/>
-            </a:br>
-            <a:r>
-              <a:rPr lang="en-US" sz="3200" dirty="0" smtClean="0"/>
-              <a:t>10 Minutes</a:t>
-            </a:r>
+        <p:spPr/>
+        <p:txBody>
+          <a:bodyPr/>
+          <a:lstStyle/>
+          <a:p>
+            <a:r>
+              <a:rPr lang="en-US" dirty="0"/>
+              <a:t>BIOS </a:t>
+            </a:r>
+            <a:r>
+              <a:rPr lang="en-US" dirty="0" smtClean="0"/>
+              <a:t>upgrade Task Sequence</a:t>
+            </a:r>
+            <a:endParaRPr lang="en-US" dirty="0"/>
+          </a:p>
+        </p:txBody>
+      </p:sp>
+      <p:sp>
+        <p:nvSpPr>
+          <p:cNvPr id="3" name="Content Placeholder 2"/>
+          <p:cNvSpPr>
+            <a:spLocks noGrp="1"/>
+          </p:cNvSpPr>
+          <p:nvPr>
+            <p:ph idx="1"/>
+          </p:nvPr>
+        </p:nvSpPr>
+        <p:spPr/>
+        <p:txBody>
+          <a:bodyPr/>
+          <a:lstStyle/>
+          <a:p>
+            <a:r>
+              <a:rPr lang="en-US" dirty="0" smtClean="0"/>
+              <a:t>Add </a:t>
+            </a:r>
+            <a:r>
+              <a:rPr lang="en-US" dirty="0"/>
+              <a:t>the Application Install - BIOS </a:t>
+            </a:r>
+            <a:r>
+              <a:rPr lang="en-US" dirty="0" smtClean="0"/>
+              <a:t>Upgrade</a:t>
+            </a:r>
+          </a:p>
+          <a:p>
+            <a:r>
+              <a:rPr lang="en-US" dirty="0" smtClean="0"/>
+              <a:t>In the State Restore Section</a:t>
+            </a:r>
+          </a:p>
+          <a:p>
+            <a:pPr lvl="1"/>
+            <a:r>
+              <a:rPr lang="en-US" dirty="0" smtClean="0"/>
+              <a:t>Create new Group called BISO Upgrade</a:t>
+            </a:r>
+          </a:p>
+          <a:p>
+            <a:pPr lvl="1"/>
+            <a:r>
+              <a:rPr lang="en-US" dirty="0" smtClean="0"/>
+              <a:t>Add TS to run Application Install – BIOS Upgrade</a:t>
+            </a:r>
+          </a:p>
+          <a:p>
+            <a:pPr lvl="1"/>
+            <a:r>
+              <a:rPr lang="en-US" dirty="0" smtClean="0"/>
+              <a:t>Add Restart Computer TS</a:t>
+            </a:r>
+          </a:p>
+          <a:p>
+            <a:pPr lvl="2"/>
+            <a:r>
+              <a:rPr lang="en-US" dirty="0" smtClean="0"/>
+              <a:t>Add TS variable check </a:t>
+            </a:r>
+            <a:r>
+              <a:rPr lang="en-US" dirty="0" err="1" smtClean="0"/>
+              <a:t>NeedReboot</a:t>
+            </a:r>
+            <a:r>
+              <a:rPr lang="en-US" dirty="0" smtClean="0"/>
+              <a:t> equals YES</a:t>
+            </a:r>
+          </a:p>
+          <a:p>
+            <a:pPr lvl="1"/>
             <a:endParaRPr lang="en-US" dirty="0"/>
           </a:p>
         </p:txBody>
@@ -3932,7 +4450,7 @@
     </p:spTree>
     <p:extLst>
       <p:ext uri="{BB962C8B-B14F-4D97-AF65-F5344CB8AC3E}">
-        <p14:creationId xmlns:p14="http://schemas.microsoft.com/office/powerpoint/2010/main" val="1552923458"/>
+        <p14:creationId xmlns:p14="http://schemas.microsoft.com/office/powerpoint/2010/main" val="3743938240"/>
       </p:ext>
     </p:extLst>
   </p:cSld>

--- a/Part_02/Section02.pptx
+++ b/Part_02/Section02.pptx
@@ -254,7 +254,7 @@
           <a:p>
             <a:fld id="{3D626D60-E8ED-4541-BE33-B3C1FAE5292A}" type="datetimeFigureOut">
               <a:rPr lang="en-US" smtClean="0"/>
-              <a:t>11/4/2018</a:t>
+              <a:t>11/6/2018</a:t>
             </a:fld>
             <a:endParaRPr lang="en-US"/>
           </a:p>
@@ -424,7 +424,7 @@
           <a:p>
             <a:fld id="{3D626D60-E8ED-4541-BE33-B3C1FAE5292A}" type="datetimeFigureOut">
               <a:rPr lang="en-US" smtClean="0"/>
-              <a:t>11/4/2018</a:t>
+              <a:t>11/6/2018</a:t>
             </a:fld>
             <a:endParaRPr lang="en-US"/>
           </a:p>
@@ -604,7 +604,7 @@
           <a:p>
             <a:fld id="{3D626D60-E8ED-4541-BE33-B3C1FAE5292A}" type="datetimeFigureOut">
               <a:rPr lang="en-US" smtClean="0"/>
-              <a:t>11/4/2018</a:t>
+              <a:t>11/6/2018</a:t>
             </a:fld>
             <a:endParaRPr lang="en-US"/>
           </a:p>
@@ -774,7 +774,7 @@
           <a:p>
             <a:fld id="{3D626D60-E8ED-4541-BE33-B3C1FAE5292A}" type="datetimeFigureOut">
               <a:rPr lang="en-US" smtClean="0"/>
-              <a:t>11/4/2018</a:t>
+              <a:t>11/6/2018</a:t>
             </a:fld>
             <a:endParaRPr lang="en-US"/>
           </a:p>
@@ -1020,7 +1020,7 @@
           <a:p>
             <a:fld id="{3D626D60-E8ED-4541-BE33-B3C1FAE5292A}" type="datetimeFigureOut">
               <a:rPr lang="en-US" smtClean="0"/>
-              <a:t>11/4/2018</a:t>
+              <a:t>11/6/2018</a:t>
             </a:fld>
             <a:endParaRPr lang="en-US"/>
           </a:p>
@@ -1252,7 +1252,7 @@
           <a:p>
             <a:fld id="{3D626D60-E8ED-4541-BE33-B3C1FAE5292A}" type="datetimeFigureOut">
               <a:rPr lang="en-US" smtClean="0"/>
-              <a:t>11/4/2018</a:t>
+              <a:t>11/6/2018</a:t>
             </a:fld>
             <a:endParaRPr lang="en-US"/>
           </a:p>
@@ -1619,7 +1619,7 @@
           <a:p>
             <a:fld id="{3D626D60-E8ED-4541-BE33-B3C1FAE5292A}" type="datetimeFigureOut">
               <a:rPr lang="en-US" smtClean="0"/>
-              <a:t>11/4/2018</a:t>
+              <a:t>11/6/2018</a:t>
             </a:fld>
             <a:endParaRPr lang="en-US"/>
           </a:p>
@@ -1737,7 +1737,7 @@
           <a:p>
             <a:fld id="{3D626D60-E8ED-4541-BE33-B3C1FAE5292A}" type="datetimeFigureOut">
               <a:rPr lang="en-US" smtClean="0"/>
-              <a:t>11/4/2018</a:t>
+              <a:t>11/6/2018</a:t>
             </a:fld>
             <a:endParaRPr lang="en-US"/>
           </a:p>
@@ -1832,7 +1832,7 @@
           <a:p>
             <a:fld id="{3D626D60-E8ED-4541-BE33-B3C1FAE5292A}" type="datetimeFigureOut">
               <a:rPr lang="en-US" smtClean="0"/>
-              <a:t>11/4/2018</a:t>
+              <a:t>11/6/2018</a:t>
             </a:fld>
             <a:endParaRPr lang="en-US"/>
           </a:p>
@@ -2109,7 +2109,7 @@
           <a:p>
             <a:fld id="{3D626D60-E8ED-4541-BE33-B3C1FAE5292A}" type="datetimeFigureOut">
               <a:rPr lang="en-US" smtClean="0"/>
-              <a:t>11/4/2018</a:t>
+              <a:t>11/6/2018</a:t>
             </a:fld>
             <a:endParaRPr lang="en-US"/>
           </a:p>
@@ -2362,7 +2362,7 @@
           <a:p>
             <a:fld id="{3D626D60-E8ED-4541-BE33-B3C1FAE5292A}" type="datetimeFigureOut">
               <a:rPr lang="en-US" smtClean="0"/>
-              <a:t>11/4/2018</a:t>
+              <a:t>11/6/2018</a:t>
             </a:fld>
             <a:endParaRPr lang="en-US"/>
           </a:p>
@@ -2575,7 +2575,7 @@
           <a:p>
             <a:fld id="{3D626D60-E8ED-4541-BE33-B3C1FAE5292A}" type="datetimeFigureOut">
               <a:rPr lang="en-US" smtClean="0"/>
-              <a:t>11/4/2018</a:t>
+              <a:t>11/6/2018</a:t>
             </a:fld>
             <a:endParaRPr lang="en-US"/>
           </a:p>
@@ -3052,6 +3052,13 @@
   <p:clrMapOvr>
     <a:masterClrMapping/>
   </p:clrMapOvr>
+  <p:timing>
+    <p:tnLst>
+      <p:par>
+        <p:cTn id="1" dur="indefinite" restart="never" nodeType="tmRoot"/>
+      </p:par>
+    </p:tnLst>
+  </p:timing>
 </p:sld>
 </file>
 
@@ -3554,6 +3561,13 @@
   <p:clrMapOvr>
     <a:masterClrMapping/>
   </p:clrMapOvr>
+  <p:timing>
+    <p:tnLst>
+      <p:par>
+        <p:cTn id="1" dur="indefinite" restart="never" nodeType="tmRoot"/>
+      </p:par>
+    </p:tnLst>
+  </p:timing>
 </p:sld>
 </file>
 
@@ -3685,6 +3699,13 @@
   <p:clrMapOvr>
     <a:masterClrMapping/>
   </p:clrMapOvr>
+  <p:timing>
+    <p:tnLst>
+      <p:par>
+        <p:cTn id="1" dur="indefinite" restart="never" nodeType="tmRoot"/>
+      </p:par>
+    </p:tnLst>
+  </p:timing>
 </p:sld>
 </file>
 
@@ -3850,6 +3871,13 @@
   <p:clrMapOvr>
     <a:masterClrMapping/>
   </p:clrMapOvr>
+  <p:timing>
+    <p:tnLst>
+      <p:par>
+        <p:cTn id="1" dur="indefinite" restart="never" nodeType="tmRoot"/>
+      </p:par>
+    </p:tnLst>
+  </p:timing>
 </p:sld>
 </file>
 
@@ -4035,6 +4063,51 @@
                       </p:childTnLst>
                     </p:cTn>
                   </p:par>
+                  <p:par>
+                    <p:cTn id="7" fill="hold">
+                      <p:stCondLst>
+                        <p:cond delay="indefinite"/>
+                      </p:stCondLst>
+                      <p:childTnLst>
+                        <p:par>
+                          <p:cTn id="8" fill="hold">
+                            <p:stCondLst>
+                              <p:cond delay="0"/>
+                            </p:stCondLst>
+                            <p:childTnLst>
+                              <p:par>
+                                <p:cTn id="9" presetID="1" presetClass="entr" presetSubtype="0" fill="hold" nodeType="clickEffect">
+                                  <p:stCondLst>
+                                    <p:cond delay="0"/>
+                                  </p:stCondLst>
+                                  <p:childTnLst>
+                                    <p:set>
+                                      <p:cBhvr>
+                                        <p:cTn id="10" dur="1" fill="hold">
+                                          <p:stCondLst>
+                                            <p:cond delay="0"/>
+                                          </p:stCondLst>
+                                        </p:cTn>
+                                        <p:tgtEl>
+                                          <p:spTgt spid="7"/>
+                                        </p:tgtEl>
+                                        <p:attrNameLst>
+                                          <p:attrName>style.visibility</p:attrName>
+                                        </p:attrNameLst>
+                                      </p:cBhvr>
+                                      <p:to>
+                                        <p:strVal val="visible"/>
+                                      </p:to>
+                                    </p:set>
+                                  </p:childTnLst>
+                                </p:cTn>
+                              </p:par>
+                            </p:childTnLst>
+                          </p:cTn>
+                        </p:par>
+                      </p:childTnLst>
+                    </p:cTn>
+                  </p:par>
                 </p:childTnLst>
               </p:cTn>
               <p:prevCondLst>
@@ -4111,7 +4184,9 @@
         </p:nvSpPr>
         <p:spPr/>
         <p:txBody>
-          <a:bodyPr/>
+          <a:bodyPr>
+            <a:normAutofit lnSpcReduction="10000"/>
+          </a:bodyPr>
           <a:lstStyle/>
           <a:p>
             <a:r>
@@ -4188,6 +4263,14 @@
               <a:rPr lang="en-US" dirty="0" smtClean="0"/>
               <a:t>Lenovo</a:t>
             </a:r>
+          </a:p>
+          <a:p>
+            <a:pPr lvl="1"/>
+            <a:r>
+              <a:rPr lang="en-US" dirty="0" smtClean="0"/>
+              <a:t>Microsoft</a:t>
+            </a:r>
+            <a:endParaRPr lang="en-US" dirty="0" smtClean="0"/>
           </a:p>
         </p:txBody>
       </p:sp>
@@ -4201,6 +4284,13 @@
   <p:clrMapOvr>
     <a:masterClrMapping/>
   </p:clrMapOvr>
+  <p:timing>
+    <p:tnLst>
+      <p:par>
+        <p:cTn id="1" dur="indefinite" restart="never" nodeType="tmRoot"/>
+      </p:par>
+    </p:tnLst>
+  </p:timing>
 </p:sld>
 </file>
 

--- a/Part_02/Section02.pptx
+++ b/Part_02/Section02.pptx
@@ -2,7 +2,7 @@
 <file path=ppt/presentation.xml><?xml version="1.0" encoding="utf-8"?>
 <p:presentation xmlns:a="http://schemas.openxmlformats.org/drawingml/2006/main" xmlns:r="http://schemas.openxmlformats.org/officeDocument/2006/relationships" xmlns:p="http://schemas.openxmlformats.org/presentationml/2006/main" saveSubsetFonts="1">
   <p:sldMasterIdLst>
-    <p:sldMasterId id="2147483648" r:id="rId1"/>
+    <p:sldMasterId id="2147483660" r:id="rId1"/>
   </p:sldMasterIdLst>
   <p:sldIdLst>
     <p:sldId id="256" r:id="rId2"/>
@@ -24,7 +24,7 @@
     <a:defPPr>
       <a:defRPr lang="en-US"/>
     </a:defPPr>
-    <a:lvl1pPr marL="0" algn="l" defTabSz="914400" rtl="0" eaLnBrk="1" latinLnBrk="0" hangingPunct="1">
+    <a:lvl1pPr marL="0" algn="l" defTabSz="457200" rtl="0" eaLnBrk="1" latinLnBrk="0" hangingPunct="1">
       <a:defRPr sz="1800" kern="1200">
         <a:solidFill>
           <a:schemeClr val="tx1"/>
@@ -34,7 +34,7 @@
         <a:cs typeface="+mn-cs"/>
       </a:defRPr>
     </a:lvl1pPr>
-    <a:lvl2pPr marL="457200" algn="l" defTabSz="914400" rtl="0" eaLnBrk="1" latinLnBrk="0" hangingPunct="1">
+    <a:lvl2pPr marL="457200" algn="l" defTabSz="457200" rtl="0" eaLnBrk="1" latinLnBrk="0" hangingPunct="1">
       <a:defRPr sz="1800" kern="1200">
         <a:solidFill>
           <a:schemeClr val="tx1"/>
@@ -44,7 +44,7 @@
         <a:cs typeface="+mn-cs"/>
       </a:defRPr>
     </a:lvl2pPr>
-    <a:lvl3pPr marL="914400" algn="l" defTabSz="914400" rtl="0" eaLnBrk="1" latinLnBrk="0" hangingPunct="1">
+    <a:lvl3pPr marL="914400" algn="l" defTabSz="457200" rtl="0" eaLnBrk="1" latinLnBrk="0" hangingPunct="1">
       <a:defRPr sz="1800" kern="1200">
         <a:solidFill>
           <a:schemeClr val="tx1"/>
@@ -54,7 +54,7 @@
         <a:cs typeface="+mn-cs"/>
       </a:defRPr>
     </a:lvl3pPr>
-    <a:lvl4pPr marL="1371600" algn="l" defTabSz="914400" rtl="0" eaLnBrk="1" latinLnBrk="0" hangingPunct="1">
+    <a:lvl4pPr marL="1371600" algn="l" defTabSz="457200" rtl="0" eaLnBrk="1" latinLnBrk="0" hangingPunct="1">
       <a:defRPr sz="1800" kern="1200">
         <a:solidFill>
           <a:schemeClr val="tx1"/>
@@ -64,7 +64,7 @@
         <a:cs typeface="+mn-cs"/>
       </a:defRPr>
     </a:lvl4pPr>
-    <a:lvl5pPr marL="1828800" algn="l" defTabSz="914400" rtl="0" eaLnBrk="1" latinLnBrk="0" hangingPunct="1">
+    <a:lvl5pPr marL="1828800" algn="l" defTabSz="457200" rtl="0" eaLnBrk="1" latinLnBrk="0" hangingPunct="1">
       <a:defRPr sz="1800" kern="1200">
         <a:solidFill>
           <a:schemeClr val="tx1"/>
@@ -74,7 +74,7 @@
         <a:cs typeface="+mn-cs"/>
       </a:defRPr>
     </a:lvl5pPr>
-    <a:lvl6pPr marL="2286000" algn="l" defTabSz="914400" rtl="0" eaLnBrk="1" latinLnBrk="0" hangingPunct="1">
+    <a:lvl6pPr marL="2286000" algn="l" defTabSz="457200" rtl="0" eaLnBrk="1" latinLnBrk="0" hangingPunct="1">
       <a:defRPr sz="1800" kern="1200">
         <a:solidFill>
           <a:schemeClr val="tx1"/>
@@ -84,7 +84,7 @@
         <a:cs typeface="+mn-cs"/>
       </a:defRPr>
     </a:lvl6pPr>
-    <a:lvl7pPr marL="2743200" algn="l" defTabSz="914400" rtl="0" eaLnBrk="1" latinLnBrk="0" hangingPunct="1">
+    <a:lvl7pPr marL="2743200" algn="l" defTabSz="457200" rtl="0" eaLnBrk="1" latinLnBrk="0" hangingPunct="1">
       <a:defRPr sz="1800" kern="1200">
         <a:solidFill>
           <a:schemeClr val="tx1"/>
@@ -94,7 +94,7 @@
         <a:cs typeface="+mn-cs"/>
       </a:defRPr>
     </a:lvl7pPr>
-    <a:lvl8pPr marL="3200400" algn="l" defTabSz="914400" rtl="0" eaLnBrk="1" latinLnBrk="0" hangingPunct="1">
+    <a:lvl8pPr marL="3200400" algn="l" defTabSz="457200" rtl="0" eaLnBrk="1" latinLnBrk="0" hangingPunct="1">
       <a:defRPr sz="1800" kern="1200">
         <a:solidFill>
           <a:schemeClr val="tx1"/>
@@ -104,7 +104,7 @@
         <a:cs typeface="+mn-cs"/>
       </a:defRPr>
     </a:lvl8pPr>
-    <a:lvl9pPr marL="3657600" algn="l" defTabSz="914400" rtl="0" eaLnBrk="1" latinLnBrk="0" hangingPunct="1">
+    <a:lvl9pPr marL="3657600" algn="l" defTabSz="457200" rtl="0" eaLnBrk="1" latinLnBrk="0" hangingPunct="1">
       <a:defRPr sz="1800" kern="1200">
         <a:solidFill>
           <a:schemeClr val="tx1"/>
@@ -152,23 +152,25 @@
         </p:nvSpPr>
         <p:spPr>
           <a:xfrm>
-            <a:off x="1524000" y="1122363"/>
-            <a:ext cx="9144000" cy="2387600"/>
+            <a:off x="1370693" y="1769540"/>
+            <a:ext cx="9440034" cy="1828801"/>
           </a:xfrm>
         </p:spPr>
         <p:txBody>
-          <a:bodyPr anchor="b"/>
+          <a:bodyPr anchor="b">
+            <a:normAutofit/>
+          </a:bodyPr>
           <a:lstStyle>
             <a:lvl1pPr algn="ctr">
-              <a:defRPr sz="6000"/>
+              <a:defRPr sz="5400"/>
             </a:lvl1pPr>
           </a:lstStyle>
           <a:p>
             <a:r>
-              <a:rPr lang="en-US" smtClean="0"/>
+              <a:rPr lang="en-US"/>
               <a:t>Click to edit Master title style</a:t>
             </a:r>
-            <a:endParaRPr lang="en-US"/>
+            <a:endParaRPr lang="en-US" dirty="0"/>
           </a:p>
         </p:txBody>
       </p:sp>
@@ -184,56 +186,108 @@
         </p:nvSpPr>
         <p:spPr>
           <a:xfrm>
-            <a:off x="1524000" y="3602038"/>
-            <a:ext cx="9144000" cy="1655762"/>
+            <a:off x="1370693" y="3598339"/>
+            <a:ext cx="9440034" cy="1049867"/>
           </a:xfrm>
         </p:spPr>
         <p:txBody>
-          <a:bodyPr/>
+          <a:bodyPr anchor="t"/>
           <a:lstStyle>
             <a:lvl1pPr marL="0" indent="0" algn="ctr">
               <a:buNone/>
-              <a:defRPr sz="2400"/>
+              <a:defRPr>
+                <a:solidFill>
+                  <a:schemeClr val="tx1"/>
+                </a:solidFill>
+              </a:defRPr>
             </a:lvl1pPr>
             <a:lvl2pPr marL="457200" indent="0" algn="ctr">
               <a:buNone/>
-              <a:defRPr sz="2000"/>
+              <a:defRPr>
+                <a:solidFill>
+                  <a:schemeClr val="tx1">
+                    <a:tint val="75000"/>
+                  </a:schemeClr>
+                </a:solidFill>
+              </a:defRPr>
             </a:lvl2pPr>
             <a:lvl3pPr marL="914400" indent="0" algn="ctr">
               <a:buNone/>
-              <a:defRPr sz="1800"/>
+              <a:defRPr>
+                <a:solidFill>
+                  <a:schemeClr val="tx1">
+                    <a:tint val="75000"/>
+                  </a:schemeClr>
+                </a:solidFill>
+              </a:defRPr>
             </a:lvl3pPr>
             <a:lvl4pPr marL="1371600" indent="0" algn="ctr">
               <a:buNone/>
-              <a:defRPr sz="1600"/>
+              <a:defRPr>
+                <a:solidFill>
+                  <a:schemeClr val="tx1">
+                    <a:tint val="75000"/>
+                  </a:schemeClr>
+                </a:solidFill>
+              </a:defRPr>
             </a:lvl4pPr>
             <a:lvl5pPr marL="1828800" indent="0" algn="ctr">
               <a:buNone/>
-              <a:defRPr sz="1600"/>
+              <a:defRPr>
+                <a:solidFill>
+                  <a:schemeClr val="tx1">
+                    <a:tint val="75000"/>
+                  </a:schemeClr>
+                </a:solidFill>
+              </a:defRPr>
             </a:lvl5pPr>
             <a:lvl6pPr marL="2286000" indent="0" algn="ctr">
               <a:buNone/>
-              <a:defRPr sz="1600"/>
+              <a:defRPr>
+                <a:solidFill>
+                  <a:schemeClr val="tx1">
+                    <a:tint val="75000"/>
+                  </a:schemeClr>
+                </a:solidFill>
+              </a:defRPr>
             </a:lvl6pPr>
             <a:lvl7pPr marL="2743200" indent="0" algn="ctr">
               <a:buNone/>
-              <a:defRPr sz="1600"/>
+              <a:defRPr>
+                <a:solidFill>
+                  <a:schemeClr val="tx1">
+                    <a:tint val="75000"/>
+                  </a:schemeClr>
+                </a:solidFill>
+              </a:defRPr>
             </a:lvl7pPr>
             <a:lvl8pPr marL="3200400" indent="0" algn="ctr">
               <a:buNone/>
-              <a:defRPr sz="1600"/>
+              <a:defRPr>
+                <a:solidFill>
+                  <a:schemeClr val="tx1">
+                    <a:tint val="75000"/>
+                  </a:schemeClr>
+                </a:solidFill>
+              </a:defRPr>
             </a:lvl8pPr>
             <a:lvl9pPr marL="3657600" indent="0" algn="ctr">
               <a:buNone/>
-              <a:defRPr sz="1600"/>
+              <a:defRPr>
+                <a:solidFill>
+                  <a:schemeClr val="tx1">
+                    <a:tint val="75000"/>
+                  </a:schemeClr>
+                </a:solidFill>
+              </a:defRPr>
             </a:lvl9pPr>
           </a:lstStyle>
           <a:p>
             <a:r>
-              <a:rPr lang="en-US" smtClean="0"/>
+              <a:rPr lang="en-US"/>
               <a:t>Click to edit Master subtitle style</a:t>
             </a:r>
-            <a:endParaRPr lang="en-US"/>
+            <a:endParaRPr lang="en-US" dirty="0"/>
           </a:p>
         </p:txBody>
       </p:sp>
@@ -254,7 +308,7 @@
           <a:p>
             <a:fld id="{3D626D60-E8ED-4541-BE33-B3C1FAE5292A}" type="datetimeFigureOut">
               <a:rPr lang="en-US" smtClean="0"/>
-              <a:t>11/6/2018</a:t>
+              <a:t>11/7/2018</a:t>
             </a:fld>
             <a:endParaRPr lang="en-US"/>
           </a:p>
@@ -305,7 +359,7 @@
     </p:spTree>
     <p:extLst>
       <p:ext uri="{BB962C8B-B14F-4D97-AF65-F5344CB8AC3E}">
-        <p14:creationId xmlns:p14="http://schemas.microsoft.com/office/powerpoint/2010/main" val="3995583654"/>
+        <p14:creationId xmlns:p14="http://schemas.microsoft.com/office/powerpoint/2010/main" val="3480216342"/>
       </p:ext>
     </p:extLst>
   </p:cSld>
@@ -316,6 +370,2582 @@
 </file>
 
 <file path=ppt/slideLayouts/slideLayout10.xml><?xml version="1.0" encoding="utf-8"?>
+<p:sldLayout xmlns:a="http://schemas.openxmlformats.org/drawingml/2006/main" xmlns:r="http://schemas.openxmlformats.org/officeDocument/2006/relationships" xmlns:p="http://schemas.openxmlformats.org/presentationml/2006/main" preserve="1">
+  <p:cSld name="Panoramic Picture with Caption">
+    <p:spTree>
+      <p:nvGrpSpPr>
+        <p:cNvPr id="1" name=""/>
+        <p:cNvGrpSpPr/>
+        <p:nvPr/>
+      </p:nvGrpSpPr>
+      <p:grpSpPr>
+        <a:xfrm>
+          <a:off x="0" y="0"/>
+          <a:ext cx="0" cy="0"/>
+          <a:chOff x="0" y="0"/>
+          <a:chExt cx="0" cy="0"/>
+        </a:xfrm>
+      </p:grpSpPr>
+      <p:pic>
+        <p:nvPicPr>
+          <p:cNvPr id="16" name="Picture 15" descr="Slate-V2-HD-panoPhotoInset.png"/>
+          <p:cNvPicPr>
+            <a:picLocks noChangeAspect="1"/>
+          </p:cNvPicPr>
+          <p:nvPr/>
+        </p:nvPicPr>
+        <p:blipFill>
+          <a:blip r:embed="rId2">
+            <a:extLst>
+              <a:ext uri="{28A0092B-C50C-407E-A947-70E740481C1C}">
+                <a14:useLocalDpi xmlns:a14="http://schemas.microsoft.com/office/drawing/2010/main" val="0"/>
+              </a:ext>
+            </a:extLst>
+          </a:blip>
+          <a:stretch>
+            <a:fillRect/>
+          </a:stretch>
+        </p:blipFill>
+        <p:spPr>
+          <a:xfrm>
+            <a:off x="1013883" y="547807"/>
+            <a:ext cx="10141799" cy="3816806"/>
+          </a:xfrm>
+          <a:prstGeom prst="rect">
+            <a:avLst/>
+          </a:prstGeom>
+        </p:spPr>
+      </p:pic>
+      <p:sp>
+        <p:nvSpPr>
+          <p:cNvPr id="2" name="Title 1"/>
+          <p:cNvSpPr>
+            <a:spLocks noGrp="1"/>
+          </p:cNvSpPr>
+          <p:nvPr>
+            <p:ph type="title"/>
+          </p:nvPr>
+        </p:nvSpPr>
+        <p:spPr>
+          <a:xfrm>
+            <a:off x="913806" y="4565255"/>
+            <a:ext cx="10355326" cy="543472"/>
+          </a:xfrm>
+        </p:spPr>
+        <p:txBody>
+          <a:bodyPr anchor="b">
+            <a:normAutofit/>
+          </a:bodyPr>
+          <a:lstStyle>
+            <a:lvl1pPr algn="ctr">
+              <a:defRPr sz="2800"/>
+            </a:lvl1pPr>
+          </a:lstStyle>
+          <a:p>
+            <a:r>
+              <a:rPr lang="en-US"/>
+              <a:t>Click to edit Master title style</a:t>
+            </a:r>
+            <a:endParaRPr lang="en-US" dirty="0"/>
+          </a:p>
+        </p:txBody>
+      </p:sp>
+      <p:sp>
+        <p:nvSpPr>
+          <p:cNvPr id="3" name="Picture Placeholder 2"/>
+          <p:cNvSpPr>
+            <a:spLocks noGrp="1" noChangeAspect="1"/>
+          </p:cNvSpPr>
+          <p:nvPr>
+            <p:ph type="pic" idx="1"/>
+          </p:nvPr>
+        </p:nvSpPr>
+        <p:spPr>
+          <a:xfrm>
+            <a:off x="1169349" y="695009"/>
+            <a:ext cx="9845346" cy="3525671"/>
+          </a:xfrm>
+          <a:effectLst>
+            <a:outerShdw blurRad="38100" dist="25400" dir="4440000">
+              <a:srgbClr val="000000">
+                <a:alpha val="36000"/>
+              </a:srgbClr>
+            </a:outerShdw>
+          </a:effectLst>
+        </p:spPr>
+        <p:txBody>
+          <a:bodyPr anchor="t">
+            <a:normAutofit/>
+          </a:bodyPr>
+          <a:lstStyle>
+            <a:lvl1pPr marL="0" indent="0" algn="ctr">
+              <a:buNone/>
+              <a:defRPr sz="2000"/>
+            </a:lvl1pPr>
+            <a:lvl2pPr marL="457200" indent="0">
+              <a:buNone/>
+              <a:defRPr sz="2000"/>
+            </a:lvl2pPr>
+            <a:lvl3pPr marL="914400" indent="0">
+              <a:buNone/>
+              <a:defRPr sz="2000"/>
+            </a:lvl3pPr>
+            <a:lvl4pPr marL="1371600" indent="0">
+              <a:buNone/>
+              <a:defRPr sz="2000"/>
+            </a:lvl4pPr>
+            <a:lvl5pPr marL="1828800" indent="0">
+              <a:buNone/>
+              <a:defRPr sz="2000"/>
+            </a:lvl5pPr>
+            <a:lvl6pPr marL="2286000" indent="0">
+              <a:buNone/>
+              <a:defRPr sz="2000"/>
+            </a:lvl6pPr>
+            <a:lvl7pPr marL="2743200" indent="0">
+              <a:buNone/>
+              <a:defRPr sz="2000"/>
+            </a:lvl7pPr>
+            <a:lvl8pPr marL="3200400" indent="0">
+              <a:buNone/>
+              <a:defRPr sz="2000"/>
+            </a:lvl8pPr>
+            <a:lvl9pPr marL="3657600" indent="0">
+              <a:buNone/>
+              <a:defRPr sz="2000"/>
+            </a:lvl9pPr>
+          </a:lstStyle>
+          <a:p>
+            <a:r>
+              <a:rPr lang="en-US"/>
+              <a:t>Click icon to add picture</a:t>
+            </a:r>
+            <a:endParaRPr lang="en-US" dirty="0"/>
+          </a:p>
+        </p:txBody>
+      </p:sp>
+      <p:sp>
+        <p:nvSpPr>
+          <p:cNvPr id="4" name="Text Placeholder 3"/>
+          <p:cNvSpPr>
+            <a:spLocks noGrp="1"/>
+          </p:cNvSpPr>
+          <p:nvPr>
+            <p:ph type="body" sz="half" idx="2"/>
+          </p:nvPr>
+        </p:nvSpPr>
+        <p:spPr>
+          <a:xfrm>
+            <a:off x="913795" y="5108728"/>
+            <a:ext cx="10353762" cy="682472"/>
+          </a:xfrm>
+        </p:spPr>
+        <p:txBody>
+          <a:bodyPr anchor="t"/>
+          <a:lstStyle>
+            <a:lvl1pPr marL="0" indent="0" algn="ctr">
+              <a:buNone/>
+              <a:defRPr sz="1600"/>
+            </a:lvl1pPr>
+            <a:lvl2pPr marL="457200" indent="0">
+              <a:buNone/>
+              <a:defRPr sz="1400"/>
+            </a:lvl2pPr>
+            <a:lvl3pPr marL="914400" indent="0">
+              <a:buNone/>
+              <a:defRPr sz="1200"/>
+            </a:lvl3pPr>
+            <a:lvl4pPr marL="1371600" indent="0">
+              <a:buNone/>
+              <a:defRPr sz="1000"/>
+            </a:lvl4pPr>
+            <a:lvl5pPr marL="1828800" indent="0">
+              <a:buNone/>
+              <a:defRPr sz="1000"/>
+            </a:lvl5pPr>
+            <a:lvl6pPr marL="2286000" indent="0">
+              <a:buNone/>
+              <a:defRPr sz="1000"/>
+            </a:lvl6pPr>
+            <a:lvl7pPr marL="2743200" indent="0">
+              <a:buNone/>
+              <a:defRPr sz="1000"/>
+            </a:lvl7pPr>
+            <a:lvl8pPr marL="3200400" indent="0">
+              <a:buNone/>
+              <a:defRPr sz="1000"/>
+            </a:lvl8pPr>
+            <a:lvl9pPr marL="3657600" indent="0">
+              <a:buNone/>
+              <a:defRPr sz="1000"/>
+            </a:lvl9pPr>
+          </a:lstStyle>
+          <a:p>
+            <a:pPr lvl="0"/>
+            <a:r>
+              <a:rPr lang="en-US"/>
+              <a:t>Edit Master text styles</a:t>
+            </a:r>
+          </a:p>
+        </p:txBody>
+      </p:sp>
+      <p:sp>
+        <p:nvSpPr>
+          <p:cNvPr id="5" name="Date Placeholder 4"/>
+          <p:cNvSpPr>
+            <a:spLocks noGrp="1"/>
+          </p:cNvSpPr>
+          <p:nvPr>
+            <p:ph type="dt" sz="half" idx="10"/>
+          </p:nvPr>
+        </p:nvSpPr>
+        <p:spPr/>
+        <p:txBody>
+          <a:bodyPr/>
+          <a:lstStyle/>
+          <a:p>
+            <a:fld id="{3D626D60-E8ED-4541-BE33-B3C1FAE5292A}" type="datetimeFigureOut">
+              <a:rPr lang="en-US" smtClean="0"/>
+              <a:t>11/7/2018</a:t>
+            </a:fld>
+            <a:endParaRPr lang="en-US"/>
+          </a:p>
+        </p:txBody>
+      </p:sp>
+      <p:sp>
+        <p:nvSpPr>
+          <p:cNvPr id="6" name="Footer Placeholder 5"/>
+          <p:cNvSpPr>
+            <a:spLocks noGrp="1"/>
+          </p:cNvSpPr>
+          <p:nvPr>
+            <p:ph type="ftr" sz="quarter" idx="11"/>
+          </p:nvPr>
+        </p:nvSpPr>
+        <p:spPr/>
+        <p:txBody>
+          <a:bodyPr/>
+          <a:lstStyle/>
+          <a:p>
+            <a:endParaRPr lang="en-US"/>
+          </a:p>
+        </p:txBody>
+      </p:sp>
+      <p:sp>
+        <p:nvSpPr>
+          <p:cNvPr id="7" name="Slide Number Placeholder 6"/>
+          <p:cNvSpPr>
+            <a:spLocks noGrp="1"/>
+          </p:cNvSpPr>
+          <p:nvPr>
+            <p:ph type="sldNum" sz="quarter" idx="12"/>
+          </p:nvPr>
+        </p:nvSpPr>
+        <p:spPr/>
+        <p:txBody>
+          <a:bodyPr/>
+          <a:lstStyle/>
+          <a:p>
+            <a:fld id="{4B2D23FA-BA53-41F8-8705-2A17F5C3D87D}" type="slidenum">
+              <a:rPr lang="en-US" smtClean="0"/>
+              <a:t>‹#›</a:t>
+            </a:fld>
+            <a:endParaRPr lang="en-US"/>
+          </a:p>
+        </p:txBody>
+      </p:sp>
+    </p:spTree>
+    <p:extLst>
+      <p:ext uri="{BB962C8B-B14F-4D97-AF65-F5344CB8AC3E}">
+        <p14:creationId xmlns:p14="http://schemas.microsoft.com/office/powerpoint/2010/main" val="1818923195"/>
+      </p:ext>
+    </p:extLst>
+  </p:cSld>
+  <p:clrMapOvr>
+    <a:masterClrMapping/>
+  </p:clrMapOvr>
+</p:sldLayout>
+</file>
+
+<file path=ppt/slideLayouts/slideLayout11.xml><?xml version="1.0" encoding="utf-8"?>
+<p:sldLayout xmlns:a="http://schemas.openxmlformats.org/drawingml/2006/main" xmlns:r="http://schemas.openxmlformats.org/officeDocument/2006/relationships" xmlns:p="http://schemas.openxmlformats.org/presentationml/2006/main" preserve="1">
+  <p:cSld name="Title and Caption">
+    <p:spTree>
+      <p:nvGrpSpPr>
+        <p:cNvPr id="1" name=""/>
+        <p:cNvGrpSpPr/>
+        <p:nvPr/>
+      </p:nvGrpSpPr>
+      <p:grpSpPr>
+        <a:xfrm>
+          <a:off x="0" y="0"/>
+          <a:ext cx="0" cy="0"/>
+          <a:chOff x="0" y="0"/>
+          <a:chExt cx="0" cy="0"/>
+        </a:xfrm>
+      </p:grpSpPr>
+      <p:sp>
+        <p:nvSpPr>
+          <p:cNvPr id="2" name="Title 1"/>
+          <p:cNvSpPr>
+            <a:spLocks noGrp="1"/>
+          </p:cNvSpPr>
+          <p:nvPr>
+            <p:ph type="title"/>
+          </p:nvPr>
+        </p:nvSpPr>
+        <p:spPr>
+          <a:xfrm>
+            <a:off x="913795" y="608437"/>
+            <a:ext cx="10353762" cy="3534344"/>
+          </a:xfrm>
+        </p:spPr>
+        <p:txBody>
+          <a:bodyPr anchor="ctr"/>
+          <a:lstStyle>
+            <a:lvl1pPr>
+              <a:defRPr sz="3200"/>
+            </a:lvl1pPr>
+          </a:lstStyle>
+          <a:p>
+            <a:r>
+              <a:rPr lang="en-US"/>
+              <a:t>Click to edit Master title style</a:t>
+            </a:r>
+            <a:endParaRPr lang="en-US" dirty="0"/>
+          </a:p>
+        </p:txBody>
+      </p:sp>
+      <p:sp>
+        <p:nvSpPr>
+          <p:cNvPr id="4" name="Text Placeholder 3"/>
+          <p:cNvSpPr>
+            <a:spLocks noGrp="1"/>
+          </p:cNvSpPr>
+          <p:nvPr>
+            <p:ph type="body" sz="half" idx="2"/>
+          </p:nvPr>
+        </p:nvSpPr>
+        <p:spPr>
+          <a:xfrm>
+            <a:off x="913794" y="4295180"/>
+            <a:ext cx="10353763" cy="1501826"/>
+          </a:xfrm>
+        </p:spPr>
+        <p:txBody>
+          <a:bodyPr anchor="ctr"/>
+          <a:lstStyle>
+            <a:lvl1pPr marL="0" indent="0" algn="ctr">
+              <a:buNone/>
+              <a:defRPr sz="1600"/>
+            </a:lvl1pPr>
+            <a:lvl2pPr marL="457200" indent="0">
+              <a:buNone/>
+              <a:defRPr sz="1400"/>
+            </a:lvl2pPr>
+            <a:lvl3pPr marL="914400" indent="0">
+              <a:buNone/>
+              <a:defRPr sz="1200"/>
+            </a:lvl3pPr>
+            <a:lvl4pPr marL="1371600" indent="0">
+              <a:buNone/>
+              <a:defRPr sz="1000"/>
+            </a:lvl4pPr>
+            <a:lvl5pPr marL="1828800" indent="0">
+              <a:buNone/>
+              <a:defRPr sz="1000"/>
+            </a:lvl5pPr>
+            <a:lvl6pPr marL="2286000" indent="0">
+              <a:buNone/>
+              <a:defRPr sz="1000"/>
+            </a:lvl6pPr>
+            <a:lvl7pPr marL="2743200" indent="0">
+              <a:buNone/>
+              <a:defRPr sz="1000"/>
+            </a:lvl7pPr>
+            <a:lvl8pPr marL="3200400" indent="0">
+              <a:buNone/>
+              <a:defRPr sz="1000"/>
+            </a:lvl8pPr>
+            <a:lvl9pPr marL="3657600" indent="0">
+              <a:buNone/>
+              <a:defRPr sz="1000"/>
+            </a:lvl9pPr>
+          </a:lstStyle>
+          <a:p>
+            <a:pPr lvl="0"/>
+            <a:r>
+              <a:rPr lang="en-US"/>
+              <a:t>Edit Master text styles</a:t>
+            </a:r>
+          </a:p>
+        </p:txBody>
+      </p:sp>
+      <p:sp>
+        <p:nvSpPr>
+          <p:cNvPr id="5" name="Date Placeholder 4"/>
+          <p:cNvSpPr>
+            <a:spLocks noGrp="1"/>
+          </p:cNvSpPr>
+          <p:nvPr>
+            <p:ph type="dt" sz="half" idx="10"/>
+          </p:nvPr>
+        </p:nvSpPr>
+        <p:spPr/>
+        <p:txBody>
+          <a:bodyPr/>
+          <a:lstStyle/>
+          <a:p>
+            <a:fld id="{3D626D60-E8ED-4541-BE33-B3C1FAE5292A}" type="datetimeFigureOut">
+              <a:rPr lang="en-US" smtClean="0"/>
+              <a:t>11/7/2018</a:t>
+            </a:fld>
+            <a:endParaRPr lang="en-US"/>
+          </a:p>
+        </p:txBody>
+      </p:sp>
+      <p:sp>
+        <p:nvSpPr>
+          <p:cNvPr id="6" name="Footer Placeholder 5"/>
+          <p:cNvSpPr>
+            <a:spLocks noGrp="1"/>
+          </p:cNvSpPr>
+          <p:nvPr>
+            <p:ph type="ftr" sz="quarter" idx="11"/>
+          </p:nvPr>
+        </p:nvSpPr>
+        <p:spPr/>
+        <p:txBody>
+          <a:bodyPr/>
+          <a:lstStyle/>
+          <a:p>
+            <a:endParaRPr lang="en-US"/>
+          </a:p>
+        </p:txBody>
+      </p:sp>
+      <p:sp>
+        <p:nvSpPr>
+          <p:cNvPr id="7" name="Slide Number Placeholder 6"/>
+          <p:cNvSpPr>
+            <a:spLocks noGrp="1"/>
+          </p:cNvSpPr>
+          <p:nvPr>
+            <p:ph type="sldNum" sz="quarter" idx="12"/>
+          </p:nvPr>
+        </p:nvSpPr>
+        <p:spPr/>
+        <p:txBody>
+          <a:bodyPr/>
+          <a:lstStyle/>
+          <a:p>
+            <a:fld id="{4B2D23FA-BA53-41F8-8705-2A17F5C3D87D}" type="slidenum">
+              <a:rPr lang="en-US" smtClean="0"/>
+              <a:t>‹#›</a:t>
+            </a:fld>
+            <a:endParaRPr lang="en-US"/>
+          </a:p>
+        </p:txBody>
+      </p:sp>
+    </p:spTree>
+    <p:extLst>
+      <p:ext uri="{BB962C8B-B14F-4D97-AF65-F5344CB8AC3E}">
+        <p14:creationId xmlns:p14="http://schemas.microsoft.com/office/powerpoint/2010/main" val="2506132075"/>
+      </p:ext>
+    </p:extLst>
+  </p:cSld>
+  <p:clrMapOvr>
+    <a:masterClrMapping/>
+  </p:clrMapOvr>
+</p:sldLayout>
+</file>
+
+<file path=ppt/slideLayouts/slideLayout12.xml><?xml version="1.0" encoding="utf-8"?>
+<p:sldLayout xmlns:a="http://schemas.openxmlformats.org/drawingml/2006/main" xmlns:r="http://schemas.openxmlformats.org/officeDocument/2006/relationships" xmlns:p="http://schemas.openxmlformats.org/presentationml/2006/main" preserve="1">
+  <p:cSld name="Quote with Caption">
+    <p:spTree>
+      <p:nvGrpSpPr>
+        <p:cNvPr id="1" name=""/>
+        <p:cNvGrpSpPr/>
+        <p:nvPr/>
+      </p:nvGrpSpPr>
+      <p:grpSpPr>
+        <a:xfrm>
+          <a:off x="0" y="0"/>
+          <a:ext cx="0" cy="0"/>
+          <a:chOff x="0" y="0"/>
+          <a:chExt cx="0" cy="0"/>
+        </a:xfrm>
+      </p:grpSpPr>
+      <p:sp>
+        <p:nvSpPr>
+          <p:cNvPr id="2" name="Title 1"/>
+          <p:cNvSpPr>
+            <a:spLocks noGrp="1"/>
+          </p:cNvSpPr>
+          <p:nvPr>
+            <p:ph type="title"/>
+          </p:nvPr>
+        </p:nvSpPr>
+        <p:spPr>
+          <a:xfrm>
+            <a:off x="1446212" y="609600"/>
+            <a:ext cx="9302752" cy="2992904"/>
+          </a:xfrm>
+        </p:spPr>
+        <p:txBody>
+          <a:bodyPr anchor="ctr"/>
+          <a:lstStyle>
+            <a:lvl1pPr>
+              <a:defRPr sz="3200"/>
+            </a:lvl1pPr>
+          </a:lstStyle>
+          <a:p>
+            <a:r>
+              <a:rPr lang="en-US"/>
+              <a:t>Click to edit Master title style</a:t>
+            </a:r>
+            <a:endParaRPr lang="en-US" dirty="0"/>
+          </a:p>
+        </p:txBody>
+      </p:sp>
+      <p:sp>
+        <p:nvSpPr>
+          <p:cNvPr id="12" name="Text Placeholder 3"/>
+          <p:cNvSpPr>
+            <a:spLocks noGrp="1"/>
+          </p:cNvSpPr>
+          <p:nvPr>
+            <p:ph type="body" sz="half" idx="13"/>
+          </p:nvPr>
+        </p:nvSpPr>
+        <p:spPr>
+          <a:xfrm>
+            <a:off x="1720644" y="3610032"/>
+            <a:ext cx="8752299" cy="532749"/>
+          </a:xfrm>
+        </p:spPr>
+        <p:txBody>
+          <a:bodyPr anchor="t">
+            <a:normAutofit/>
+          </a:bodyPr>
+          <a:lstStyle>
+            <a:lvl1pPr marL="0" indent="0" algn="r">
+              <a:buNone/>
+              <a:defRPr sz="1400"/>
+            </a:lvl1pPr>
+            <a:lvl2pPr marL="457200" indent="0">
+              <a:buNone/>
+              <a:defRPr sz="1400"/>
+            </a:lvl2pPr>
+            <a:lvl3pPr marL="914400" indent="0">
+              <a:buNone/>
+              <a:defRPr sz="1200"/>
+            </a:lvl3pPr>
+            <a:lvl4pPr marL="1371600" indent="0">
+              <a:buNone/>
+              <a:defRPr sz="1000"/>
+            </a:lvl4pPr>
+            <a:lvl5pPr marL="1828800" indent="0">
+              <a:buNone/>
+              <a:defRPr sz="1000"/>
+            </a:lvl5pPr>
+            <a:lvl6pPr marL="2286000" indent="0">
+              <a:buNone/>
+              <a:defRPr sz="1000"/>
+            </a:lvl6pPr>
+            <a:lvl7pPr marL="2743200" indent="0">
+              <a:buNone/>
+              <a:defRPr sz="1000"/>
+            </a:lvl7pPr>
+            <a:lvl8pPr marL="3200400" indent="0">
+              <a:buNone/>
+              <a:defRPr sz="1000"/>
+            </a:lvl8pPr>
+            <a:lvl9pPr marL="3657600" indent="0">
+              <a:buNone/>
+              <a:defRPr sz="1000"/>
+            </a:lvl9pPr>
+          </a:lstStyle>
+          <a:p>
+            <a:pPr lvl="0"/>
+            <a:r>
+              <a:rPr lang="en-US"/>
+              <a:t>Edit Master text styles</a:t>
+            </a:r>
+          </a:p>
+        </p:txBody>
+      </p:sp>
+      <p:sp>
+        <p:nvSpPr>
+          <p:cNvPr id="4" name="Text Placeholder 3"/>
+          <p:cNvSpPr>
+            <a:spLocks noGrp="1"/>
+          </p:cNvSpPr>
+          <p:nvPr>
+            <p:ph type="body" sz="half" idx="2"/>
+          </p:nvPr>
+        </p:nvSpPr>
+        <p:spPr>
+          <a:xfrm>
+            <a:off x="913794" y="4304353"/>
+            <a:ext cx="10353763" cy="1489496"/>
+          </a:xfrm>
+        </p:spPr>
+        <p:txBody>
+          <a:bodyPr anchor="ctr">
+            <a:normAutofit/>
+          </a:bodyPr>
+          <a:lstStyle>
+            <a:lvl1pPr marL="0" indent="0" algn="ctr">
+              <a:buNone/>
+              <a:defRPr sz="1600"/>
+            </a:lvl1pPr>
+            <a:lvl2pPr marL="457200" indent="0">
+              <a:buNone/>
+              <a:defRPr sz="1400"/>
+            </a:lvl2pPr>
+            <a:lvl3pPr marL="914400" indent="0">
+              <a:buNone/>
+              <a:defRPr sz="1200"/>
+            </a:lvl3pPr>
+            <a:lvl4pPr marL="1371600" indent="0">
+              <a:buNone/>
+              <a:defRPr sz="1000"/>
+            </a:lvl4pPr>
+            <a:lvl5pPr marL="1828800" indent="0">
+              <a:buNone/>
+              <a:defRPr sz="1000"/>
+            </a:lvl5pPr>
+            <a:lvl6pPr marL="2286000" indent="0">
+              <a:buNone/>
+              <a:defRPr sz="1000"/>
+            </a:lvl6pPr>
+            <a:lvl7pPr marL="2743200" indent="0">
+              <a:buNone/>
+              <a:defRPr sz="1000"/>
+            </a:lvl7pPr>
+            <a:lvl8pPr marL="3200400" indent="0">
+              <a:buNone/>
+              <a:defRPr sz="1000"/>
+            </a:lvl8pPr>
+            <a:lvl9pPr marL="3657600" indent="0">
+              <a:buNone/>
+              <a:defRPr sz="1000"/>
+            </a:lvl9pPr>
+          </a:lstStyle>
+          <a:p>
+            <a:pPr lvl="0"/>
+            <a:r>
+              <a:rPr lang="en-US"/>
+              <a:t>Edit Master text styles</a:t>
+            </a:r>
+          </a:p>
+        </p:txBody>
+      </p:sp>
+      <p:sp>
+        <p:nvSpPr>
+          <p:cNvPr id="5" name="Date Placeholder 4"/>
+          <p:cNvSpPr>
+            <a:spLocks noGrp="1"/>
+          </p:cNvSpPr>
+          <p:nvPr>
+            <p:ph type="dt" sz="half" idx="10"/>
+          </p:nvPr>
+        </p:nvSpPr>
+        <p:spPr/>
+        <p:txBody>
+          <a:bodyPr/>
+          <a:lstStyle/>
+          <a:p>
+            <a:fld id="{3D626D60-E8ED-4541-BE33-B3C1FAE5292A}" type="datetimeFigureOut">
+              <a:rPr lang="en-US" smtClean="0"/>
+              <a:t>11/7/2018</a:t>
+            </a:fld>
+            <a:endParaRPr lang="en-US"/>
+          </a:p>
+        </p:txBody>
+      </p:sp>
+      <p:sp>
+        <p:nvSpPr>
+          <p:cNvPr id="6" name="Footer Placeholder 5"/>
+          <p:cNvSpPr>
+            <a:spLocks noGrp="1"/>
+          </p:cNvSpPr>
+          <p:nvPr>
+            <p:ph type="ftr" sz="quarter" idx="11"/>
+          </p:nvPr>
+        </p:nvSpPr>
+        <p:spPr/>
+        <p:txBody>
+          <a:bodyPr/>
+          <a:lstStyle/>
+          <a:p>
+            <a:endParaRPr lang="en-US"/>
+          </a:p>
+        </p:txBody>
+      </p:sp>
+      <p:sp>
+        <p:nvSpPr>
+          <p:cNvPr id="7" name="Slide Number Placeholder 6"/>
+          <p:cNvSpPr>
+            <a:spLocks noGrp="1"/>
+          </p:cNvSpPr>
+          <p:nvPr>
+            <p:ph type="sldNum" sz="quarter" idx="12"/>
+          </p:nvPr>
+        </p:nvSpPr>
+        <p:spPr/>
+        <p:txBody>
+          <a:bodyPr/>
+          <a:lstStyle/>
+          <a:p>
+            <a:fld id="{4B2D23FA-BA53-41F8-8705-2A17F5C3D87D}" type="slidenum">
+              <a:rPr lang="en-US" smtClean="0"/>
+              <a:t>‹#›</a:t>
+            </a:fld>
+            <a:endParaRPr lang="en-US"/>
+          </a:p>
+        </p:txBody>
+      </p:sp>
+      <p:sp>
+        <p:nvSpPr>
+          <p:cNvPr id="11" name="TextBox 10"/>
+          <p:cNvSpPr txBox="1"/>
+          <p:nvPr/>
+        </p:nvSpPr>
+        <p:spPr>
+          <a:xfrm>
+            <a:off x="990600" y="884796"/>
+            <a:ext cx="609600" cy="584776"/>
+          </a:xfrm>
+          <a:prstGeom prst="rect">
+            <a:avLst/>
+          </a:prstGeom>
+        </p:spPr>
+        <p:txBody>
+          <a:bodyPr vert="horz" lIns="91440" tIns="45720" rIns="91440" bIns="45720" rtlCol="0" anchor="ctr">
+            <a:noAutofit/>
+          </a:bodyPr>
+          <a:lstStyle>
+            <a:lvl1pPr>
+              <a:spcBef>
+                <a:spcPct val="0"/>
+              </a:spcBef>
+              <a:buNone/>
+              <a:defRPr sz="3200" b="0" cap="all">
+                <a:ln w="3175" cmpd="sng">
+                  <a:noFill/>
+                </a:ln>
+                <a:effectLst>
+                  <a:glow rad="38100">
+                    <a:schemeClr val="bg1">
+                      <a:lumMod val="65000"/>
+                      <a:lumOff val="35000"/>
+                      <a:alpha val="40000"/>
+                    </a:schemeClr>
+                  </a:glow>
+                  <a:outerShdw blurRad="28575" dist="38100" dir="14040000" algn="tl" rotWithShape="0">
+                    <a:srgbClr val="000000">
+                      <a:alpha val="25000"/>
+                    </a:srgbClr>
+                  </a:outerShdw>
+                </a:effectLst>
+              </a:defRPr>
+            </a:lvl1pPr>
+            <a:lvl2pPr>
+              <a:defRPr>
+                <a:solidFill>
+                  <a:schemeClr val="tx2"/>
+                </a:solidFill>
+              </a:defRPr>
+            </a:lvl2pPr>
+            <a:lvl3pPr>
+              <a:defRPr>
+                <a:solidFill>
+                  <a:schemeClr val="tx2"/>
+                </a:solidFill>
+              </a:defRPr>
+            </a:lvl3pPr>
+            <a:lvl4pPr>
+              <a:defRPr>
+                <a:solidFill>
+                  <a:schemeClr val="tx2"/>
+                </a:solidFill>
+              </a:defRPr>
+            </a:lvl4pPr>
+            <a:lvl5pPr>
+              <a:defRPr>
+                <a:solidFill>
+                  <a:schemeClr val="tx2"/>
+                </a:solidFill>
+              </a:defRPr>
+            </a:lvl5pPr>
+            <a:lvl6pPr>
+              <a:defRPr>
+                <a:solidFill>
+                  <a:schemeClr val="tx2"/>
+                </a:solidFill>
+              </a:defRPr>
+            </a:lvl6pPr>
+            <a:lvl7pPr>
+              <a:defRPr>
+                <a:solidFill>
+                  <a:schemeClr val="tx2"/>
+                </a:solidFill>
+              </a:defRPr>
+            </a:lvl7pPr>
+            <a:lvl8pPr>
+              <a:defRPr>
+                <a:solidFill>
+                  <a:schemeClr val="tx2"/>
+                </a:solidFill>
+              </a:defRPr>
+            </a:lvl8pPr>
+            <a:lvl9pPr>
+              <a:defRPr>
+                <a:solidFill>
+                  <a:schemeClr val="tx2"/>
+                </a:solidFill>
+              </a:defRPr>
+            </a:lvl9pPr>
+          </a:lstStyle>
+          <a:p>
+            <a:pPr lvl="0"/>
+            <a:r>
+              <a:rPr lang="en-US" sz="8000" dirty="0">
+                <a:solidFill>
+                  <a:schemeClr val="tx1"/>
+                </a:solidFill>
+                <a:effectLst/>
+              </a:rPr>
+              <a:t>“</a:t>
+            </a:r>
+          </a:p>
+        </p:txBody>
+      </p:sp>
+      <p:sp>
+        <p:nvSpPr>
+          <p:cNvPr id="13" name="TextBox 12"/>
+          <p:cNvSpPr txBox="1"/>
+          <p:nvPr/>
+        </p:nvSpPr>
+        <p:spPr>
+          <a:xfrm>
+            <a:off x="10504716" y="2928258"/>
+            <a:ext cx="609600" cy="584776"/>
+          </a:xfrm>
+          <a:prstGeom prst="rect">
+            <a:avLst/>
+          </a:prstGeom>
+        </p:spPr>
+        <p:txBody>
+          <a:bodyPr vert="horz" lIns="91440" tIns="45720" rIns="91440" bIns="45720" rtlCol="0" anchor="ctr">
+            <a:noAutofit/>
+          </a:bodyPr>
+          <a:lstStyle>
+            <a:lvl1pPr>
+              <a:spcBef>
+                <a:spcPct val="0"/>
+              </a:spcBef>
+              <a:buNone/>
+              <a:defRPr sz="3200" b="0" cap="all">
+                <a:ln w="3175" cmpd="sng">
+                  <a:noFill/>
+                </a:ln>
+                <a:effectLst>
+                  <a:glow rad="38100">
+                    <a:schemeClr val="bg1">
+                      <a:lumMod val="65000"/>
+                      <a:lumOff val="35000"/>
+                      <a:alpha val="40000"/>
+                    </a:schemeClr>
+                  </a:glow>
+                  <a:outerShdw blurRad="28575" dist="38100" dir="14040000" algn="tl" rotWithShape="0">
+                    <a:srgbClr val="000000">
+                      <a:alpha val="25000"/>
+                    </a:srgbClr>
+                  </a:outerShdw>
+                </a:effectLst>
+              </a:defRPr>
+            </a:lvl1pPr>
+            <a:lvl2pPr>
+              <a:defRPr>
+                <a:solidFill>
+                  <a:schemeClr val="tx2"/>
+                </a:solidFill>
+              </a:defRPr>
+            </a:lvl2pPr>
+            <a:lvl3pPr>
+              <a:defRPr>
+                <a:solidFill>
+                  <a:schemeClr val="tx2"/>
+                </a:solidFill>
+              </a:defRPr>
+            </a:lvl3pPr>
+            <a:lvl4pPr>
+              <a:defRPr>
+                <a:solidFill>
+                  <a:schemeClr val="tx2"/>
+                </a:solidFill>
+              </a:defRPr>
+            </a:lvl4pPr>
+            <a:lvl5pPr>
+              <a:defRPr>
+                <a:solidFill>
+                  <a:schemeClr val="tx2"/>
+                </a:solidFill>
+              </a:defRPr>
+            </a:lvl5pPr>
+            <a:lvl6pPr>
+              <a:defRPr>
+                <a:solidFill>
+                  <a:schemeClr val="tx2"/>
+                </a:solidFill>
+              </a:defRPr>
+            </a:lvl6pPr>
+            <a:lvl7pPr>
+              <a:defRPr>
+                <a:solidFill>
+                  <a:schemeClr val="tx2"/>
+                </a:solidFill>
+              </a:defRPr>
+            </a:lvl7pPr>
+            <a:lvl8pPr>
+              <a:defRPr>
+                <a:solidFill>
+                  <a:schemeClr val="tx2"/>
+                </a:solidFill>
+              </a:defRPr>
+            </a:lvl8pPr>
+            <a:lvl9pPr>
+              <a:defRPr>
+                <a:solidFill>
+                  <a:schemeClr val="tx2"/>
+                </a:solidFill>
+              </a:defRPr>
+            </a:lvl9pPr>
+          </a:lstStyle>
+          <a:p>
+            <a:pPr lvl="0" algn="r"/>
+            <a:r>
+              <a:rPr lang="en-US" sz="8000" dirty="0">
+                <a:solidFill>
+                  <a:schemeClr val="tx1"/>
+                </a:solidFill>
+                <a:effectLst/>
+              </a:rPr>
+              <a:t>”</a:t>
+            </a:r>
+          </a:p>
+        </p:txBody>
+      </p:sp>
+    </p:spTree>
+    <p:extLst>
+      <p:ext uri="{BB962C8B-B14F-4D97-AF65-F5344CB8AC3E}">
+        <p14:creationId xmlns:p14="http://schemas.microsoft.com/office/powerpoint/2010/main" val="369184987"/>
+      </p:ext>
+    </p:extLst>
+  </p:cSld>
+  <p:clrMapOvr>
+    <a:masterClrMapping/>
+  </p:clrMapOvr>
+</p:sldLayout>
+</file>
+
+<file path=ppt/slideLayouts/slideLayout13.xml><?xml version="1.0" encoding="utf-8"?>
+<p:sldLayout xmlns:a="http://schemas.openxmlformats.org/drawingml/2006/main" xmlns:r="http://schemas.openxmlformats.org/officeDocument/2006/relationships" xmlns:p="http://schemas.openxmlformats.org/presentationml/2006/main" preserve="1">
+  <p:cSld name="Name Card">
+    <p:spTree>
+      <p:nvGrpSpPr>
+        <p:cNvPr id="1" name=""/>
+        <p:cNvGrpSpPr/>
+        <p:nvPr/>
+      </p:nvGrpSpPr>
+      <p:grpSpPr>
+        <a:xfrm>
+          <a:off x="0" y="0"/>
+          <a:ext cx="0" cy="0"/>
+          <a:chOff x="0" y="0"/>
+          <a:chExt cx="0" cy="0"/>
+        </a:xfrm>
+      </p:grpSpPr>
+      <p:sp>
+        <p:nvSpPr>
+          <p:cNvPr id="2" name="Title 1"/>
+          <p:cNvSpPr>
+            <a:spLocks noGrp="1"/>
+          </p:cNvSpPr>
+          <p:nvPr>
+            <p:ph type="title"/>
+          </p:nvPr>
+        </p:nvSpPr>
+        <p:spPr>
+          <a:xfrm>
+            <a:off x="913794" y="2126942"/>
+            <a:ext cx="10353763" cy="2511835"/>
+          </a:xfrm>
+        </p:spPr>
+        <p:txBody>
+          <a:bodyPr anchor="b"/>
+          <a:lstStyle>
+            <a:lvl1pPr>
+              <a:defRPr sz="3200"/>
+            </a:lvl1pPr>
+          </a:lstStyle>
+          <a:p>
+            <a:r>
+              <a:rPr lang="en-US"/>
+              <a:t>Click to edit Master title style</a:t>
+            </a:r>
+            <a:endParaRPr lang="en-US" dirty="0"/>
+          </a:p>
+        </p:txBody>
+      </p:sp>
+      <p:sp>
+        <p:nvSpPr>
+          <p:cNvPr id="4" name="Text Placeholder 3"/>
+          <p:cNvSpPr>
+            <a:spLocks noGrp="1"/>
+          </p:cNvSpPr>
+          <p:nvPr>
+            <p:ph type="body" sz="half" idx="2"/>
+          </p:nvPr>
+        </p:nvSpPr>
+        <p:spPr>
+          <a:xfrm>
+            <a:off x="913784" y="4650556"/>
+            <a:ext cx="10352199" cy="1140644"/>
+          </a:xfrm>
+        </p:spPr>
+        <p:txBody>
+          <a:bodyPr anchor="t"/>
+          <a:lstStyle>
+            <a:lvl1pPr marL="0" indent="0" algn="ctr">
+              <a:buNone/>
+              <a:defRPr sz="1600"/>
+            </a:lvl1pPr>
+            <a:lvl2pPr marL="457200" indent="0">
+              <a:buNone/>
+              <a:defRPr sz="1400"/>
+            </a:lvl2pPr>
+            <a:lvl3pPr marL="914400" indent="0">
+              <a:buNone/>
+              <a:defRPr sz="1200"/>
+            </a:lvl3pPr>
+            <a:lvl4pPr marL="1371600" indent="0">
+              <a:buNone/>
+              <a:defRPr sz="1000"/>
+            </a:lvl4pPr>
+            <a:lvl5pPr marL="1828800" indent="0">
+              <a:buNone/>
+              <a:defRPr sz="1000"/>
+            </a:lvl5pPr>
+            <a:lvl6pPr marL="2286000" indent="0">
+              <a:buNone/>
+              <a:defRPr sz="1000"/>
+            </a:lvl6pPr>
+            <a:lvl7pPr marL="2743200" indent="0">
+              <a:buNone/>
+              <a:defRPr sz="1000"/>
+            </a:lvl7pPr>
+            <a:lvl8pPr marL="3200400" indent="0">
+              <a:buNone/>
+              <a:defRPr sz="1000"/>
+            </a:lvl8pPr>
+            <a:lvl9pPr marL="3657600" indent="0">
+              <a:buNone/>
+              <a:defRPr sz="1000"/>
+            </a:lvl9pPr>
+          </a:lstStyle>
+          <a:p>
+            <a:pPr lvl="0"/>
+            <a:r>
+              <a:rPr lang="en-US"/>
+              <a:t>Edit Master text styles</a:t>
+            </a:r>
+          </a:p>
+        </p:txBody>
+      </p:sp>
+      <p:sp>
+        <p:nvSpPr>
+          <p:cNvPr id="5" name="Date Placeholder 4"/>
+          <p:cNvSpPr>
+            <a:spLocks noGrp="1"/>
+          </p:cNvSpPr>
+          <p:nvPr>
+            <p:ph type="dt" sz="half" idx="10"/>
+          </p:nvPr>
+        </p:nvSpPr>
+        <p:spPr/>
+        <p:txBody>
+          <a:bodyPr/>
+          <a:lstStyle/>
+          <a:p>
+            <a:fld id="{3D626D60-E8ED-4541-BE33-B3C1FAE5292A}" type="datetimeFigureOut">
+              <a:rPr lang="en-US" smtClean="0"/>
+              <a:t>11/7/2018</a:t>
+            </a:fld>
+            <a:endParaRPr lang="en-US"/>
+          </a:p>
+        </p:txBody>
+      </p:sp>
+      <p:sp>
+        <p:nvSpPr>
+          <p:cNvPr id="6" name="Footer Placeholder 5"/>
+          <p:cNvSpPr>
+            <a:spLocks noGrp="1"/>
+          </p:cNvSpPr>
+          <p:nvPr>
+            <p:ph type="ftr" sz="quarter" idx="11"/>
+          </p:nvPr>
+        </p:nvSpPr>
+        <p:spPr/>
+        <p:txBody>
+          <a:bodyPr/>
+          <a:lstStyle/>
+          <a:p>
+            <a:endParaRPr lang="en-US"/>
+          </a:p>
+        </p:txBody>
+      </p:sp>
+      <p:sp>
+        <p:nvSpPr>
+          <p:cNvPr id="7" name="Slide Number Placeholder 6"/>
+          <p:cNvSpPr>
+            <a:spLocks noGrp="1"/>
+          </p:cNvSpPr>
+          <p:nvPr>
+            <p:ph type="sldNum" sz="quarter" idx="12"/>
+          </p:nvPr>
+        </p:nvSpPr>
+        <p:spPr/>
+        <p:txBody>
+          <a:bodyPr/>
+          <a:lstStyle/>
+          <a:p>
+            <a:fld id="{4B2D23FA-BA53-41F8-8705-2A17F5C3D87D}" type="slidenum">
+              <a:rPr lang="en-US" smtClean="0"/>
+              <a:t>‹#›</a:t>
+            </a:fld>
+            <a:endParaRPr lang="en-US"/>
+          </a:p>
+        </p:txBody>
+      </p:sp>
+    </p:spTree>
+    <p:extLst>
+      <p:ext uri="{BB962C8B-B14F-4D97-AF65-F5344CB8AC3E}">
+        <p14:creationId xmlns:p14="http://schemas.microsoft.com/office/powerpoint/2010/main" val="423512511"/>
+      </p:ext>
+    </p:extLst>
+  </p:cSld>
+  <p:clrMapOvr>
+    <a:masterClrMapping/>
+  </p:clrMapOvr>
+</p:sldLayout>
+</file>
+
+<file path=ppt/slideLayouts/slideLayout14.xml><?xml version="1.0" encoding="utf-8"?>
+<p:sldLayout xmlns:a="http://schemas.openxmlformats.org/drawingml/2006/main" xmlns:r="http://schemas.openxmlformats.org/officeDocument/2006/relationships" xmlns:p="http://schemas.openxmlformats.org/presentationml/2006/main" preserve="1">
+  <p:cSld name="3 Column">
+    <p:spTree>
+      <p:nvGrpSpPr>
+        <p:cNvPr id="1" name=""/>
+        <p:cNvGrpSpPr/>
+        <p:nvPr/>
+      </p:nvGrpSpPr>
+      <p:grpSpPr>
+        <a:xfrm>
+          <a:off x="0" y="0"/>
+          <a:ext cx="0" cy="0"/>
+          <a:chOff x="0" y="0"/>
+          <a:chExt cx="0" cy="0"/>
+        </a:xfrm>
+      </p:grpSpPr>
+      <p:sp>
+        <p:nvSpPr>
+          <p:cNvPr id="15" name="Title 1"/>
+          <p:cNvSpPr>
+            <a:spLocks noGrp="1"/>
+          </p:cNvSpPr>
+          <p:nvPr>
+            <p:ph type="title"/>
+          </p:nvPr>
+        </p:nvSpPr>
+        <p:spPr>
+          <a:xfrm>
+            <a:off x="913795" y="609600"/>
+            <a:ext cx="10353762" cy="970450"/>
+          </a:xfrm>
+        </p:spPr>
+        <p:txBody>
+          <a:bodyPr/>
+          <a:lstStyle/>
+          <a:p>
+            <a:r>
+              <a:rPr lang="en-US"/>
+              <a:t>Click to edit Master title style</a:t>
+            </a:r>
+            <a:endParaRPr lang="en-US" dirty="0"/>
+          </a:p>
+        </p:txBody>
+      </p:sp>
+      <p:sp>
+        <p:nvSpPr>
+          <p:cNvPr id="7" name="Text Placeholder 2"/>
+          <p:cNvSpPr>
+            <a:spLocks noGrp="1"/>
+          </p:cNvSpPr>
+          <p:nvPr>
+            <p:ph type="body" idx="1"/>
+          </p:nvPr>
+        </p:nvSpPr>
+        <p:spPr>
+          <a:xfrm>
+            <a:off x="913795" y="1885950"/>
+            <a:ext cx="3300984" cy="576262"/>
+          </a:xfrm>
+        </p:spPr>
+        <p:txBody>
+          <a:bodyPr anchor="b">
+            <a:noAutofit/>
+          </a:bodyPr>
+          <a:lstStyle>
+            <a:lvl1pPr marL="0" indent="0" algn="ctr">
+              <a:buNone/>
+              <a:defRPr sz="2400" b="0">
+                <a:solidFill>
+                  <a:schemeClr val="tx1"/>
+                </a:solidFill>
+              </a:defRPr>
+            </a:lvl1pPr>
+            <a:lvl2pPr marL="457200" indent="0">
+              <a:buNone/>
+              <a:defRPr sz="2000" b="1"/>
+            </a:lvl2pPr>
+            <a:lvl3pPr marL="914400" indent="0">
+              <a:buNone/>
+              <a:defRPr sz="1800" b="1"/>
+            </a:lvl3pPr>
+            <a:lvl4pPr marL="1371600" indent="0">
+              <a:buNone/>
+              <a:defRPr sz="1600" b="1"/>
+            </a:lvl4pPr>
+            <a:lvl5pPr marL="1828800" indent="0">
+              <a:buNone/>
+              <a:defRPr sz="1600" b="1"/>
+            </a:lvl5pPr>
+            <a:lvl6pPr marL="2286000" indent="0">
+              <a:buNone/>
+              <a:defRPr sz="1600" b="1"/>
+            </a:lvl6pPr>
+            <a:lvl7pPr marL="2743200" indent="0">
+              <a:buNone/>
+              <a:defRPr sz="1600" b="1"/>
+            </a:lvl7pPr>
+            <a:lvl8pPr marL="3200400" indent="0">
+              <a:buNone/>
+              <a:defRPr sz="1600" b="1"/>
+            </a:lvl8pPr>
+            <a:lvl9pPr marL="3657600" indent="0">
+              <a:buNone/>
+              <a:defRPr sz="1600" b="1"/>
+            </a:lvl9pPr>
+          </a:lstStyle>
+          <a:p>
+            <a:pPr lvl="0"/>
+            <a:r>
+              <a:rPr lang="en-US"/>
+              <a:t>Edit Master text styles</a:t>
+            </a:r>
+          </a:p>
+        </p:txBody>
+      </p:sp>
+      <p:sp>
+        <p:nvSpPr>
+          <p:cNvPr id="8" name="Text Placeholder 3"/>
+          <p:cNvSpPr>
+            <a:spLocks noGrp="1"/>
+          </p:cNvSpPr>
+          <p:nvPr>
+            <p:ph type="body" sz="half" idx="15"/>
+          </p:nvPr>
+        </p:nvSpPr>
+        <p:spPr>
+          <a:xfrm>
+            <a:off x="913795" y="2571750"/>
+            <a:ext cx="3300984" cy="3219450"/>
+          </a:xfrm>
+        </p:spPr>
+        <p:txBody>
+          <a:bodyPr anchor="t">
+            <a:normAutofit/>
+          </a:bodyPr>
+          <a:lstStyle>
+            <a:lvl1pPr marL="0" indent="0" algn="ctr">
+              <a:buNone/>
+              <a:defRPr sz="1400"/>
+            </a:lvl1pPr>
+            <a:lvl2pPr marL="457200" indent="0">
+              <a:buNone/>
+              <a:defRPr sz="1200"/>
+            </a:lvl2pPr>
+            <a:lvl3pPr marL="914400" indent="0">
+              <a:buNone/>
+              <a:defRPr sz="1000"/>
+            </a:lvl3pPr>
+            <a:lvl4pPr marL="1371600" indent="0">
+              <a:buNone/>
+              <a:defRPr sz="900"/>
+            </a:lvl4pPr>
+            <a:lvl5pPr marL="1828800" indent="0">
+              <a:buNone/>
+              <a:defRPr sz="900"/>
+            </a:lvl5pPr>
+            <a:lvl6pPr marL="2286000" indent="0">
+              <a:buNone/>
+              <a:defRPr sz="900"/>
+            </a:lvl6pPr>
+            <a:lvl7pPr marL="2743200" indent="0">
+              <a:buNone/>
+              <a:defRPr sz="900"/>
+            </a:lvl7pPr>
+            <a:lvl8pPr marL="3200400" indent="0">
+              <a:buNone/>
+              <a:defRPr sz="900"/>
+            </a:lvl8pPr>
+            <a:lvl9pPr marL="3657600" indent="0">
+              <a:buNone/>
+              <a:defRPr sz="900"/>
+            </a:lvl9pPr>
+          </a:lstStyle>
+          <a:p>
+            <a:pPr lvl="0"/>
+            <a:r>
+              <a:rPr lang="en-US"/>
+              <a:t>Edit Master text styles</a:t>
+            </a:r>
+          </a:p>
+        </p:txBody>
+      </p:sp>
+      <p:sp>
+        <p:nvSpPr>
+          <p:cNvPr id="9" name="Text Placeholder 4"/>
+          <p:cNvSpPr>
+            <a:spLocks noGrp="1"/>
+          </p:cNvSpPr>
+          <p:nvPr>
+            <p:ph type="body" sz="quarter" idx="3"/>
+          </p:nvPr>
+        </p:nvSpPr>
+        <p:spPr>
+          <a:xfrm>
+            <a:off x="4446711" y="1885950"/>
+            <a:ext cx="3300984" cy="576262"/>
+          </a:xfrm>
+        </p:spPr>
+        <p:txBody>
+          <a:bodyPr anchor="b">
+            <a:noAutofit/>
+          </a:bodyPr>
+          <a:lstStyle>
+            <a:lvl1pPr marL="0" indent="0" algn="ctr">
+              <a:buNone/>
+              <a:defRPr sz="2400" b="0">
+                <a:solidFill>
+                  <a:schemeClr val="tx1"/>
+                </a:solidFill>
+              </a:defRPr>
+            </a:lvl1pPr>
+            <a:lvl2pPr marL="457200" indent="0">
+              <a:buNone/>
+              <a:defRPr sz="2000" b="1"/>
+            </a:lvl2pPr>
+            <a:lvl3pPr marL="914400" indent="0">
+              <a:buNone/>
+              <a:defRPr sz="1800" b="1"/>
+            </a:lvl3pPr>
+            <a:lvl4pPr marL="1371600" indent="0">
+              <a:buNone/>
+              <a:defRPr sz="1600" b="1"/>
+            </a:lvl4pPr>
+            <a:lvl5pPr marL="1828800" indent="0">
+              <a:buNone/>
+              <a:defRPr sz="1600" b="1"/>
+            </a:lvl5pPr>
+            <a:lvl6pPr marL="2286000" indent="0">
+              <a:buNone/>
+              <a:defRPr sz="1600" b="1"/>
+            </a:lvl6pPr>
+            <a:lvl7pPr marL="2743200" indent="0">
+              <a:buNone/>
+              <a:defRPr sz="1600" b="1"/>
+            </a:lvl7pPr>
+            <a:lvl8pPr marL="3200400" indent="0">
+              <a:buNone/>
+              <a:defRPr sz="1600" b="1"/>
+            </a:lvl8pPr>
+            <a:lvl9pPr marL="3657600" indent="0">
+              <a:buNone/>
+              <a:defRPr sz="1600" b="1"/>
+            </a:lvl9pPr>
+          </a:lstStyle>
+          <a:p>
+            <a:pPr lvl="0"/>
+            <a:r>
+              <a:rPr lang="en-US"/>
+              <a:t>Edit Master text styles</a:t>
+            </a:r>
+          </a:p>
+        </p:txBody>
+      </p:sp>
+      <p:sp>
+        <p:nvSpPr>
+          <p:cNvPr id="10" name="Text Placeholder 3"/>
+          <p:cNvSpPr>
+            <a:spLocks noGrp="1"/>
+          </p:cNvSpPr>
+          <p:nvPr>
+            <p:ph type="body" sz="half" idx="16"/>
+          </p:nvPr>
+        </p:nvSpPr>
+        <p:spPr>
+          <a:xfrm>
+            <a:off x="4441435" y="2571750"/>
+            <a:ext cx="3300984" cy="3219450"/>
+          </a:xfrm>
+        </p:spPr>
+        <p:txBody>
+          <a:bodyPr anchor="t">
+            <a:normAutofit/>
+          </a:bodyPr>
+          <a:lstStyle>
+            <a:lvl1pPr marL="0" indent="0" algn="ctr">
+              <a:buNone/>
+              <a:defRPr sz="1400"/>
+            </a:lvl1pPr>
+            <a:lvl2pPr marL="457200" indent="0">
+              <a:buNone/>
+              <a:defRPr sz="1200"/>
+            </a:lvl2pPr>
+            <a:lvl3pPr marL="914400" indent="0">
+              <a:buNone/>
+              <a:defRPr sz="1000"/>
+            </a:lvl3pPr>
+            <a:lvl4pPr marL="1371600" indent="0">
+              <a:buNone/>
+              <a:defRPr sz="900"/>
+            </a:lvl4pPr>
+            <a:lvl5pPr marL="1828800" indent="0">
+              <a:buNone/>
+              <a:defRPr sz="900"/>
+            </a:lvl5pPr>
+            <a:lvl6pPr marL="2286000" indent="0">
+              <a:buNone/>
+              <a:defRPr sz="900"/>
+            </a:lvl6pPr>
+            <a:lvl7pPr marL="2743200" indent="0">
+              <a:buNone/>
+              <a:defRPr sz="900"/>
+            </a:lvl7pPr>
+            <a:lvl8pPr marL="3200400" indent="0">
+              <a:buNone/>
+              <a:defRPr sz="900"/>
+            </a:lvl8pPr>
+            <a:lvl9pPr marL="3657600" indent="0">
+              <a:buNone/>
+              <a:defRPr sz="900"/>
+            </a:lvl9pPr>
+          </a:lstStyle>
+          <a:p>
+            <a:pPr lvl="0"/>
+            <a:r>
+              <a:rPr lang="en-US"/>
+              <a:t>Edit Master text styles</a:t>
+            </a:r>
+          </a:p>
+        </p:txBody>
+      </p:sp>
+      <p:sp>
+        <p:nvSpPr>
+          <p:cNvPr id="11" name="Text Placeholder 4"/>
+          <p:cNvSpPr>
+            <a:spLocks noGrp="1"/>
+          </p:cNvSpPr>
+          <p:nvPr>
+            <p:ph type="body" sz="quarter" idx="13"/>
+          </p:nvPr>
+        </p:nvSpPr>
+        <p:spPr>
+          <a:xfrm>
+            <a:off x="7966572" y="1885950"/>
+            <a:ext cx="3300984" cy="576262"/>
+          </a:xfrm>
+        </p:spPr>
+        <p:txBody>
+          <a:bodyPr anchor="b">
+            <a:noAutofit/>
+          </a:bodyPr>
+          <a:lstStyle>
+            <a:lvl1pPr marL="0" indent="0" algn="ctr">
+              <a:buNone/>
+              <a:defRPr sz="2400" b="0">
+                <a:solidFill>
+                  <a:schemeClr val="tx1"/>
+                </a:solidFill>
+              </a:defRPr>
+            </a:lvl1pPr>
+            <a:lvl2pPr marL="457200" indent="0">
+              <a:buNone/>
+              <a:defRPr sz="2000" b="1"/>
+            </a:lvl2pPr>
+            <a:lvl3pPr marL="914400" indent="0">
+              <a:buNone/>
+              <a:defRPr sz="1800" b="1"/>
+            </a:lvl3pPr>
+            <a:lvl4pPr marL="1371600" indent="0">
+              <a:buNone/>
+              <a:defRPr sz="1600" b="1"/>
+            </a:lvl4pPr>
+            <a:lvl5pPr marL="1828800" indent="0">
+              <a:buNone/>
+              <a:defRPr sz="1600" b="1"/>
+            </a:lvl5pPr>
+            <a:lvl6pPr marL="2286000" indent="0">
+              <a:buNone/>
+              <a:defRPr sz="1600" b="1"/>
+            </a:lvl6pPr>
+            <a:lvl7pPr marL="2743200" indent="0">
+              <a:buNone/>
+              <a:defRPr sz="1600" b="1"/>
+            </a:lvl7pPr>
+            <a:lvl8pPr marL="3200400" indent="0">
+              <a:buNone/>
+              <a:defRPr sz="1600" b="1"/>
+            </a:lvl8pPr>
+            <a:lvl9pPr marL="3657600" indent="0">
+              <a:buNone/>
+              <a:defRPr sz="1600" b="1"/>
+            </a:lvl9pPr>
+          </a:lstStyle>
+          <a:p>
+            <a:pPr lvl="0"/>
+            <a:r>
+              <a:rPr lang="en-US"/>
+              <a:t>Edit Master text styles</a:t>
+            </a:r>
+          </a:p>
+        </p:txBody>
+      </p:sp>
+      <p:sp>
+        <p:nvSpPr>
+          <p:cNvPr id="12" name="Text Placeholder 3"/>
+          <p:cNvSpPr>
+            <a:spLocks noGrp="1"/>
+          </p:cNvSpPr>
+          <p:nvPr>
+            <p:ph type="body" sz="half" idx="17"/>
+          </p:nvPr>
+        </p:nvSpPr>
+        <p:spPr>
+          <a:xfrm>
+            <a:off x="7966572" y="2571750"/>
+            <a:ext cx="3300984" cy="3219450"/>
+          </a:xfrm>
+        </p:spPr>
+        <p:txBody>
+          <a:bodyPr anchor="t">
+            <a:normAutofit/>
+          </a:bodyPr>
+          <a:lstStyle>
+            <a:lvl1pPr marL="0" indent="0" algn="ctr">
+              <a:buNone/>
+              <a:defRPr sz="1400"/>
+            </a:lvl1pPr>
+            <a:lvl2pPr marL="457200" indent="0">
+              <a:buNone/>
+              <a:defRPr sz="1200"/>
+            </a:lvl2pPr>
+            <a:lvl3pPr marL="914400" indent="0">
+              <a:buNone/>
+              <a:defRPr sz="1000"/>
+            </a:lvl3pPr>
+            <a:lvl4pPr marL="1371600" indent="0">
+              <a:buNone/>
+              <a:defRPr sz="900"/>
+            </a:lvl4pPr>
+            <a:lvl5pPr marL="1828800" indent="0">
+              <a:buNone/>
+              <a:defRPr sz="900"/>
+            </a:lvl5pPr>
+            <a:lvl6pPr marL="2286000" indent="0">
+              <a:buNone/>
+              <a:defRPr sz="900"/>
+            </a:lvl6pPr>
+            <a:lvl7pPr marL="2743200" indent="0">
+              <a:buNone/>
+              <a:defRPr sz="900"/>
+            </a:lvl7pPr>
+            <a:lvl8pPr marL="3200400" indent="0">
+              <a:buNone/>
+              <a:defRPr sz="900"/>
+            </a:lvl8pPr>
+            <a:lvl9pPr marL="3657600" indent="0">
+              <a:buNone/>
+              <a:defRPr sz="900"/>
+            </a:lvl9pPr>
+          </a:lstStyle>
+          <a:p>
+            <a:pPr lvl="0"/>
+            <a:r>
+              <a:rPr lang="en-US"/>
+              <a:t>Edit Master text styles</a:t>
+            </a:r>
+          </a:p>
+        </p:txBody>
+      </p:sp>
+      <p:sp>
+        <p:nvSpPr>
+          <p:cNvPr id="3" name="Date Placeholder 2"/>
+          <p:cNvSpPr>
+            <a:spLocks noGrp="1"/>
+          </p:cNvSpPr>
+          <p:nvPr>
+            <p:ph type="dt" sz="half" idx="10"/>
+          </p:nvPr>
+        </p:nvSpPr>
+        <p:spPr/>
+        <p:txBody>
+          <a:bodyPr/>
+          <a:lstStyle/>
+          <a:p>
+            <a:fld id="{3D626D60-E8ED-4541-BE33-B3C1FAE5292A}" type="datetimeFigureOut">
+              <a:rPr lang="en-US" smtClean="0"/>
+              <a:t>11/7/2018</a:t>
+            </a:fld>
+            <a:endParaRPr lang="en-US"/>
+          </a:p>
+        </p:txBody>
+      </p:sp>
+      <p:sp>
+        <p:nvSpPr>
+          <p:cNvPr id="4" name="Footer Placeholder 3"/>
+          <p:cNvSpPr>
+            <a:spLocks noGrp="1"/>
+          </p:cNvSpPr>
+          <p:nvPr>
+            <p:ph type="ftr" sz="quarter" idx="11"/>
+          </p:nvPr>
+        </p:nvSpPr>
+        <p:spPr/>
+        <p:txBody>
+          <a:bodyPr/>
+          <a:lstStyle/>
+          <a:p>
+            <a:endParaRPr lang="en-US"/>
+          </a:p>
+        </p:txBody>
+      </p:sp>
+      <p:sp>
+        <p:nvSpPr>
+          <p:cNvPr id="5" name="Slide Number Placeholder 4"/>
+          <p:cNvSpPr>
+            <a:spLocks noGrp="1"/>
+          </p:cNvSpPr>
+          <p:nvPr>
+            <p:ph type="sldNum" sz="quarter" idx="12"/>
+          </p:nvPr>
+        </p:nvSpPr>
+        <p:spPr/>
+        <p:txBody>
+          <a:bodyPr/>
+          <a:lstStyle/>
+          <a:p>
+            <a:fld id="{4B2D23FA-BA53-41F8-8705-2A17F5C3D87D}" type="slidenum">
+              <a:rPr lang="en-US" smtClean="0"/>
+              <a:t>‹#›</a:t>
+            </a:fld>
+            <a:endParaRPr lang="en-US"/>
+          </a:p>
+        </p:txBody>
+      </p:sp>
+    </p:spTree>
+    <p:extLst>
+      <p:ext uri="{BB962C8B-B14F-4D97-AF65-F5344CB8AC3E}">
+        <p14:creationId xmlns:p14="http://schemas.microsoft.com/office/powerpoint/2010/main" val="285479099"/>
+      </p:ext>
+    </p:extLst>
+  </p:cSld>
+  <p:clrMapOvr>
+    <a:masterClrMapping/>
+  </p:clrMapOvr>
+</p:sldLayout>
+</file>
+
+<file path=ppt/slideLayouts/slideLayout15.xml><?xml version="1.0" encoding="utf-8"?>
+<p:sldLayout xmlns:a="http://schemas.openxmlformats.org/drawingml/2006/main" xmlns:r="http://schemas.openxmlformats.org/officeDocument/2006/relationships" xmlns:p="http://schemas.openxmlformats.org/presentationml/2006/main" preserve="1">
+  <p:cSld name="3 Picture Column">
+    <p:spTree>
+      <p:nvGrpSpPr>
+        <p:cNvPr id="1" name=""/>
+        <p:cNvGrpSpPr/>
+        <p:nvPr/>
+      </p:nvGrpSpPr>
+      <p:grpSpPr>
+        <a:xfrm>
+          <a:off x="0" y="0"/>
+          <a:ext cx="0" cy="0"/>
+          <a:chOff x="0" y="0"/>
+          <a:chExt cx="0" cy="0"/>
+        </a:xfrm>
+      </p:grpSpPr>
+      <p:pic>
+        <p:nvPicPr>
+          <p:cNvPr id="2" name="Picture 1" descr="Slate-V2-HD-3colPhotoInset.png"/>
+          <p:cNvPicPr>
+            <a:picLocks noChangeAspect="1"/>
+          </p:cNvPicPr>
+          <p:nvPr/>
+        </p:nvPicPr>
+        <p:blipFill>
+          <a:blip r:embed="rId2">
+            <a:extLst>
+              <a:ext uri="{28A0092B-C50C-407E-A947-70E740481C1C}">
+                <a14:useLocalDpi xmlns:a14="http://schemas.microsoft.com/office/drawing/2010/main" val="0"/>
+              </a:ext>
+            </a:extLst>
+          </a:blip>
+          <a:stretch>
+            <a:fillRect/>
+          </a:stretch>
+        </p:blipFill>
+        <p:spPr>
+          <a:xfrm>
+            <a:off x="897962" y="1818214"/>
+            <a:ext cx="3339972" cy="1847851"/>
+          </a:xfrm>
+          <a:prstGeom prst="rect">
+            <a:avLst/>
+          </a:prstGeom>
+        </p:spPr>
+      </p:pic>
+      <p:pic>
+        <p:nvPicPr>
+          <p:cNvPr id="36" name="Picture 35" descr="Slate-V2-HD-3colPhotoInset.png"/>
+          <p:cNvPicPr>
+            <a:picLocks noChangeAspect="1"/>
+          </p:cNvPicPr>
+          <p:nvPr/>
+        </p:nvPicPr>
+        <p:blipFill>
+          <a:blip r:embed="rId2">
+            <a:extLst>
+              <a:ext uri="{28A0092B-C50C-407E-A947-70E740481C1C}">
+                <a14:useLocalDpi xmlns:a14="http://schemas.microsoft.com/office/drawing/2010/main" val="0"/>
+              </a:ext>
+            </a:extLst>
+          </a:blip>
+          <a:stretch>
+            <a:fillRect/>
+          </a:stretch>
+        </p:blipFill>
+        <p:spPr>
+          <a:xfrm>
+            <a:off x="4403800" y="1818214"/>
+            <a:ext cx="3339972" cy="1847851"/>
+          </a:xfrm>
+          <a:prstGeom prst="rect">
+            <a:avLst/>
+          </a:prstGeom>
+        </p:spPr>
+      </p:pic>
+      <p:pic>
+        <p:nvPicPr>
+          <p:cNvPr id="37" name="Picture 36" descr="Slate-V2-HD-3colPhotoInset.png"/>
+          <p:cNvPicPr>
+            <a:picLocks noChangeAspect="1"/>
+          </p:cNvPicPr>
+          <p:nvPr/>
+        </p:nvPicPr>
+        <p:blipFill>
+          <a:blip r:embed="rId2">
+            <a:extLst>
+              <a:ext uri="{28A0092B-C50C-407E-A947-70E740481C1C}">
+                <a14:useLocalDpi xmlns:a14="http://schemas.microsoft.com/office/drawing/2010/main" val="0"/>
+              </a:ext>
+            </a:extLst>
+          </a:blip>
+          <a:stretch>
+            <a:fillRect/>
+          </a:stretch>
+        </p:blipFill>
+        <p:spPr>
+          <a:xfrm>
+            <a:off x="7936051" y="1818214"/>
+            <a:ext cx="3339972" cy="1847851"/>
+          </a:xfrm>
+          <a:prstGeom prst="rect">
+            <a:avLst/>
+          </a:prstGeom>
+        </p:spPr>
+      </p:pic>
+      <p:sp>
+        <p:nvSpPr>
+          <p:cNvPr id="30" name="Title 1"/>
+          <p:cNvSpPr>
+            <a:spLocks noGrp="1"/>
+          </p:cNvSpPr>
+          <p:nvPr>
+            <p:ph type="title"/>
+          </p:nvPr>
+        </p:nvSpPr>
+        <p:spPr>
+          <a:xfrm>
+            <a:off x="913794" y="609600"/>
+            <a:ext cx="10353763" cy="970450"/>
+          </a:xfrm>
+        </p:spPr>
+        <p:txBody>
+          <a:bodyPr/>
+          <a:lstStyle/>
+          <a:p>
+            <a:r>
+              <a:rPr lang="en-US"/>
+              <a:t>Click to edit Master title style</a:t>
+            </a:r>
+            <a:endParaRPr lang="en-US" dirty="0"/>
+          </a:p>
+        </p:txBody>
+      </p:sp>
+      <p:sp>
+        <p:nvSpPr>
+          <p:cNvPr id="19" name="Text Placeholder 2"/>
+          <p:cNvSpPr>
+            <a:spLocks noGrp="1"/>
+          </p:cNvSpPr>
+          <p:nvPr>
+            <p:ph type="body" idx="1"/>
+          </p:nvPr>
+        </p:nvSpPr>
+        <p:spPr>
+          <a:xfrm>
+            <a:off x="913795" y="3904106"/>
+            <a:ext cx="3300984" cy="576262"/>
+          </a:xfrm>
+        </p:spPr>
+        <p:txBody>
+          <a:bodyPr anchor="b">
+            <a:noAutofit/>
+          </a:bodyPr>
+          <a:lstStyle>
+            <a:lvl1pPr marL="0" indent="0" algn="ctr">
+              <a:buNone/>
+              <a:defRPr sz="2000" b="0">
+                <a:solidFill>
+                  <a:schemeClr val="tx1"/>
+                </a:solidFill>
+              </a:defRPr>
+            </a:lvl1pPr>
+            <a:lvl2pPr marL="457200" indent="0">
+              <a:buNone/>
+              <a:defRPr sz="2000" b="1"/>
+            </a:lvl2pPr>
+            <a:lvl3pPr marL="914400" indent="0">
+              <a:buNone/>
+              <a:defRPr sz="1800" b="1"/>
+            </a:lvl3pPr>
+            <a:lvl4pPr marL="1371600" indent="0">
+              <a:buNone/>
+              <a:defRPr sz="1600" b="1"/>
+            </a:lvl4pPr>
+            <a:lvl5pPr marL="1828800" indent="0">
+              <a:buNone/>
+              <a:defRPr sz="1600" b="1"/>
+            </a:lvl5pPr>
+            <a:lvl6pPr marL="2286000" indent="0">
+              <a:buNone/>
+              <a:defRPr sz="1600" b="1"/>
+            </a:lvl6pPr>
+            <a:lvl7pPr marL="2743200" indent="0">
+              <a:buNone/>
+              <a:defRPr sz="1600" b="1"/>
+            </a:lvl7pPr>
+            <a:lvl8pPr marL="3200400" indent="0">
+              <a:buNone/>
+              <a:defRPr sz="1600" b="1"/>
+            </a:lvl8pPr>
+            <a:lvl9pPr marL="3657600" indent="0">
+              <a:buNone/>
+              <a:defRPr sz="1600" b="1"/>
+            </a:lvl9pPr>
+          </a:lstStyle>
+          <a:p>
+            <a:pPr lvl="0"/>
+            <a:r>
+              <a:rPr lang="en-US"/>
+              <a:t>Edit Master text styles</a:t>
+            </a:r>
+          </a:p>
+        </p:txBody>
+      </p:sp>
+      <p:sp>
+        <p:nvSpPr>
+          <p:cNvPr id="20" name="Picture Placeholder 2"/>
+          <p:cNvSpPr>
+            <a:spLocks noGrp="1" noChangeAspect="1"/>
+          </p:cNvSpPr>
+          <p:nvPr>
+            <p:ph type="pic" idx="15"/>
+          </p:nvPr>
+        </p:nvSpPr>
+        <p:spPr>
+          <a:xfrm>
+            <a:off x="1018102" y="1938918"/>
+            <a:ext cx="3092368" cy="1602954"/>
+          </a:xfrm>
+          <a:prstGeom prst="roundRect">
+            <a:avLst>
+              <a:gd name="adj" fmla="val 1858"/>
+            </a:avLst>
+          </a:prstGeom>
+          <a:effectLst>
+            <a:outerShdw blurRad="38100" dist="25400" dir="4440000">
+              <a:srgbClr val="000000">
+                <a:alpha val="36000"/>
+              </a:srgbClr>
+            </a:outerShdw>
+          </a:effectLst>
+        </p:spPr>
+        <p:txBody>
+          <a:bodyPr anchor="t">
+            <a:normAutofit/>
+          </a:bodyPr>
+          <a:lstStyle>
+            <a:lvl1pPr marL="0" indent="0" algn="ctr">
+              <a:buNone/>
+              <a:defRPr sz="1600"/>
+            </a:lvl1pPr>
+            <a:lvl2pPr marL="457200" indent="0">
+              <a:buNone/>
+              <a:defRPr sz="1600"/>
+            </a:lvl2pPr>
+            <a:lvl3pPr marL="914400" indent="0">
+              <a:buNone/>
+              <a:defRPr sz="1600"/>
+            </a:lvl3pPr>
+            <a:lvl4pPr marL="1371600" indent="0">
+              <a:buNone/>
+              <a:defRPr sz="1600"/>
+            </a:lvl4pPr>
+            <a:lvl5pPr marL="1828800" indent="0">
+              <a:buNone/>
+              <a:defRPr sz="1600"/>
+            </a:lvl5pPr>
+            <a:lvl6pPr marL="2286000" indent="0">
+              <a:buNone/>
+              <a:defRPr sz="1600"/>
+            </a:lvl6pPr>
+            <a:lvl7pPr marL="2743200" indent="0">
+              <a:buNone/>
+              <a:defRPr sz="1600"/>
+            </a:lvl7pPr>
+            <a:lvl8pPr marL="3200400" indent="0">
+              <a:buNone/>
+              <a:defRPr sz="1600"/>
+            </a:lvl8pPr>
+            <a:lvl9pPr marL="3657600" indent="0">
+              <a:buNone/>
+              <a:defRPr sz="1600"/>
+            </a:lvl9pPr>
+          </a:lstStyle>
+          <a:p>
+            <a:r>
+              <a:rPr lang="en-US"/>
+              <a:t>Click icon to add picture</a:t>
+            </a:r>
+            <a:endParaRPr lang="en-US" dirty="0"/>
+          </a:p>
+        </p:txBody>
+      </p:sp>
+      <p:sp>
+        <p:nvSpPr>
+          <p:cNvPr id="21" name="Text Placeholder 3"/>
+          <p:cNvSpPr>
+            <a:spLocks noGrp="1"/>
+          </p:cNvSpPr>
+          <p:nvPr>
+            <p:ph type="body" sz="half" idx="18"/>
+          </p:nvPr>
+        </p:nvSpPr>
+        <p:spPr>
+          <a:xfrm>
+            <a:off x="913795" y="4480368"/>
+            <a:ext cx="3300984" cy="1310833"/>
+          </a:xfrm>
+        </p:spPr>
+        <p:txBody>
+          <a:bodyPr anchor="t">
+            <a:normAutofit/>
+          </a:bodyPr>
+          <a:lstStyle>
+            <a:lvl1pPr marL="0" indent="0" algn="ctr">
+              <a:buNone/>
+              <a:defRPr sz="1400"/>
+            </a:lvl1pPr>
+            <a:lvl2pPr marL="457200" indent="0">
+              <a:buNone/>
+              <a:defRPr sz="1200"/>
+            </a:lvl2pPr>
+            <a:lvl3pPr marL="914400" indent="0">
+              <a:buNone/>
+              <a:defRPr sz="1000"/>
+            </a:lvl3pPr>
+            <a:lvl4pPr marL="1371600" indent="0">
+              <a:buNone/>
+              <a:defRPr sz="900"/>
+            </a:lvl4pPr>
+            <a:lvl5pPr marL="1828800" indent="0">
+              <a:buNone/>
+              <a:defRPr sz="900"/>
+            </a:lvl5pPr>
+            <a:lvl6pPr marL="2286000" indent="0">
+              <a:buNone/>
+              <a:defRPr sz="900"/>
+            </a:lvl6pPr>
+            <a:lvl7pPr marL="2743200" indent="0">
+              <a:buNone/>
+              <a:defRPr sz="900"/>
+            </a:lvl7pPr>
+            <a:lvl8pPr marL="3200400" indent="0">
+              <a:buNone/>
+              <a:defRPr sz="900"/>
+            </a:lvl8pPr>
+            <a:lvl9pPr marL="3657600" indent="0">
+              <a:buNone/>
+              <a:defRPr sz="900"/>
+            </a:lvl9pPr>
+          </a:lstStyle>
+          <a:p>
+            <a:pPr lvl="0"/>
+            <a:r>
+              <a:rPr lang="en-US"/>
+              <a:t>Edit Master text styles</a:t>
+            </a:r>
+          </a:p>
+        </p:txBody>
+      </p:sp>
+      <p:sp>
+        <p:nvSpPr>
+          <p:cNvPr id="22" name="Text Placeholder 4"/>
+          <p:cNvSpPr>
+            <a:spLocks noGrp="1"/>
+          </p:cNvSpPr>
+          <p:nvPr>
+            <p:ph type="body" sz="quarter" idx="3"/>
+          </p:nvPr>
+        </p:nvSpPr>
+        <p:spPr>
+          <a:xfrm>
+            <a:off x="4442788" y="3904106"/>
+            <a:ext cx="3300984" cy="576262"/>
+          </a:xfrm>
+        </p:spPr>
+        <p:txBody>
+          <a:bodyPr anchor="b">
+            <a:noAutofit/>
+          </a:bodyPr>
+          <a:lstStyle>
+            <a:lvl1pPr marL="0" indent="0" algn="ctr">
+              <a:buNone/>
+              <a:defRPr sz="2000" b="0">
+                <a:solidFill>
+                  <a:schemeClr val="tx1"/>
+                </a:solidFill>
+              </a:defRPr>
+            </a:lvl1pPr>
+            <a:lvl2pPr marL="457200" indent="0">
+              <a:buNone/>
+              <a:defRPr sz="2000" b="1"/>
+            </a:lvl2pPr>
+            <a:lvl3pPr marL="914400" indent="0">
+              <a:buNone/>
+              <a:defRPr sz="1800" b="1"/>
+            </a:lvl3pPr>
+            <a:lvl4pPr marL="1371600" indent="0">
+              <a:buNone/>
+              <a:defRPr sz="1600" b="1"/>
+            </a:lvl4pPr>
+            <a:lvl5pPr marL="1828800" indent="0">
+              <a:buNone/>
+              <a:defRPr sz="1600" b="1"/>
+            </a:lvl5pPr>
+            <a:lvl6pPr marL="2286000" indent="0">
+              <a:buNone/>
+              <a:defRPr sz="1600" b="1"/>
+            </a:lvl6pPr>
+            <a:lvl7pPr marL="2743200" indent="0">
+              <a:buNone/>
+              <a:defRPr sz="1600" b="1"/>
+            </a:lvl7pPr>
+            <a:lvl8pPr marL="3200400" indent="0">
+              <a:buNone/>
+              <a:defRPr sz="1600" b="1"/>
+            </a:lvl8pPr>
+            <a:lvl9pPr marL="3657600" indent="0">
+              <a:buNone/>
+              <a:defRPr sz="1600" b="1"/>
+            </a:lvl9pPr>
+          </a:lstStyle>
+          <a:p>
+            <a:pPr lvl="0"/>
+            <a:r>
+              <a:rPr lang="en-US"/>
+              <a:t>Edit Master text styles</a:t>
+            </a:r>
+          </a:p>
+        </p:txBody>
+      </p:sp>
+      <p:sp>
+        <p:nvSpPr>
+          <p:cNvPr id="23" name="Picture Placeholder 2"/>
+          <p:cNvSpPr>
+            <a:spLocks noGrp="1" noChangeAspect="1"/>
+          </p:cNvSpPr>
+          <p:nvPr>
+            <p:ph type="pic" idx="21"/>
+          </p:nvPr>
+        </p:nvSpPr>
+        <p:spPr>
+          <a:xfrm>
+            <a:off x="4545743" y="1939094"/>
+            <a:ext cx="3092368" cy="1608164"/>
+          </a:xfrm>
+          <a:prstGeom prst="roundRect">
+            <a:avLst>
+              <a:gd name="adj" fmla="val 1858"/>
+            </a:avLst>
+          </a:prstGeom>
+          <a:effectLst>
+            <a:outerShdw blurRad="38100" dist="25400" dir="4440000">
+              <a:srgbClr val="000000">
+                <a:alpha val="36000"/>
+              </a:srgbClr>
+            </a:outerShdw>
+          </a:effectLst>
+        </p:spPr>
+        <p:txBody>
+          <a:bodyPr anchor="t">
+            <a:normAutofit/>
+          </a:bodyPr>
+          <a:lstStyle>
+            <a:lvl1pPr marL="0" indent="0" algn="ctr">
+              <a:buNone/>
+              <a:defRPr sz="1600"/>
+            </a:lvl1pPr>
+            <a:lvl2pPr marL="457200" indent="0">
+              <a:buNone/>
+              <a:defRPr sz="1600"/>
+            </a:lvl2pPr>
+            <a:lvl3pPr marL="914400" indent="0">
+              <a:buNone/>
+              <a:defRPr sz="1600"/>
+            </a:lvl3pPr>
+            <a:lvl4pPr marL="1371600" indent="0">
+              <a:buNone/>
+              <a:defRPr sz="1600"/>
+            </a:lvl4pPr>
+            <a:lvl5pPr marL="1828800" indent="0">
+              <a:buNone/>
+              <a:defRPr sz="1600"/>
+            </a:lvl5pPr>
+            <a:lvl6pPr marL="2286000" indent="0">
+              <a:buNone/>
+              <a:defRPr sz="1600"/>
+            </a:lvl6pPr>
+            <a:lvl7pPr marL="2743200" indent="0">
+              <a:buNone/>
+              <a:defRPr sz="1600"/>
+            </a:lvl7pPr>
+            <a:lvl8pPr marL="3200400" indent="0">
+              <a:buNone/>
+              <a:defRPr sz="1600"/>
+            </a:lvl8pPr>
+            <a:lvl9pPr marL="3657600" indent="0">
+              <a:buNone/>
+              <a:defRPr sz="1600"/>
+            </a:lvl9pPr>
+          </a:lstStyle>
+          <a:p>
+            <a:r>
+              <a:rPr lang="en-US"/>
+              <a:t>Click icon to add picture</a:t>
+            </a:r>
+            <a:endParaRPr lang="en-US" dirty="0"/>
+          </a:p>
+        </p:txBody>
+      </p:sp>
+      <p:sp>
+        <p:nvSpPr>
+          <p:cNvPr id="24" name="Text Placeholder 3"/>
+          <p:cNvSpPr>
+            <a:spLocks noGrp="1"/>
+          </p:cNvSpPr>
+          <p:nvPr>
+            <p:ph type="body" sz="half" idx="19"/>
+          </p:nvPr>
+        </p:nvSpPr>
+        <p:spPr>
+          <a:xfrm>
+            <a:off x="4441435" y="4480367"/>
+            <a:ext cx="3300984" cy="1310833"/>
+          </a:xfrm>
+        </p:spPr>
+        <p:txBody>
+          <a:bodyPr anchor="t">
+            <a:normAutofit/>
+          </a:bodyPr>
+          <a:lstStyle>
+            <a:lvl1pPr marL="0" indent="0" algn="ctr">
+              <a:buNone/>
+              <a:defRPr sz="1400"/>
+            </a:lvl1pPr>
+            <a:lvl2pPr marL="457200" indent="0">
+              <a:buNone/>
+              <a:defRPr sz="1200"/>
+            </a:lvl2pPr>
+            <a:lvl3pPr marL="914400" indent="0">
+              <a:buNone/>
+              <a:defRPr sz="1000"/>
+            </a:lvl3pPr>
+            <a:lvl4pPr marL="1371600" indent="0">
+              <a:buNone/>
+              <a:defRPr sz="900"/>
+            </a:lvl4pPr>
+            <a:lvl5pPr marL="1828800" indent="0">
+              <a:buNone/>
+              <a:defRPr sz="900"/>
+            </a:lvl5pPr>
+            <a:lvl6pPr marL="2286000" indent="0">
+              <a:buNone/>
+              <a:defRPr sz="900"/>
+            </a:lvl6pPr>
+            <a:lvl7pPr marL="2743200" indent="0">
+              <a:buNone/>
+              <a:defRPr sz="900"/>
+            </a:lvl7pPr>
+            <a:lvl8pPr marL="3200400" indent="0">
+              <a:buNone/>
+              <a:defRPr sz="900"/>
+            </a:lvl8pPr>
+            <a:lvl9pPr marL="3657600" indent="0">
+              <a:buNone/>
+              <a:defRPr sz="900"/>
+            </a:lvl9pPr>
+          </a:lstStyle>
+          <a:p>
+            <a:pPr lvl="0"/>
+            <a:r>
+              <a:rPr lang="en-US"/>
+              <a:t>Edit Master text styles</a:t>
+            </a:r>
+          </a:p>
+        </p:txBody>
+      </p:sp>
+      <p:sp>
+        <p:nvSpPr>
+          <p:cNvPr id="25" name="Text Placeholder 4"/>
+          <p:cNvSpPr>
+            <a:spLocks noGrp="1"/>
+          </p:cNvSpPr>
+          <p:nvPr>
+            <p:ph type="body" sz="quarter" idx="13"/>
+          </p:nvPr>
+        </p:nvSpPr>
+        <p:spPr>
+          <a:xfrm>
+            <a:off x="7966697" y="3904106"/>
+            <a:ext cx="3300984" cy="576262"/>
+          </a:xfrm>
+        </p:spPr>
+        <p:txBody>
+          <a:bodyPr anchor="b">
+            <a:noAutofit/>
+          </a:bodyPr>
+          <a:lstStyle>
+            <a:lvl1pPr marL="0" indent="0" algn="ctr">
+              <a:buNone/>
+              <a:defRPr sz="2000" b="0">
+                <a:solidFill>
+                  <a:schemeClr val="tx1"/>
+                </a:solidFill>
+              </a:defRPr>
+            </a:lvl1pPr>
+            <a:lvl2pPr marL="457200" indent="0">
+              <a:buNone/>
+              <a:defRPr sz="2000" b="1"/>
+            </a:lvl2pPr>
+            <a:lvl3pPr marL="914400" indent="0">
+              <a:buNone/>
+              <a:defRPr sz="1800" b="1"/>
+            </a:lvl3pPr>
+            <a:lvl4pPr marL="1371600" indent="0">
+              <a:buNone/>
+              <a:defRPr sz="1600" b="1"/>
+            </a:lvl4pPr>
+            <a:lvl5pPr marL="1828800" indent="0">
+              <a:buNone/>
+              <a:defRPr sz="1600" b="1"/>
+            </a:lvl5pPr>
+            <a:lvl6pPr marL="2286000" indent="0">
+              <a:buNone/>
+              <a:defRPr sz="1600" b="1"/>
+            </a:lvl6pPr>
+            <a:lvl7pPr marL="2743200" indent="0">
+              <a:buNone/>
+              <a:defRPr sz="1600" b="1"/>
+            </a:lvl7pPr>
+            <a:lvl8pPr marL="3200400" indent="0">
+              <a:buNone/>
+              <a:defRPr sz="1600" b="1"/>
+            </a:lvl8pPr>
+            <a:lvl9pPr marL="3657600" indent="0">
+              <a:buNone/>
+              <a:defRPr sz="1600" b="1"/>
+            </a:lvl9pPr>
+          </a:lstStyle>
+          <a:p>
+            <a:pPr lvl="0"/>
+            <a:r>
+              <a:rPr lang="en-US"/>
+              <a:t>Edit Master text styles</a:t>
+            </a:r>
+          </a:p>
+        </p:txBody>
+      </p:sp>
+      <p:sp>
+        <p:nvSpPr>
+          <p:cNvPr id="26" name="Picture Placeholder 2"/>
+          <p:cNvSpPr>
+            <a:spLocks noGrp="1" noChangeAspect="1"/>
+          </p:cNvSpPr>
+          <p:nvPr>
+            <p:ph type="pic" idx="22"/>
+          </p:nvPr>
+        </p:nvSpPr>
+        <p:spPr>
+          <a:xfrm>
+            <a:off x="8075698" y="1934432"/>
+            <a:ext cx="3092368" cy="1607294"/>
+          </a:xfrm>
+          <a:prstGeom prst="roundRect">
+            <a:avLst>
+              <a:gd name="adj" fmla="val 1858"/>
+            </a:avLst>
+          </a:prstGeom>
+          <a:effectLst>
+            <a:outerShdw blurRad="38100" dist="25400" dir="4440000">
+              <a:srgbClr val="000000">
+                <a:alpha val="36000"/>
+              </a:srgbClr>
+            </a:outerShdw>
+          </a:effectLst>
+        </p:spPr>
+        <p:txBody>
+          <a:bodyPr anchor="t">
+            <a:normAutofit/>
+          </a:bodyPr>
+          <a:lstStyle>
+            <a:lvl1pPr marL="0" indent="0" algn="ctr">
+              <a:buNone/>
+              <a:defRPr sz="1600"/>
+            </a:lvl1pPr>
+            <a:lvl2pPr marL="457200" indent="0">
+              <a:buNone/>
+              <a:defRPr sz="1600"/>
+            </a:lvl2pPr>
+            <a:lvl3pPr marL="914400" indent="0">
+              <a:buNone/>
+              <a:defRPr sz="1600"/>
+            </a:lvl3pPr>
+            <a:lvl4pPr marL="1371600" indent="0">
+              <a:buNone/>
+              <a:defRPr sz="1600"/>
+            </a:lvl4pPr>
+            <a:lvl5pPr marL="1828800" indent="0">
+              <a:buNone/>
+              <a:defRPr sz="1600"/>
+            </a:lvl5pPr>
+            <a:lvl6pPr marL="2286000" indent="0">
+              <a:buNone/>
+              <a:defRPr sz="1600"/>
+            </a:lvl6pPr>
+            <a:lvl7pPr marL="2743200" indent="0">
+              <a:buNone/>
+              <a:defRPr sz="1600"/>
+            </a:lvl7pPr>
+            <a:lvl8pPr marL="3200400" indent="0">
+              <a:buNone/>
+              <a:defRPr sz="1600"/>
+            </a:lvl8pPr>
+            <a:lvl9pPr marL="3657600" indent="0">
+              <a:buNone/>
+              <a:defRPr sz="1600"/>
+            </a:lvl9pPr>
+          </a:lstStyle>
+          <a:p>
+            <a:r>
+              <a:rPr lang="en-US"/>
+              <a:t>Click icon to add picture</a:t>
+            </a:r>
+            <a:endParaRPr lang="en-US" dirty="0"/>
+          </a:p>
+        </p:txBody>
+      </p:sp>
+      <p:sp>
+        <p:nvSpPr>
+          <p:cNvPr id="27" name="Text Placeholder 3"/>
+          <p:cNvSpPr>
+            <a:spLocks noGrp="1"/>
+          </p:cNvSpPr>
+          <p:nvPr>
+            <p:ph type="body" sz="half" idx="20"/>
+          </p:nvPr>
+        </p:nvSpPr>
+        <p:spPr>
+          <a:xfrm>
+            <a:off x="7966572" y="4480365"/>
+            <a:ext cx="3300984" cy="1310835"/>
+          </a:xfrm>
+        </p:spPr>
+        <p:txBody>
+          <a:bodyPr anchor="t">
+            <a:normAutofit/>
+          </a:bodyPr>
+          <a:lstStyle>
+            <a:lvl1pPr marL="0" indent="0" algn="ctr">
+              <a:buNone/>
+              <a:defRPr sz="1400"/>
+            </a:lvl1pPr>
+            <a:lvl2pPr marL="457200" indent="0">
+              <a:buNone/>
+              <a:defRPr sz="1200"/>
+            </a:lvl2pPr>
+            <a:lvl3pPr marL="914400" indent="0">
+              <a:buNone/>
+              <a:defRPr sz="1000"/>
+            </a:lvl3pPr>
+            <a:lvl4pPr marL="1371600" indent="0">
+              <a:buNone/>
+              <a:defRPr sz="900"/>
+            </a:lvl4pPr>
+            <a:lvl5pPr marL="1828800" indent="0">
+              <a:buNone/>
+              <a:defRPr sz="900"/>
+            </a:lvl5pPr>
+            <a:lvl6pPr marL="2286000" indent="0">
+              <a:buNone/>
+              <a:defRPr sz="900"/>
+            </a:lvl6pPr>
+            <a:lvl7pPr marL="2743200" indent="0">
+              <a:buNone/>
+              <a:defRPr sz="900"/>
+            </a:lvl7pPr>
+            <a:lvl8pPr marL="3200400" indent="0">
+              <a:buNone/>
+              <a:defRPr sz="900"/>
+            </a:lvl8pPr>
+            <a:lvl9pPr marL="3657600" indent="0">
+              <a:buNone/>
+              <a:defRPr sz="900"/>
+            </a:lvl9pPr>
+          </a:lstStyle>
+          <a:p>
+            <a:pPr lvl="0"/>
+            <a:r>
+              <a:rPr lang="en-US"/>
+              <a:t>Edit Master text styles</a:t>
+            </a:r>
+          </a:p>
+        </p:txBody>
+      </p:sp>
+      <p:sp>
+        <p:nvSpPr>
+          <p:cNvPr id="3" name="Date Placeholder 2"/>
+          <p:cNvSpPr>
+            <a:spLocks noGrp="1"/>
+          </p:cNvSpPr>
+          <p:nvPr>
+            <p:ph type="dt" sz="half" idx="10"/>
+          </p:nvPr>
+        </p:nvSpPr>
+        <p:spPr/>
+        <p:txBody>
+          <a:bodyPr/>
+          <a:lstStyle/>
+          <a:p>
+            <a:fld id="{3D626D60-E8ED-4541-BE33-B3C1FAE5292A}" type="datetimeFigureOut">
+              <a:rPr lang="en-US" smtClean="0"/>
+              <a:t>11/7/2018</a:t>
+            </a:fld>
+            <a:endParaRPr lang="en-US"/>
+          </a:p>
+        </p:txBody>
+      </p:sp>
+      <p:sp>
+        <p:nvSpPr>
+          <p:cNvPr id="4" name="Footer Placeholder 3"/>
+          <p:cNvSpPr>
+            <a:spLocks noGrp="1"/>
+          </p:cNvSpPr>
+          <p:nvPr>
+            <p:ph type="ftr" sz="quarter" idx="11"/>
+          </p:nvPr>
+        </p:nvSpPr>
+        <p:spPr/>
+        <p:txBody>
+          <a:bodyPr/>
+          <a:lstStyle/>
+          <a:p>
+            <a:endParaRPr lang="en-US"/>
+          </a:p>
+        </p:txBody>
+      </p:sp>
+      <p:sp>
+        <p:nvSpPr>
+          <p:cNvPr id="5" name="Slide Number Placeholder 4"/>
+          <p:cNvSpPr>
+            <a:spLocks noGrp="1"/>
+          </p:cNvSpPr>
+          <p:nvPr>
+            <p:ph type="sldNum" sz="quarter" idx="12"/>
+          </p:nvPr>
+        </p:nvSpPr>
+        <p:spPr/>
+        <p:txBody>
+          <a:bodyPr/>
+          <a:lstStyle/>
+          <a:p>
+            <a:fld id="{4B2D23FA-BA53-41F8-8705-2A17F5C3D87D}" type="slidenum">
+              <a:rPr lang="en-US" smtClean="0"/>
+              <a:t>‹#›</a:t>
+            </a:fld>
+            <a:endParaRPr lang="en-US"/>
+          </a:p>
+        </p:txBody>
+      </p:sp>
+    </p:spTree>
+    <p:extLst>
+      <p:ext uri="{BB962C8B-B14F-4D97-AF65-F5344CB8AC3E}">
+        <p14:creationId xmlns:p14="http://schemas.microsoft.com/office/powerpoint/2010/main" val="1893777223"/>
+      </p:ext>
+    </p:extLst>
+  </p:cSld>
+  <p:clrMapOvr>
+    <a:masterClrMapping/>
+  </p:clrMapOvr>
+</p:sldLayout>
+</file>
+
+<file path=ppt/slideLayouts/slideLayout16.xml><?xml version="1.0" encoding="utf-8"?>
 <p:sldLayout xmlns:a="http://schemas.openxmlformats.org/drawingml/2006/main" xmlns:r="http://schemas.openxmlformats.org/officeDocument/2006/relationships" xmlns:p="http://schemas.openxmlformats.org/presentationml/2006/main" type="vertTx" preserve="1">
   <p:cSld name="Title and Vertical Text">
     <p:spTree>
@@ -348,10 +2978,10 @@
           <a:lstStyle/>
           <a:p>
             <a:r>
-              <a:rPr lang="en-US" smtClean="0"/>
+              <a:rPr lang="en-US"/>
               <a:t>Click to edit Master title style</a:t>
             </a:r>
-            <a:endParaRPr lang="en-US"/>
+            <a:endParaRPr lang="en-US" dirty="0"/>
           </a:p>
         </p:txBody>
       </p:sp>
@@ -367,43 +2997,43 @@
         </p:nvSpPr>
         <p:spPr/>
         <p:txBody>
-          <a:bodyPr vert="eaVert"/>
+          <a:bodyPr vert="eaVert" anchor="t"/>
           <a:lstStyle/>
           <a:p>
             <a:pPr lvl="0"/>
             <a:r>
-              <a:rPr lang="en-US" smtClean="0"/>
+              <a:rPr lang="en-US"/>
               <a:t>Edit Master text styles</a:t>
             </a:r>
           </a:p>
           <a:p>
             <a:pPr lvl="1"/>
             <a:r>
-              <a:rPr lang="en-US" smtClean="0"/>
+              <a:rPr lang="en-US"/>
               <a:t>Second level</a:t>
             </a:r>
           </a:p>
           <a:p>
             <a:pPr lvl="2"/>
             <a:r>
-              <a:rPr lang="en-US" smtClean="0"/>
+              <a:rPr lang="en-US"/>
               <a:t>Third level</a:t>
             </a:r>
           </a:p>
           <a:p>
             <a:pPr lvl="3"/>
             <a:r>
-              <a:rPr lang="en-US" smtClean="0"/>
+              <a:rPr lang="en-US"/>
               <a:t>Fourth level</a:t>
             </a:r>
           </a:p>
           <a:p>
             <a:pPr lvl="4"/>
             <a:r>
-              <a:rPr lang="en-US" smtClean="0"/>
+              <a:rPr lang="en-US"/>
               <a:t>Fifth level</a:t>
             </a:r>
-            <a:endParaRPr lang="en-US"/>
+            <a:endParaRPr lang="en-US" dirty="0"/>
           </a:p>
         </p:txBody>
       </p:sp>
@@ -424,7 +3054,7 @@
           <a:p>
             <a:fld id="{3D626D60-E8ED-4541-BE33-B3C1FAE5292A}" type="datetimeFigureOut">
               <a:rPr lang="en-US" smtClean="0"/>
-              <a:t>11/6/2018</a:t>
+              <a:t>11/7/2018</a:t>
             </a:fld>
             <a:endParaRPr lang="en-US"/>
           </a:p>
@@ -475,7 +3105,7 @@
     </p:spTree>
     <p:extLst>
       <p:ext uri="{BB962C8B-B14F-4D97-AF65-F5344CB8AC3E}">
-        <p14:creationId xmlns:p14="http://schemas.microsoft.com/office/powerpoint/2010/main" val="3805824654"/>
+        <p14:creationId xmlns:p14="http://schemas.microsoft.com/office/powerpoint/2010/main" val="22104304"/>
       </p:ext>
     </p:extLst>
   </p:cSld>
@@ -485,7 +3115,7 @@
 </p:sldLayout>
 </file>
 
-<file path=ppt/slideLayouts/slideLayout11.xml><?xml version="1.0" encoding="utf-8"?>
+<file path=ppt/slideLayouts/slideLayout17.xml><?xml version="1.0" encoding="utf-8"?>
 <p:sldLayout xmlns:a="http://schemas.openxmlformats.org/drawingml/2006/main" xmlns:r="http://schemas.openxmlformats.org/officeDocument/2006/relationships" xmlns:p="http://schemas.openxmlformats.org/presentationml/2006/main" type="vertTitleAndTx" preserve="1">
   <p:cSld name="Vertical Title and Text">
     <p:spTree>
@@ -514,19 +3144,23 @@
         </p:nvSpPr>
         <p:spPr>
           <a:xfrm>
-            <a:off x="8724900" y="365125"/>
-            <a:ext cx="2628900" cy="5811838"/>
+            <a:off x="8983068" y="609599"/>
+            <a:ext cx="2284487" cy="5181601"/>
           </a:xfrm>
         </p:spPr>
         <p:txBody>
           <a:bodyPr vert="eaVert"/>
-          <a:lstStyle/>
-          <a:p>
-            <a:r>
-              <a:rPr lang="en-US" smtClean="0"/>
+          <a:lstStyle>
+            <a:lvl1pPr algn="l">
+              <a:defRPr/>
+            </a:lvl1pPr>
+          </a:lstStyle>
+          <a:p>
+            <a:r>
+              <a:rPr lang="en-US"/>
               <a:t>Click to edit Master title style</a:t>
             </a:r>
-            <a:endParaRPr lang="en-US"/>
+            <a:endParaRPr lang="en-US" dirty="0"/>
           </a:p>
         </p:txBody>
       </p:sp>
@@ -542,48 +3176,48 @@
         </p:nvSpPr>
         <p:spPr>
           <a:xfrm>
-            <a:off x="838200" y="365125"/>
-            <a:ext cx="7734300" cy="5811838"/>
+            <a:off x="913796" y="609599"/>
+            <a:ext cx="7916872" cy="5181601"/>
           </a:xfrm>
         </p:spPr>
         <p:txBody>
-          <a:bodyPr vert="eaVert"/>
+          <a:bodyPr vert="eaVert" anchor="t"/>
           <a:lstStyle/>
           <a:p>
             <a:pPr lvl="0"/>
             <a:r>
-              <a:rPr lang="en-US" smtClean="0"/>
+              <a:rPr lang="en-US"/>
               <a:t>Edit Master text styles</a:t>
             </a:r>
           </a:p>
           <a:p>
             <a:pPr lvl="1"/>
             <a:r>
-              <a:rPr lang="en-US" smtClean="0"/>
+              <a:rPr lang="en-US"/>
               <a:t>Second level</a:t>
             </a:r>
           </a:p>
           <a:p>
             <a:pPr lvl="2"/>
             <a:r>
-              <a:rPr lang="en-US" smtClean="0"/>
+              <a:rPr lang="en-US"/>
               <a:t>Third level</a:t>
             </a:r>
           </a:p>
           <a:p>
             <a:pPr lvl="3"/>
             <a:r>
-              <a:rPr lang="en-US" smtClean="0"/>
+              <a:rPr lang="en-US"/>
               <a:t>Fourth level</a:t>
             </a:r>
           </a:p>
           <a:p>
             <a:pPr lvl="4"/>
             <a:r>
-              <a:rPr lang="en-US" smtClean="0"/>
+              <a:rPr lang="en-US"/>
               <a:t>Fifth level</a:t>
             </a:r>
-            <a:endParaRPr lang="en-US"/>
+            <a:endParaRPr lang="en-US" dirty="0"/>
           </a:p>
         </p:txBody>
       </p:sp>
@@ -604,7 +3238,7 @@
           <a:p>
             <a:fld id="{3D626D60-E8ED-4541-BE33-B3C1FAE5292A}" type="datetimeFigureOut">
               <a:rPr lang="en-US" smtClean="0"/>
-              <a:t>11/6/2018</a:t>
+              <a:t>11/7/2018</a:t>
             </a:fld>
             <a:endParaRPr lang="en-US"/>
           </a:p>
@@ -655,7 +3289,7 @@
     </p:spTree>
     <p:extLst>
       <p:ext uri="{BB962C8B-B14F-4D97-AF65-F5344CB8AC3E}">
-        <p14:creationId xmlns:p14="http://schemas.microsoft.com/office/powerpoint/2010/main" val="356194977"/>
+        <p14:creationId xmlns:p14="http://schemas.microsoft.com/office/powerpoint/2010/main" val="659358608"/>
       </p:ext>
     </p:extLst>
   </p:cSld>
@@ -698,10 +3332,10 @@
           <a:lstStyle/>
           <a:p>
             <a:r>
-              <a:rPr lang="en-US" smtClean="0"/>
+              <a:rPr lang="en-US"/>
               <a:t>Click to edit Master title style</a:t>
             </a:r>
-            <a:endParaRPr lang="en-US"/>
+            <a:endParaRPr lang="en-US" dirty="0"/>
           </a:p>
         </p:txBody>
       </p:sp>
@@ -722,38 +3356,38 @@
           <a:p>
             <a:pPr lvl="0"/>
             <a:r>
-              <a:rPr lang="en-US" smtClean="0"/>
+              <a:rPr lang="en-US"/>
               <a:t>Edit Master text styles</a:t>
             </a:r>
           </a:p>
           <a:p>
             <a:pPr lvl="1"/>
             <a:r>
-              <a:rPr lang="en-US" smtClean="0"/>
+              <a:rPr lang="en-US"/>
               <a:t>Second level</a:t>
             </a:r>
           </a:p>
           <a:p>
             <a:pPr lvl="2"/>
             <a:r>
-              <a:rPr lang="en-US" smtClean="0"/>
+              <a:rPr lang="en-US"/>
               <a:t>Third level</a:t>
             </a:r>
           </a:p>
           <a:p>
             <a:pPr lvl="3"/>
             <a:r>
-              <a:rPr lang="en-US" smtClean="0"/>
+              <a:rPr lang="en-US"/>
               <a:t>Fourth level</a:t>
             </a:r>
           </a:p>
           <a:p>
             <a:pPr lvl="4"/>
             <a:r>
-              <a:rPr lang="en-US" smtClean="0"/>
+              <a:rPr lang="en-US"/>
               <a:t>Fifth level</a:t>
             </a:r>
-            <a:endParaRPr lang="en-US"/>
+            <a:endParaRPr lang="en-US" dirty="0"/>
           </a:p>
         </p:txBody>
       </p:sp>
@@ -774,7 +3408,7 @@
           <a:p>
             <a:fld id="{3D626D60-E8ED-4541-BE33-B3C1FAE5292A}" type="datetimeFigureOut">
               <a:rPr lang="en-US" smtClean="0"/>
-              <a:t>11/6/2018</a:t>
+              <a:t>11/7/2018</a:t>
             </a:fld>
             <a:endParaRPr lang="en-US"/>
           </a:p>
@@ -825,7 +3459,7 @@
     </p:spTree>
     <p:extLst>
       <p:ext uri="{BB962C8B-B14F-4D97-AF65-F5344CB8AC3E}">
-        <p14:creationId xmlns:p14="http://schemas.microsoft.com/office/powerpoint/2010/main" val="1961918490"/>
+        <p14:creationId xmlns:p14="http://schemas.microsoft.com/office/powerpoint/2010/main" val="1396418409"/>
       </p:ext>
     </p:extLst>
   </p:cSld>
@@ -864,23 +3498,23 @@
         </p:nvSpPr>
         <p:spPr>
           <a:xfrm>
-            <a:off x="831850" y="1709738"/>
-            <a:ext cx="10515600" cy="2852737"/>
+            <a:off x="1295401" y="1761067"/>
+            <a:ext cx="9590550" cy="1828813"/>
           </a:xfrm>
         </p:spPr>
         <p:txBody>
           <a:bodyPr anchor="b"/>
           <a:lstStyle>
-            <a:lvl1pPr>
-              <a:defRPr sz="6000"/>
+            <a:lvl1pPr algn="ctr">
+              <a:defRPr sz="4000" b="0" cap="none"/>
             </a:lvl1pPr>
           </a:lstStyle>
           <a:p>
             <a:r>
-              <a:rPr lang="en-US" smtClean="0"/>
+              <a:rPr lang="en-US"/>
               <a:t>Click to edit Master title style</a:t>
             </a:r>
-            <a:endParaRPr lang="en-US"/>
+            <a:endParaRPr lang="en-US" dirty="0"/>
           </a:p>
         </p:txBody>
       </p:sp>
@@ -896,26 +3530,24 @@
         </p:nvSpPr>
         <p:spPr>
           <a:xfrm>
-            <a:off x="831850" y="4589463"/>
-            <a:ext cx="10515600" cy="1500187"/>
+            <a:off x="1295401" y="3589879"/>
+            <a:ext cx="9590550" cy="1507054"/>
           </a:xfrm>
         </p:spPr>
         <p:txBody>
-          <a:bodyPr/>
+          <a:bodyPr anchor="t"/>
           <a:lstStyle>
-            <a:lvl1pPr marL="0" indent="0">
-              <a:buNone/>
-              <a:defRPr sz="2400">
+            <a:lvl1pPr marL="0" indent="0" algn="ctr">
+              <a:buNone/>
+              <a:defRPr sz="2000">
                 <a:solidFill>
-                  <a:schemeClr val="tx1">
-                    <a:tint val="75000"/>
-                  </a:schemeClr>
+                  <a:schemeClr val="tx1"/>
                 </a:solidFill>
               </a:defRPr>
             </a:lvl1pPr>
             <a:lvl2pPr marL="457200" indent="0">
               <a:buNone/>
-              <a:defRPr sz="2000">
+              <a:defRPr sz="1800">
                 <a:solidFill>
                   <a:schemeClr val="tx1">
                     <a:tint val="75000"/>
@@ -925,7 +3557,7 @@
             </a:lvl2pPr>
             <a:lvl3pPr marL="914400" indent="0">
               <a:buNone/>
-              <a:defRPr sz="1800">
+              <a:defRPr sz="1600">
                 <a:solidFill>
                   <a:schemeClr val="tx1">
                     <a:tint val="75000"/>
@@ -935,7 +3567,7 @@
             </a:lvl3pPr>
             <a:lvl4pPr marL="1371600" indent="0">
               <a:buNone/>
-              <a:defRPr sz="1600">
+              <a:defRPr sz="1400">
                 <a:solidFill>
                   <a:schemeClr val="tx1">
                     <a:tint val="75000"/>
@@ -945,7 +3577,7 @@
             </a:lvl4pPr>
             <a:lvl5pPr marL="1828800" indent="0">
               <a:buNone/>
-              <a:defRPr sz="1600">
+              <a:defRPr sz="1400">
                 <a:solidFill>
                   <a:schemeClr val="tx1">
                     <a:tint val="75000"/>
@@ -955,7 +3587,7 @@
             </a:lvl5pPr>
             <a:lvl6pPr marL="2286000" indent="0">
               <a:buNone/>
-              <a:defRPr sz="1600">
+              <a:defRPr sz="1400">
                 <a:solidFill>
                   <a:schemeClr val="tx1">
                     <a:tint val="75000"/>
@@ -965,7 +3597,7 @@
             </a:lvl6pPr>
             <a:lvl7pPr marL="2743200" indent="0">
               <a:buNone/>
-              <a:defRPr sz="1600">
+              <a:defRPr sz="1400">
                 <a:solidFill>
                   <a:schemeClr val="tx1">
                     <a:tint val="75000"/>
@@ -975,7 +3607,7 @@
             </a:lvl7pPr>
             <a:lvl8pPr marL="3200400" indent="0">
               <a:buNone/>
-              <a:defRPr sz="1600">
+              <a:defRPr sz="1400">
                 <a:solidFill>
                   <a:schemeClr val="tx1">
                     <a:tint val="75000"/>
@@ -985,7 +3617,7 @@
             </a:lvl8pPr>
             <a:lvl9pPr marL="3657600" indent="0">
               <a:buNone/>
-              <a:defRPr sz="1600">
+              <a:defRPr sz="1400">
                 <a:solidFill>
                   <a:schemeClr val="tx1">
                     <a:tint val="75000"/>
@@ -997,7 +3629,7 @@
           <a:p>
             <a:pPr lvl="0"/>
             <a:r>
-              <a:rPr lang="en-US" smtClean="0"/>
+              <a:rPr lang="en-US"/>
               <a:t>Edit Master text styles</a:t>
             </a:r>
           </a:p>
@@ -1020,7 +3652,7 @@
           <a:p>
             <a:fld id="{3D626D60-E8ED-4541-BE33-B3C1FAE5292A}" type="datetimeFigureOut">
               <a:rPr lang="en-US" smtClean="0"/>
-              <a:t>11/6/2018</a:t>
+              <a:t>11/7/2018</a:t>
             </a:fld>
             <a:endParaRPr lang="en-US"/>
           </a:p>
@@ -1071,7 +3703,7 @@
     </p:spTree>
     <p:extLst>
       <p:ext uri="{BB962C8B-B14F-4D97-AF65-F5344CB8AC3E}">
-        <p14:creationId xmlns:p14="http://schemas.microsoft.com/office/powerpoint/2010/main" val="3116845399"/>
+        <p14:creationId xmlns:p14="http://schemas.microsoft.com/office/powerpoint/2010/main" val="1486403895"/>
       </p:ext>
     </p:extLst>
   </p:cSld>
@@ -1114,10 +3746,10 @@
           <a:lstStyle/>
           <a:p>
             <a:r>
-              <a:rPr lang="en-US" smtClean="0"/>
+              <a:rPr lang="en-US"/>
               <a:t>Click to edit Master title style</a:t>
             </a:r>
-            <a:endParaRPr lang="en-US"/>
+            <a:endParaRPr lang="en-US" dirty="0"/>
           </a:p>
         </p:txBody>
       </p:sp>
@@ -1133,48 +3765,50 @@
         </p:nvSpPr>
         <p:spPr>
           <a:xfrm>
-            <a:off x="838200" y="1825625"/>
-            <a:ext cx="5181600" cy="4351338"/>
+            <a:off x="913795" y="1732449"/>
+            <a:ext cx="5060497" cy="4058750"/>
           </a:xfrm>
         </p:spPr>
         <p:txBody>
-          <a:bodyPr/>
+          <a:bodyPr anchor="t">
+            <a:normAutofit/>
+          </a:bodyPr>
           <a:lstStyle/>
           <a:p>
             <a:pPr lvl="0"/>
             <a:r>
-              <a:rPr lang="en-US" smtClean="0"/>
+              <a:rPr lang="en-US"/>
               <a:t>Edit Master text styles</a:t>
             </a:r>
           </a:p>
           <a:p>
             <a:pPr lvl="1"/>
             <a:r>
-              <a:rPr lang="en-US" smtClean="0"/>
+              <a:rPr lang="en-US"/>
               <a:t>Second level</a:t>
             </a:r>
           </a:p>
           <a:p>
             <a:pPr lvl="2"/>
             <a:r>
-              <a:rPr lang="en-US" smtClean="0"/>
+              <a:rPr lang="en-US"/>
               <a:t>Third level</a:t>
             </a:r>
           </a:p>
           <a:p>
             <a:pPr lvl="3"/>
             <a:r>
-              <a:rPr lang="en-US" smtClean="0"/>
+              <a:rPr lang="en-US"/>
               <a:t>Fourth level</a:t>
             </a:r>
           </a:p>
           <a:p>
             <a:pPr lvl="4"/>
             <a:r>
-              <a:rPr lang="en-US" smtClean="0"/>
+              <a:rPr lang="en-US"/>
               <a:t>Fifth level</a:t>
             </a:r>
-            <a:endParaRPr lang="en-US"/>
+            <a:endParaRPr lang="en-US" dirty="0"/>
           </a:p>
         </p:txBody>
       </p:sp>
@@ -1190,48 +3824,50 @@
         </p:nvSpPr>
         <p:spPr>
           <a:xfrm>
-            <a:off x="6172200" y="1825625"/>
-            <a:ext cx="5181600" cy="4351338"/>
+            <a:off x="6202892" y="1732449"/>
+            <a:ext cx="5064665" cy="4058751"/>
           </a:xfrm>
         </p:spPr>
         <p:txBody>
-          <a:bodyPr/>
+          <a:bodyPr anchor="t">
+            <a:normAutofit/>
+          </a:bodyPr>
           <a:lstStyle/>
           <a:p>
             <a:pPr lvl="0"/>
             <a:r>
-              <a:rPr lang="en-US" smtClean="0"/>
+              <a:rPr lang="en-US"/>
               <a:t>Edit Master text styles</a:t>
             </a:r>
           </a:p>
           <a:p>
             <a:pPr lvl="1"/>
             <a:r>
-              <a:rPr lang="en-US" smtClean="0"/>
+              <a:rPr lang="en-US"/>
               <a:t>Second level</a:t>
             </a:r>
           </a:p>
           <a:p>
             <a:pPr lvl="2"/>
             <a:r>
-              <a:rPr lang="en-US" smtClean="0"/>
+              <a:rPr lang="en-US"/>
               <a:t>Third level</a:t>
             </a:r>
           </a:p>
           <a:p>
             <a:pPr lvl="3"/>
             <a:r>
-              <a:rPr lang="en-US" smtClean="0"/>
+              <a:rPr lang="en-US"/>
               <a:t>Fourth level</a:t>
             </a:r>
           </a:p>
           <a:p>
             <a:pPr lvl="4"/>
             <a:r>
-              <a:rPr lang="en-US" smtClean="0"/>
+              <a:rPr lang="en-US"/>
               <a:t>Fifth level</a:t>
             </a:r>
-            <a:endParaRPr lang="en-US"/>
+            <a:endParaRPr lang="en-US" dirty="0"/>
           </a:p>
         </p:txBody>
       </p:sp>
@@ -1252,7 +3888,7 @@
           <a:p>
             <a:fld id="{3D626D60-E8ED-4541-BE33-B3C1FAE5292A}" type="datetimeFigureOut">
               <a:rPr lang="en-US" smtClean="0"/>
-              <a:t>11/6/2018</a:t>
+              <a:t>11/7/2018</a:t>
             </a:fld>
             <a:endParaRPr lang="en-US"/>
           </a:p>
@@ -1303,7 +3939,7 @@
     </p:spTree>
     <p:extLst>
       <p:ext uri="{BB962C8B-B14F-4D97-AF65-F5344CB8AC3E}">
-        <p14:creationId xmlns:p14="http://schemas.microsoft.com/office/powerpoint/2010/main" val="948130166"/>
+        <p14:creationId xmlns:p14="http://schemas.microsoft.com/office/powerpoint/2010/main" val="175233659"/>
       </p:ext>
     </p:extLst>
   </p:cSld>
@@ -1330,56 +3966,117 @@
           <a:chExt cx="0" cy="0"/>
         </a:xfrm>
       </p:grpSpPr>
-      <p:sp>
-        <p:nvSpPr>
-          <p:cNvPr id="2" name="Title 1"/>
-          <p:cNvSpPr>
-            <a:spLocks noGrp="1"/>
-          </p:cNvSpPr>
-          <p:nvPr>
-            <p:ph type="title"/>
-          </p:nvPr>
-        </p:nvSpPr>
+      <p:pic>
+        <p:nvPicPr>
+          <p:cNvPr id="20" name="Picture 19" descr="Slate-V2-HD-compPhotoInset.png"/>
+          <p:cNvPicPr>
+            <a:picLocks noChangeAspect="1"/>
+          </p:cNvPicPr>
+          <p:nvPr/>
+        </p:nvPicPr>
+        <p:blipFill>
+          <a:blip r:embed="rId2">
+            <a:extLst>
+              <a:ext uri="{28A0092B-C50C-407E-A947-70E740481C1C}">
+                <a14:useLocalDpi xmlns:a14="http://schemas.microsoft.com/office/drawing/2010/main" val="0"/>
+              </a:ext>
+            </a:extLst>
+          </a:blip>
+          <a:stretch>
+            <a:fillRect/>
+          </a:stretch>
+        </p:blipFill>
         <p:spPr>
           <a:xfrm>
-            <a:off x="839788" y="365125"/>
-            <a:ext cx="10515600" cy="1325563"/>
+            <a:off x="913795" y="1734506"/>
+            <a:ext cx="5089072" cy="4148769"/>
+          </a:xfrm>
+          <a:prstGeom prst="rect">
+            <a:avLst/>
+          </a:prstGeom>
+        </p:spPr>
+      </p:pic>
+      <p:pic>
+        <p:nvPicPr>
+          <p:cNvPr id="21" name="Picture 20" descr="Slate-V2-HD-compPhotoInset.png"/>
+          <p:cNvPicPr>
+            <a:picLocks noChangeAspect="1"/>
+          </p:cNvPicPr>
+          <p:nvPr/>
+        </p:nvPicPr>
+        <p:blipFill>
+          <a:blip r:embed="rId2">
+            <a:extLst>
+              <a:ext uri="{28A0092B-C50C-407E-A947-70E740481C1C}">
+                <a14:useLocalDpi xmlns:a14="http://schemas.microsoft.com/office/drawing/2010/main" val="0"/>
+              </a:ext>
+            </a:extLst>
+          </a:blip>
+          <a:stretch>
+            <a:fillRect/>
+          </a:stretch>
+        </p:blipFill>
+        <p:spPr>
+          <a:xfrm>
+            <a:off x="6178485" y="1734506"/>
+            <a:ext cx="5089072" cy="4148769"/>
+          </a:xfrm>
+          <a:prstGeom prst="rect">
+            <a:avLst/>
+          </a:prstGeom>
+        </p:spPr>
+      </p:pic>
+      <p:sp>
+        <p:nvSpPr>
+          <p:cNvPr id="2" name="Title 1"/>
+          <p:cNvSpPr>
+            <a:spLocks noGrp="1"/>
+          </p:cNvSpPr>
+          <p:nvPr>
+            <p:ph type="title"/>
+          </p:nvPr>
+        </p:nvSpPr>
+        <p:spPr/>
+        <p:txBody>
+          <a:bodyPr/>
+          <a:lstStyle>
+            <a:lvl1pPr>
+              <a:defRPr/>
+            </a:lvl1pPr>
+          </a:lstStyle>
+          <a:p>
+            <a:r>
+              <a:rPr lang="en-US"/>
+              <a:t>Click to edit Master title style</a:t>
+            </a:r>
+            <a:endParaRPr lang="en-US" dirty="0"/>
+          </a:p>
+        </p:txBody>
+      </p:sp>
+      <p:sp>
+        <p:nvSpPr>
+          <p:cNvPr id="3" name="Text Placeholder 2"/>
+          <p:cNvSpPr>
+            <a:spLocks noGrp="1"/>
+          </p:cNvSpPr>
+          <p:nvPr>
+            <p:ph type="body" idx="1"/>
+          </p:nvPr>
+        </p:nvSpPr>
+        <p:spPr>
+          <a:xfrm>
+            <a:off x="1005872" y="1835254"/>
+            <a:ext cx="4876344" cy="544884"/>
           </a:xfrm>
         </p:spPr>
         <p:txBody>
-          <a:bodyPr/>
-          <a:lstStyle/>
-          <a:p>
-            <a:r>
-              <a:rPr lang="en-US" smtClean="0"/>
-              <a:t>Click to edit Master title style</a:t>
-            </a:r>
-            <a:endParaRPr lang="en-US"/>
-          </a:p>
-        </p:txBody>
-      </p:sp>
-      <p:sp>
-        <p:nvSpPr>
-          <p:cNvPr id="3" name="Text Placeholder 2"/>
-          <p:cNvSpPr>
-            <a:spLocks noGrp="1"/>
-          </p:cNvSpPr>
-          <p:nvPr>
-            <p:ph type="body" idx="1"/>
-          </p:nvPr>
-        </p:nvSpPr>
-        <p:spPr>
-          <a:xfrm>
-            <a:off x="839788" y="1681163"/>
-            <a:ext cx="5157787" cy="823912"/>
-          </a:xfrm>
-        </p:spPr>
-        <p:txBody>
-          <a:bodyPr anchor="b"/>
+          <a:bodyPr anchor="b">
+            <a:noAutofit/>
+          </a:bodyPr>
           <a:lstStyle>
-            <a:lvl1pPr marL="0" indent="0">
-              <a:buNone/>
-              <a:defRPr sz="2400" b="1"/>
+            <a:lvl1pPr marL="0" indent="0" algn="ctr">
+              <a:buNone/>
+              <a:defRPr sz="2400" b="0"/>
             </a:lvl1pPr>
             <a:lvl2pPr marL="457200" indent="0">
               <a:buNone/>
@@ -1417,7 +4114,7 @@
           <a:p>
             <a:pPr lvl="0"/>
             <a:r>
-              <a:rPr lang="en-US" smtClean="0"/>
+              <a:rPr lang="en-US"/>
               <a:t>Edit Master text styles</a:t>
             </a:r>
           </a:p>
@@ -1435,48 +4132,66 @@
         </p:nvSpPr>
         <p:spPr>
           <a:xfrm>
-            <a:off x="839788" y="2505075"/>
-            <a:ext cx="5157787" cy="3684588"/>
+            <a:off x="1005872" y="2380137"/>
+            <a:ext cx="4876344" cy="3411063"/>
           </a:xfrm>
         </p:spPr>
         <p:txBody>
-          <a:bodyPr/>
-          <a:lstStyle/>
+          <a:bodyPr anchor="t">
+            <a:normAutofit/>
+          </a:bodyPr>
+          <a:lstStyle>
+            <a:lvl1pPr>
+              <a:defRPr sz="1800"/>
+            </a:lvl1pPr>
+            <a:lvl2pPr>
+              <a:defRPr sz="1600"/>
+            </a:lvl2pPr>
+            <a:lvl3pPr>
+              <a:defRPr sz="1400"/>
+            </a:lvl3pPr>
+            <a:lvl4pPr>
+              <a:defRPr sz="1200"/>
+            </a:lvl4pPr>
+            <a:lvl5pPr>
+              <a:defRPr sz="1200"/>
+            </a:lvl5pPr>
+          </a:lstStyle>
           <a:p>
             <a:pPr lvl="0"/>
             <a:r>
-              <a:rPr lang="en-US" smtClean="0"/>
+              <a:rPr lang="en-US"/>
               <a:t>Edit Master text styles</a:t>
             </a:r>
           </a:p>
           <a:p>
             <a:pPr lvl="1"/>
             <a:r>
-              <a:rPr lang="en-US" smtClean="0"/>
+              <a:rPr lang="en-US"/>
               <a:t>Second level</a:t>
             </a:r>
           </a:p>
           <a:p>
             <a:pPr lvl="2"/>
             <a:r>
-              <a:rPr lang="en-US" smtClean="0"/>
+              <a:rPr lang="en-US"/>
               <a:t>Third level</a:t>
             </a:r>
           </a:p>
           <a:p>
             <a:pPr lvl="3"/>
             <a:r>
-              <a:rPr lang="en-US" smtClean="0"/>
+              <a:rPr lang="en-US"/>
               <a:t>Fourth level</a:t>
             </a:r>
           </a:p>
           <a:p>
             <a:pPr lvl="4"/>
             <a:r>
-              <a:rPr lang="en-US" smtClean="0"/>
+              <a:rPr lang="en-US"/>
               <a:t>Fifth level</a:t>
             </a:r>
-            <a:endParaRPr lang="en-US"/>
+            <a:endParaRPr lang="en-US" dirty="0"/>
           </a:p>
         </p:txBody>
       </p:sp>
@@ -1492,16 +4207,18 @@
         </p:nvSpPr>
         <p:spPr>
           <a:xfrm>
-            <a:off x="6172200" y="1681163"/>
-            <a:ext cx="5183188" cy="823912"/>
+            <a:off x="6294967" y="1835254"/>
+            <a:ext cx="4895330" cy="544883"/>
           </a:xfrm>
         </p:spPr>
         <p:txBody>
-          <a:bodyPr anchor="b"/>
+          <a:bodyPr anchor="b">
+            <a:noAutofit/>
+          </a:bodyPr>
           <a:lstStyle>
-            <a:lvl1pPr marL="0" indent="0">
-              <a:buNone/>
-              <a:defRPr sz="2400" b="1"/>
+            <a:lvl1pPr marL="0" indent="0" algn="ctr">
+              <a:buNone/>
+              <a:defRPr sz="2400" b="0"/>
             </a:lvl1pPr>
             <a:lvl2pPr marL="457200" indent="0">
               <a:buNone/>
@@ -1539,7 +4256,7 @@
           <a:p>
             <a:pPr lvl="0"/>
             <a:r>
-              <a:rPr lang="en-US" smtClean="0"/>
+              <a:rPr lang="en-US"/>
               <a:t>Edit Master text styles</a:t>
             </a:r>
           </a:p>
@@ -1557,48 +4274,66 @@
         </p:nvSpPr>
         <p:spPr>
           <a:xfrm>
-            <a:off x="6172200" y="2505075"/>
-            <a:ext cx="5183188" cy="3684588"/>
+            <a:off x="6294967" y="2380137"/>
+            <a:ext cx="4895330" cy="3411063"/>
           </a:xfrm>
         </p:spPr>
         <p:txBody>
-          <a:bodyPr/>
-          <a:lstStyle/>
+          <a:bodyPr anchor="t">
+            <a:normAutofit/>
+          </a:bodyPr>
+          <a:lstStyle>
+            <a:lvl1pPr>
+              <a:defRPr sz="1800"/>
+            </a:lvl1pPr>
+            <a:lvl2pPr>
+              <a:defRPr sz="1600"/>
+            </a:lvl2pPr>
+            <a:lvl3pPr>
+              <a:defRPr sz="1400"/>
+            </a:lvl3pPr>
+            <a:lvl4pPr>
+              <a:defRPr sz="1200"/>
+            </a:lvl4pPr>
+            <a:lvl5pPr>
+              <a:defRPr sz="1200"/>
+            </a:lvl5pPr>
+          </a:lstStyle>
           <a:p>
             <a:pPr lvl="0"/>
             <a:r>
-              <a:rPr lang="en-US" smtClean="0"/>
+              <a:rPr lang="en-US"/>
               <a:t>Edit Master text styles</a:t>
             </a:r>
           </a:p>
           <a:p>
             <a:pPr lvl="1"/>
             <a:r>
-              <a:rPr lang="en-US" smtClean="0"/>
+              <a:rPr lang="en-US"/>
               <a:t>Second level</a:t>
             </a:r>
           </a:p>
           <a:p>
             <a:pPr lvl="2"/>
             <a:r>
-              <a:rPr lang="en-US" smtClean="0"/>
+              <a:rPr lang="en-US"/>
               <a:t>Third level</a:t>
             </a:r>
           </a:p>
           <a:p>
             <a:pPr lvl="3"/>
             <a:r>
-              <a:rPr lang="en-US" smtClean="0"/>
+              <a:rPr lang="en-US"/>
               <a:t>Fourth level</a:t>
             </a:r>
           </a:p>
           <a:p>
             <a:pPr lvl="4"/>
             <a:r>
-              <a:rPr lang="en-US" smtClean="0"/>
+              <a:rPr lang="en-US"/>
               <a:t>Fifth level</a:t>
             </a:r>
-            <a:endParaRPr lang="en-US"/>
+            <a:endParaRPr lang="en-US" dirty="0"/>
           </a:p>
         </p:txBody>
       </p:sp>
@@ -1619,7 +4354,7 @@
           <a:p>
             <a:fld id="{3D626D60-E8ED-4541-BE33-B3C1FAE5292A}" type="datetimeFigureOut">
               <a:rPr lang="en-US" smtClean="0"/>
-              <a:t>11/6/2018</a:t>
+              <a:t>11/7/2018</a:t>
             </a:fld>
             <a:endParaRPr lang="en-US"/>
           </a:p>
@@ -1670,7 +4405,7 @@
     </p:spTree>
     <p:extLst>
       <p:ext uri="{BB962C8B-B14F-4D97-AF65-F5344CB8AC3E}">
-        <p14:creationId xmlns:p14="http://schemas.microsoft.com/office/powerpoint/2010/main" val="1013865558"/>
+        <p14:creationId xmlns:p14="http://schemas.microsoft.com/office/powerpoint/2010/main" val="1932752429"/>
       </p:ext>
     </p:extLst>
   </p:cSld>
@@ -1713,10 +4448,10 @@
           <a:lstStyle/>
           <a:p>
             <a:r>
-              <a:rPr lang="en-US" smtClean="0"/>
+              <a:rPr lang="en-US"/>
               <a:t>Click to edit Master title style</a:t>
             </a:r>
-            <a:endParaRPr lang="en-US"/>
+            <a:endParaRPr lang="en-US" dirty="0"/>
           </a:p>
         </p:txBody>
       </p:sp>
@@ -1737,7 +4472,7 @@
           <a:p>
             <a:fld id="{3D626D60-E8ED-4541-BE33-B3C1FAE5292A}" type="datetimeFigureOut">
               <a:rPr lang="en-US" smtClean="0"/>
-              <a:t>11/6/2018</a:t>
+              <a:t>11/7/2018</a:t>
             </a:fld>
             <a:endParaRPr lang="en-US"/>
           </a:p>
@@ -1788,7 +4523,7 @@
     </p:spTree>
     <p:extLst>
       <p:ext uri="{BB962C8B-B14F-4D97-AF65-F5344CB8AC3E}">
-        <p14:creationId xmlns:p14="http://schemas.microsoft.com/office/powerpoint/2010/main" val="494606585"/>
+        <p14:creationId xmlns:p14="http://schemas.microsoft.com/office/powerpoint/2010/main" val="2802436445"/>
       </p:ext>
     </p:extLst>
   </p:cSld>
@@ -1832,7 +4567,7 @@
           <a:p>
             <a:fld id="{3D626D60-E8ED-4541-BE33-B3C1FAE5292A}" type="datetimeFigureOut">
               <a:rPr lang="en-US" smtClean="0"/>
-              <a:t>11/6/2018</a:t>
+              <a:t>11/7/2018</a:t>
             </a:fld>
             <a:endParaRPr lang="en-US"/>
           </a:p>
@@ -1883,7 +4618,7 @@
     </p:spTree>
     <p:extLst>
       <p:ext uri="{BB962C8B-B14F-4D97-AF65-F5344CB8AC3E}">
-        <p14:creationId xmlns:p14="http://schemas.microsoft.com/office/powerpoint/2010/main" val="1026221368"/>
+        <p14:creationId xmlns:p14="http://schemas.microsoft.com/office/powerpoint/2010/main" val="1781429989"/>
       </p:ext>
     </p:extLst>
   </p:cSld>
@@ -1922,23 +4657,25 @@
         </p:nvSpPr>
         <p:spPr>
           <a:xfrm>
-            <a:off x="839788" y="457200"/>
-            <a:ext cx="3932237" cy="1600200"/>
+            <a:off x="913795" y="609600"/>
+            <a:ext cx="3706889" cy="1821918"/>
           </a:xfrm>
         </p:spPr>
         <p:txBody>
-          <a:bodyPr anchor="b"/>
+          <a:bodyPr anchor="b">
+            <a:normAutofit/>
+          </a:bodyPr>
           <a:lstStyle>
-            <a:lvl1pPr>
-              <a:defRPr sz="3200"/>
+            <a:lvl1pPr algn="ctr">
+              <a:defRPr sz="2400" b="0"/>
             </a:lvl1pPr>
           </a:lstStyle>
           <a:p>
             <a:r>
-              <a:rPr lang="en-US" smtClean="0"/>
+              <a:rPr lang="en-US"/>
               <a:t>Click to edit Master title style</a:t>
             </a:r>
-            <a:endParaRPr lang="en-US"/>
+            <a:endParaRPr lang="en-US" dirty="0"/>
           </a:p>
         </p:txBody>
       </p:sp>
@@ -1954,76 +4691,50 @@
         </p:nvSpPr>
         <p:spPr>
           <a:xfrm>
-            <a:off x="5183188" y="987425"/>
-            <a:ext cx="6172200" cy="4873625"/>
+            <a:off x="4855633" y="609600"/>
+            <a:ext cx="6411924" cy="5181600"/>
           </a:xfrm>
         </p:spPr>
         <p:txBody>
-          <a:bodyPr/>
-          <a:lstStyle>
-            <a:lvl1pPr>
-              <a:defRPr sz="3200"/>
-            </a:lvl1pPr>
-            <a:lvl2pPr>
-              <a:defRPr sz="2800"/>
-            </a:lvl2pPr>
-            <a:lvl3pPr>
-              <a:defRPr sz="2400"/>
-            </a:lvl3pPr>
-            <a:lvl4pPr>
-              <a:defRPr sz="2000"/>
-            </a:lvl4pPr>
-            <a:lvl5pPr>
-              <a:defRPr sz="2000"/>
-            </a:lvl5pPr>
-            <a:lvl6pPr>
-              <a:defRPr sz="2000"/>
-            </a:lvl6pPr>
-            <a:lvl7pPr>
-              <a:defRPr sz="2000"/>
-            </a:lvl7pPr>
-            <a:lvl8pPr>
-              <a:defRPr sz="2000"/>
-            </a:lvl8pPr>
-            <a:lvl9pPr>
-              <a:defRPr sz="2000"/>
-            </a:lvl9pPr>
-          </a:lstStyle>
+          <a:bodyPr>
+            <a:normAutofit/>
+          </a:bodyPr>
+          <a:lstStyle/>
           <a:p>
             <a:pPr lvl="0"/>
             <a:r>
-              <a:rPr lang="en-US" smtClean="0"/>
+              <a:rPr lang="en-US"/>
               <a:t>Edit Master text styles</a:t>
             </a:r>
           </a:p>
           <a:p>
             <a:pPr lvl="1"/>
             <a:r>
-              <a:rPr lang="en-US" smtClean="0"/>
+              <a:rPr lang="en-US"/>
               <a:t>Second level</a:t>
             </a:r>
           </a:p>
           <a:p>
             <a:pPr lvl="2"/>
             <a:r>
-              <a:rPr lang="en-US" smtClean="0"/>
+              <a:rPr lang="en-US"/>
               <a:t>Third level</a:t>
             </a:r>
           </a:p>
           <a:p>
             <a:pPr lvl="3"/>
             <a:r>
-              <a:rPr lang="en-US" smtClean="0"/>
+              <a:rPr lang="en-US"/>
               <a:t>Fourth level</a:t>
             </a:r>
           </a:p>
           <a:p>
             <a:pPr lvl="4"/>
             <a:r>
-              <a:rPr lang="en-US" smtClean="0"/>
+              <a:rPr lang="en-US"/>
               <a:t>Fifth level</a:t>
             </a:r>
-            <a:endParaRPr lang="en-US"/>
+            <a:endParaRPr lang="en-US" dirty="0"/>
           </a:p>
         </p:txBody>
       </p:sp>
@@ -2039,54 +4750,56 @@
         </p:nvSpPr>
         <p:spPr>
           <a:xfrm>
-            <a:off x="839788" y="2057400"/>
-            <a:ext cx="3932237" cy="3811588"/>
+            <a:off x="913795" y="2431518"/>
+            <a:ext cx="3706889" cy="3359681"/>
           </a:xfrm>
         </p:spPr>
         <p:txBody>
-          <a:bodyPr/>
+          <a:bodyPr anchor="t">
+            <a:normAutofit/>
+          </a:bodyPr>
           <a:lstStyle>
-            <a:lvl1pPr marL="0" indent="0">
+            <a:lvl1pPr marL="0" indent="0" algn="ctr">
               <a:buNone/>
               <a:defRPr sz="1600"/>
             </a:lvl1pPr>
             <a:lvl2pPr marL="457200" indent="0">
               <a:buNone/>
-              <a:defRPr sz="1400"/>
+              <a:defRPr sz="1200"/>
             </a:lvl2pPr>
             <a:lvl3pPr marL="914400" indent="0">
               <a:buNone/>
-              <a:defRPr sz="1200"/>
+              <a:defRPr sz="1000"/>
             </a:lvl3pPr>
             <a:lvl4pPr marL="1371600" indent="0">
               <a:buNone/>
-              <a:defRPr sz="1000"/>
+              <a:defRPr sz="900"/>
             </a:lvl4pPr>
             <a:lvl5pPr marL="1828800" indent="0">
               <a:buNone/>
-              <a:defRPr sz="1000"/>
+              <a:defRPr sz="900"/>
             </a:lvl5pPr>
             <a:lvl6pPr marL="2286000" indent="0">
               <a:buNone/>
-              <a:defRPr sz="1000"/>
+              <a:defRPr sz="900"/>
             </a:lvl6pPr>
             <a:lvl7pPr marL="2743200" indent="0">
               <a:buNone/>
-              <a:defRPr sz="1000"/>
+              <a:defRPr sz="900"/>
             </a:lvl7pPr>
             <a:lvl8pPr marL="3200400" indent="0">
               <a:buNone/>
-              <a:defRPr sz="1000"/>
+              <a:defRPr sz="900"/>
             </a:lvl8pPr>
             <a:lvl9pPr marL="3657600" indent="0">
               <a:buNone/>
-              <a:defRPr sz="1000"/>
+              <a:defRPr sz="900"/>
             </a:lvl9pPr>
           </a:lstStyle>
           <a:p>
             <a:pPr lvl="0"/>
             <a:r>
-              <a:rPr lang="en-US" smtClean="0"/>
+              <a:rPr lang="en-US"/>
               <a:t>Edit Master text styles</a:t>
             </a:r>
           </a:p>
@@ -2109,7 +4822,7 @@
           <a:p>
             <a:fld id="{3D626D60-E8ED-4541-BE33-B3C1FAE5292A}" type="datetimeFigureOut">
               <a:rPr lang="en-US" smtClean="0"/>
-              <a:t>11/6/2018</a:t>
+              <a:t>11/7/2018</a:t>
             </a:fld>
             <a:endParaRPr lang="en-US"/>
           </a:p>
@@ -2160,7 +4873,7 @@
     </p:spTree>
     <p:extLst>
       <p:ext uri="{BB962C8B-B14F-4D97-AF65-F5344CB8AC3E}">
-        <p14:creationId xmlns:p14="http://schemas.microsoft.com/office/powerpoint/2010/main" val="1347683845"/>
+        <p14:creationId xmlns:p14="http://schemas.microsoft.com/office/powerpoint/2010/main" val="2118368990"/>
       </p:ext>
     </p:extLst>
   </p:cSld>
@@ -2187,35 +4900,67 @@
           <a:chExt cx="0" cy="0"/>
         </a:xfrm>
       </p:grpSpPr>
-      <p:sp>
-        <p:nvSpPr>
-          <p:cNvPr id="2" name="Title 1"/>
-          <p:cNvSpPr>
-            <a:spLocks noGrp="1"/>
-          </p:cNvSpPr>
-          <p:nvPr>
-            <p:ph type="title"/>
-          </p:nvPr>
-        </p:nvSpPr>
+      <p:pic>
+        <p:nvPicPr>
+          <p:cNvPr id="22" name="Picture 21" descr="Slate-V2-HD-vertPhotoInset.png"/>
+          <p:cNvPicPr>
+            <a:picLocks noChangeAspect="1"/>
+          </p:cNvPicPr>
+          <p:nvPr/>
+        </p:nvPicPr>
+        <p:blipFill>
+          <a:blip r:embed="rId2">
+            <a:extLst>
+              <a:ext uri="{28A0092B-C50C-407E-A947-70E740481C1C}">
+                <a14:useLocalDpi xmlns:a14="http://schemas.microsoft.com/office/drawing/2010/main" val="0"/>
+              </a:ext>
+            </a:extLst>
+          </a:blip>
+          <a:stretch>
+            <a:fillRect/>
+          </a:stretch>
+        </p:blipFill>
         <p:spPr>
           <a:xfrm>
-            <a:off x="839788" y="457200"/>
-            <a:ext cx="3932237" cy="1600200"/>
+            <a:off x="7293665" y="609600"/>
+            <a:ext cx="3584166" cy="5204832"/>
+          </a:xfrm>
+          <a:prstGeom prst="rect">
+            <a:avLst/>
+          </a:prstGeom>
+        </p:spPr>
+      </p:pic>
+      <p:sp>
+        <p:nvSpPr>
+          <p:cNvPr id="2" name="Title 1"/>
+          <p:cNvSpPr>
+            <a:spLocks noGrp="1"/>
+          </p:cNvSpPr>
+          <p:nvPr>
+            <p:ph type="title"/>
+          </p:nvPr>
+        </p:nvSpPr>
+        <p:spPr>
+          <a:xfrm>
+            <a:off x="913795" y="609923"/>
+            <a:ext cx="5934949" cy="1829338"/>
           </a:xfrm>
         </p:spPr>
         <p:txBody>
-          <a:bodyPr anchor="b"/>
+          <a:bodyPr anchor="b">
+            <a:noAutofit/>
+          </a:bodyPr>
           <a:lstStyle>
-            <a:lvl1pPr>
-              <a:defRPr sz="3200"/>
+            <a:lvl1pPr algn="ctr">
+              <a:defRPr sz="3200" b="0"/>
             </a:lvl1pPr>
           </a:lstStyle>
           <a:p>
             <a:r>
-              <a:rPr lang="en-US" smtClean="0"/>
+              <a:rPr lang="en-US"/>
               <a:t>Click to edit Master title style</a:t>
             </a:r>
-            <a:endParaRPr lang="en-US"/>
+            <a:endParaRPr lang="en-US" dirty="0"/>
           </a:p>
         </p:txBody>
       </p:sp>
@@ -2223,7 +4968,7 @@
         <p:nvSpPr>
           <p:cNvPr id="3" name="Picture Placeholder 2"/>
           <p:cNvSpPr>
-            <a:spLocks noGrp="1"/>
+            <a:spLocks noGrp="1" noChangeAspect="1"/>
           </p:cNvSpPr>
           <p:nvPr>
             <p:ph type="pic" idx="1"/>
@@ -2231,115 +4976,130 @@
         </p:nvSpPr>
         <p:spPr>
           <a:xfrm>
-            <a:off x="5183188" y="987425"/>
-            <a:ext cx="6172200" cy="4873625"/>
+            <a:off x="7442551" y="763702"/>
+            <a:ext cx="3275751" cy="4912822"/>
           </a:xfrm>
+          <a:effectLst>
+            <a:outerShdw blurRad="38100" dist="25400" dir="4440000">
+              <a:srgbClr val="000000">
+                <a:alpha val="36000"/>
+              </a:srgbClr>
+            </a:outerShdw>
+          </a:effectLst>
         </p:spPr>
         <p:txBody>
-          <a:bodyPr/>
+          <a:bodyPr anchor="t">
+            <a:normAutofit/>
+          </a:bodyPr>
           <a:lstStyle>
-            <a:lvl1pPr marL="0" indent="0">
-              <a:buNone/>
-              <a:defRPr sz="3200"/>
-            </a:lvl1pPr>
-            <a:lvl2pPr marL="457200" indent="0">
-              <a:buNone/>
-              <a:defRPr sz="2800"/>
-            </a:lvl2pPr>
-            <a:lvl3pPr marL="914400" indent="0">
-              <a:buNone/>
-              <a:defRPr sz="2400"/>
-            </a:lvl3pPr>
-            <a:lvl4pPr marL="1371600" indent="0">
-              <a:buNone/>
-              <a:defRPr sz="2000"/>
-            </a:lvl4pPr>
-            <a:lvl5pPr marL="1828800" indent="0">
-              <a:buNone/>
-              <a:defRPr sz="2000"/>
-            </a:lvl5pPr>
-            <a:lvl6pPr marL="2286000" indent="0">
-              <a:buNone/>
-              <a:defRPr sz="2000"/>
-            </a:lvl6pPr>
-            <a:lvl7pPr marL="2743200" indent="0">
-              <a:buNone/>
-              <a:defRPr sz="2000"/>
-            </a:lvl7pPr>
-            <a:lvl8pPr marL="3200400" indent="0">
-              <a:buNone/>
-              <a:defRPr sz="2000"/>
-            </a:lvl8pPr>
-            <a:lvl9pPr marL="3657600" indent="0">
-              <a:buNone/>
-              <a:defRPr sz="2000"/>
-            </a:lvl9pPr>
-          </a:lstStyle>
-          <a:p>
-            <a:endParaRPr lang="en-US"/>
-          </a:p>
-        </p:txBody>
-      </p:sp>
-      <p:sp>
-        <p:nvSpPr>
-          <p:cNvPr id="4" name="Text Placeholder 3"/>
-          <p:cNvSpPr>
-            <a:spLocks noGrp="1"/>
-          </p:cNvSpPr>
-          <p:nvPr>
-            <p:ph type="body" sz="half" idx="2"/>
-          </p:nvPr>
-        </p:nvSpPr>
-        <p:spPr>
-          <a:xfrm>
-            <a:off x="839788" y="2057400"/>
-            <a:ext cx="3932237" cy="3811588"/>
-          </a:xfrm>
-        </p:spPr>
-        <p:txBody>
-          <a:bodyPr/>
-          <a:lstStyle>
-            <a:lvl1pPr marL="0" indent="0">
+            <a:lvl1pPr marL="0" indent="0" algn="ctr">
               <a:buNone/>
               <a:defRPr sz="1600"/>
             </a:lvl1pPr>
             <a:lvl2pPr marL="457200" indent="0">
               <a:buNone/>
-              <a:defRPr sz="1400"/>
+              <a:defRPr sz="1600"/>
             </a:lvl2pPr>
             <a:lvl3pPr marL="914400" indent="0">
               <a:buNone/>
-              <a:defRPr sz="1200"/>
+              <a:defRPr sz="1600"/>
             </a:lvl3pPr>
             <a:lvl4pPr marL="1371600" indent="0">
               <a:buNone/>
-              <a:defRPr sz="1000"/>
+              <a:defRPr sz="1600"/>
             </a:lvl4pPr>
             <a:lvl5pPr marL="1828800" indent="0">
               <a:buNone/>
-              <a:defRPr sz="1000"/>
+              <a:defRPr sz="1600"/>
             </a:lvl5pPr>
             <a:lvl6pPr marL="2286000" indent="0">
               <a:buNone/>
-              <a:defRPr sz="1000"/>
+              <a:defRPr sz="1600"/>
             </a:lvl6pPr>
             <a:lvl7pPr marL="2743200" indent="0">
               <a:buNone/>
-              <a:defRPr sz="1000"/>
+              <a:defRPr sz="1600"/>
             </a:lvl7pPr>
             <a:lvl8pPr marL="3200400" indent="0">
               <a:buNone/>
-              <a:defRPr sz="1000"/>
+              <a:defRPr sz="1600"/>
             </a:lvl8pPr>
             <a:lvl9pPr marL="3657600" indent="0">
               <a:buNone/>
-              <a:defRPr sz="1000"/>
+              <a:defRPr sz="1600"/>
             </a:lvl9pPr>
           </a:lstStyle>
           <a:p>
+            <a:r>
+              <a:rPr lang="en-US"/>
+              <a:t>Click icon to add picture</a:t>
+            </a:r>
+            <a:endParaRPr lang="en-US" dirty="0"/>
+          </a:p>
+        </p:txBody>
+      </p:sp>
+      <p:sp>
+        <p:nvSpPr>
+          <p:cNvPr id="4" name="Text Placeholder 3"/>
+          <p:cNvSpPr>
+            <a:spLocks noGrp="1"/>
+          </p:cNvSpPr>
+          <p:nvPr>
+            <p:ph type="body" sz="half" idx="2"/>
+          </p:nvPr>
+        </p:nvSpPr>
+        <p:spPr>
+          <a:xfrm>
+            <a:off x="913795" y="2439261"/>
+            <a:ext cx="5934949" cy="3376134"/>
+          </a:xfrm>
+        </p:spPr>
+        <p:txBody>
+          <a:bodyPr anchor="t">
+            <a:normAutofit/>
+          </a:bodyPr>
+          <a:lstStyle>
+            <a:lvl1pPr marL="0" indent="0" algn="ctr">
+              <a:buNone/>
+              <a:defRPr sz="1600"/>
+            </a:lvl1pPr>
+            <a:lvl2pPr marL="457200" indent="0">
+              <a:buNone/>
+              <a:defRPr sz="1200"/>
+            </a:lvl2pPr>
+            <a:lvl3pPr marL="914400" indent="0">
+              <a:buNone/>
+              <a:defRPr sz="1000"/>
+            </a:lvl3pPr>
+            <a:lvl4pPr marL="1371600" indent="0">
+              <a:buNone/>
+              <a:defRPr sz="900"/>
+            </a:lvl4pPr>
+            <a:lvl5pPr marL="1828800" indent="0">
+              <a:buNone/>
+              <a:defRPr sz="900"/>
+            </a:lvl5pPr>
+            <a:lvl6pPr marL="2286000" indent="0">
+              <a:buNone/>
+              <a:defRPr sz="900"/>
+            </a:lvl6pPr>
+            <a:lvl7pPr marL="2743200" indent="0">
+              <a:buNone/>
+              <a:defRPr sz="900"/>
+            </a:lvl7pPr>
+            <a:lvl8pPr marL="3200400" indent="0">
+              <a:buNone/>
+              <a:defRPr sz="900"/>
+            </a:lvl8pPr>
+            <a:lvl9pPr marL="3657600" indent="0">
+              <a:buNone/>
+              <a:defRPr sz="900"/>
+            </a:lvl9pPr>
+          </a:lstStyle>
+          <a:p>
             <a:pPr lvl="0"/>
             <a:r>
-              <a:rPr lang="en-US" smtClean="0"/>
+              <a:rPr lang="en-US"/>
               <a:t>Edit Master text styles</a:t>
             </a:r>
           </a:p>
@@ -2362,7 +5122,7 @@
           <a:p>
             <a:fld id="{3D626D60-E8ED-4541-BE33-B3C1FAE5292A}" type="datetimeFigureOut">
               <a:rPr lang="en-US" smtClean="0"/>
-              <a:t>11/6/2018</a:t>
+              <a:t>11/7/2018</a:t>
             </a:fld>
             <a:endParaRPr lang="en-US"/>
           </a:p>
@@ -2413,7 +5173,7 @@
     </p:spTree>
     <p:extLst>
       <p:ext uri="{BB962C8B-B14F-4D97-AF65-F5344CB8AC3E}">
-        <p14:creationId xmlns:p14="http://schemas.microsoft.com/office/powerpoint/2010/main" val="3113883451"/>
+        <p14:creationId xmlns:p14="http://schemas.microsoft.com/office/powerpoint/2010/main" val="2134142402"/>
       </p:ext>
     </p:extLst>
   </p:cSld>
@@ -2427,8 +5187,8 @@
 <p:sldMaster xmlns:a="http://schemas.openxmlformats.org/drawingml/2006/main" xmlns:r="http://schemas.openxmlformats.org/officeDocument/2006/relationships" xmlns:p="http://schemas.openxmlformats.org/presentationml/2006/main">
   <p:cSld>
     <p:bg>
-      <p:bgRef idx="1001">
-        <a:schemeClr val="bg1"/>
+      <p:bgRef idx="1003">
+        <a:schemeClr val="bg2"/>
       </p:bgRef>
     </p:bg>
     <p:spTree>
@@ -2457,12 +5217,19 @@
         </p:nvSpPr>
         <p:spPr>
           <a:xfrm>
-            <a:off x="838200" y="365125"/>
-            <a:ext cx="10515600" cy="1325563"/>
+            <a:off x="913795" y="609600"/>
+            <a:ext cx="10353762" cy="970450"/>
           </a:xfrm>
           <a:prstGeom prst="rect">
             <a:avLst/>
           </a:prstGeom>
+          <a:effectLst>
+            <a:outerShdw blurRad="25400" dir="17880000">
+              <a:srgbClr val="000000">
+                <a:alpha val="46000"/>
+              </a:srgbClr>
+            </a:outerShdw>
+          </a:effectLst>
         </p:spPr>
         <p:txBody>
           <a:bodyPr vert="horz" lIns="91440" tIns="45720" rIns="91440" bIns="45720" rtlCol="0" anchor="ctr">
@@ -2471,10 +5238,10 @@
           <a:lstStyle/>
           <a:p>
             <a:r>
-              <a:rPr lang="en-US" smtClean="0"/>
+              <a:rPr lang="en-US"/>
               <a:t>Click to edit Master title style</a:t>
             </a:r>
-            <a:endParaRPr lang="en-US"/>
+            <a:endParaRPr lang="en-US" dirty="0"/>
           </a:p>
         </p:txBody>
       </p:sp>
@@ -2490,53 +5257,60 @@
         </p:nvSpPr>
         <p:spPr>
           <a:xfrm>
-            <a:off x="838200" y="1825625"/>
-            <a:ext cx="10515600" cy="4351338"/>
+            <a:off x="913795" y="1732449"/>
+            <a:ext cx="10353762" cy="4058751"/>
           </a:xfrm>
           <a:prstGeom prst="rect">
             <a:avLst/>
           </a:prstGeom>
+          <a:effectLst>
+            <a:outerShdw blurRad="25400" dir="17880000">
+              <a:srgbClr val="000000">
+                <a:alpha val="46000"/>
+              </a:srgbClr>
+            </a:outerShdw>
+          </a:effectLst>
         </p:spPr>
         <p:txBody>
-          <a:bodyPr vert="horz" lIns="91440" tIns="45720" rIns="91440" bIns="45720" rtlCol="0">
+          <a:bodyPr vert="horz" lIns="91440" tIns="45720" rIns="91440" bIns="45720" rtlCol="0" anchor="t">
             <a:normAutofit/>
           </a:bodyPr>
           <a:lstStyle/>
           <a:p>
             <a:pPr lvl="0"/>
             <a:r>
-              <a:rPr lang="en-US" smtClean="0"/>
+              <a:rPr lang="en-US"/>
               <a:t>Edit Master text styles</a:t>
             </a:r>
           </a:p>
           <a:p>
             <a:pPr lvl="1"/>
             <a:r>
-              <a:rPr lang="en-US" smtClean="0"/>
+              <a:rPr lang="en-US"/>
               <a:t>Second level</a:t>
             </a:r>
           </a:p>
           <a:p>
             <a:pPr lvl="2"/>
             <a:r>
-              <a:rPr lang="en-US" smtClean="0"/>
+              <a:rPr lang="en-US"/>
               <a:t>Third level</a:t>
             </a:r>
           </a:p>
           <a:p>
             <a:pPr lvl="3"/>
             <a:r>
-              <a:rPr lang="en-US" smtClean="0"/>
+              <a:rPr lang="en-US"/>
               <a:t>Fourth level</a:t>
             </a:r>
           </a:p>
           <a:p>
             <a:pPr lvl="4"/>
             <a:r>
-              <a:rPr lang="en-US" smtClean="0"/>
+              <a:rPr lang="en-US"/>
               <a:t>Fifth level</a:t>
             </a:r>
-            <a:endParaRPr lang="en-US"/>
+            <a:endParaRPr lang="en-US" dirty="0"/>
           </a:p>
         </p:txBody>
       </p:sp>
@@ -2552,7 +5326,7 @@
         </p:nvSpPr>
         <p:spPr>
           <a:xfrm>
-            <a:off x="838200" y="6356350"/>
+            <a:off x="7678736" y="5883275"/>
             <a:ext cx="2743200" cy="365125"/>
           </a:xfrm>
           <a:prstGeom prst="rect">
@@ -2562,20 +5336,27 @@
         <p:txBody>
           <a:bodyPr vert="horz" lIns="91440" tIns="45720" rIns="91440" bIns="45720" rtlCol="0" anchor="ctr"/>
           <a:lstStyle>
-            <a:lvl1pPr algn="l">
-              <a:defRPr sz="1200">
+            <a:lvl1pPr algn="r">
+              <a:defRPr sz="1000">
                 <a:solidFill>
                   <a:schemeClr val="tx1">
-                    <a:tint val="75000"/>
+                    <a:lumMod val="95000"/>
                   </a:schemeClr>
                 </a:solidFill>
+                <a:effectLst>
+                  <a:outerShdw blurRad="50800" dist="38100" dir="2700000" algn="tl" rotWithShape="0">
+                    <a:schemeClr val="bg1">
+                      <a:alpha val="43000"/>
+                    </a:schemeClr>
+                  </a:outerShdw>
+                </a:effectLst>
               </a:defRPr>
             </a:lvl1pPr>
           </a:lstStyle>
           <a:p>
             <a:fld id="{3D626D60-E8ED-4541-BE33-B3C1FAE5292A}" type="datetimeFigureOut">
               <a:rPr lang="en-US" smtClean="0"/>
-              <a:t>11/6/2018</a:t>
+              <a:t>11/7/2018</a:t>
             </a:fld>
             <a:endParaRPr lang="en-US"/>
           </a:p>
@@ -2593,8 +5374,8 @@
         </p:nvSpPr>
         <p:spPr>
           <a:xfrm>
-            <a:off x="4038600" y="6356350"/>
-            <a:ext cx="4114800" cy="365125"/>
+            <a:off x="913795" y="5883275"/>
+            <a:ext cx="6672865" cy="365125"/>
           </a:xfrm>
           <a:prstGeom prst="rect">
             <a:avLst/>
@@ -2603,13 +5384,20 @@
         <p:txBody>
           <a:bodyPr vert="horz" lIns="91440" tIns="45720" rIns="91440" bIns="45720" rtlCol="0" anchor="ctr"/>
           <a:lstStyle>
-            <a:lvl1pPr algn="ctr">
-              <a:defRPr sz="1200">
+            <a:lvl1pPr algn="l">
+              <a:defRPr sz="1000">
                 <a:solidFill>
                   <a:schemeClr val="tx1">
-                    <a:tint val="75000"/>
+                    <a:lumMod val="95000"/>
                   </a:schemeClr>
                 </a:solidFill>
+                <a:effectLst>
+                  <a:outerShdw blurRad="50800" dist="38100" dir="2700000" algn="tl" rotWithShape="0">
+                    <a:schemeClr val="bg1">
+                      <a:alpha val="43000"/>
+                    </a:schemeClr>
+                  </a:outerShdw>
+                </a:effectLst>
               </a:defRPr>
             </a:lvl1pPr>
           </a:lstStyle>
@@ -2630,8 +5418,8 @@
         </p:nvSpPr>
         <p:spPr>
           <a:xfrm>
-            <a:off x="8610600" y="6356350"/>
-            <a:ext cx="2743200" cy="365125"/>
+            <a:off x="10514011" y="5883275"/>
+            <a:ext cx="753545" cy="365125"/>
           </a:xfrm>
           <a:prstGeom prst="rect">
             <a:avLst/>
@@ -2641,12 +5429,19 @@
           <a:bodyPr vert="horz" lIns="91440" tIns="45720" rIns="91440" bIns="45720" rtlCol="0" anchor="ctr"/>
           <a:lstStyle>
             <a:lvl1pPr algn="r">
-              <a:defRPr sz="1200">
+              <a:defRPr sz="1000">
                 <a:solidFill>
                   <a:schemeClr val="tx1">
-                    <a:tint val="75000"/>
+                    <a:lumMod val="95000"/>
                   </a:schemeClr>
                 </a:solidFill>
+                <a:effectLst>
+                  <a:outerShdw blurRad="50800" dist="38100" dir="2700000" algn="tl" rotWithShape="0">
+                    <a:schemeClr val="bg1">
+                      <a:alpha val="43000"/>
+                    </a:schemeClr>
+                  </a:outerShdw>
+                </a:effectLst>
               </a:defRPr>
             </a:lvl1pPr>
           </a:lstStyle>
@@ -2662,202 +5457,457 @@
     </p:spTree>
     <p:extLst>
       <p:ext uri="{BB962C8B-B14F-4D97-AF65-F5344CB8AC3E}">
-        <p14:creationId xmlns:p14="http://schemas.microsoft.com/office/powerpoint/2010/main" val="227710140"/>
+        <p14:creationId xmlns:p14="http://schemas.microsoft.com/office/powerpoint/2010/main" val="3512592405"/>
       </p:ext>
     </p:extLst>
   </p:cSld>
-  <p:clrMap bg1="lt1" tx1="dk1" bg2="lt2" tx2="dk2" accent1="accent1" accent2="accent2" accent3="accent3" accent4="accent4" accent5="accent5" accent6="accent6" hlink="hlink" folHlink="folHlink"/>
+  <p:clrMap bg1="dk1" tx1="lt1" bg2="dk2" tx2="lt2" accent1="accent1" accent2="accent2" accent3="accent3" accent4="accent4" accent5="accent5" accent6="accent6" hlink="hlink" folHlink="folHlink"/>
   <p:sldLayoutIdLst>
-    <p:sldLayoutId id="2147483649" r:id="rId1"/>
-    <p:sldLayoutId id="2147483650" r:id="rId2"/>
-    <p:sldLayoutId id="2147483651" r:id="rId3"/>
-    <p:sldLayoutId id="2147483652" r:id="rId4"/>
-    <p:sldLayoutId id="2147483653" r:id="rId5"/>
-    <p:sldLayoutId id="2147483654" r:id="rId6"/>
-    <p:sldLayoutId id="2147483655" r:id="rId7"/>
-    <p:sldLayoutId id="2147483656" r:id="rId8"/>
-    <p:sldLayoutId id="2147483657" r:id="rId9"/>
-    <p:sldLayoutId id="2147483658" r:id="rId10"/>
-    <p:sldLayoutId id="2147483659" r:id="rId11"/>
+    <p:sldLayoutId id="2147483661" r:id="rId1"/>
+    <p:sldLayoutId id="2147483662" r:id="rId2"/>
+    <p:sldLayoutId id="2147483663" r:id="rId3"/>
+    <p:sldLayoutId id="2147483664" r:id="rId4"/>
+    <p:sldLayoutId id="2147483665" r:id="rId5"/>
+    <p:sldLayoutId id="2147483666" r:id="rId6"/>
+    <p:sldLayoutId id="2147483667" r:id="rId7"/>
+    <p:sldLayoutId id="2147483668" r:id="rId8"/>
+    <p:sldLayoutId id="2147483669" r:id="rId9"/>
+    <p:sldLayoutId id="2147483670" r:id="rId10"/>
+    <p:sldLayoutId id="2147483671" r:id="rId11"/>
+    <p:sldLayoutId id="2147483672" r:id="rId12"/>
+    <p:sldLayoutId id="2147483673" r:id="rId13"/>
+    <p:sldLayoutId id="2147483674" r:id="rId14"/>
+    <p:sldLayoutId id="2147483675" r:id="rId15"/>
+    <p:sldLayoutId id="2147483676" r:id="rId16"/>
+    <p:sldLayoutId id="2147483677" r:id="rId17"/>
   </p:sldLayoutIdLst>
   <p:txStyles>
     <p:titleStyle>
-      <a:lvl1pPr algn="l" defTabSz="914400" rtl="0" eaLnBrk="1" latinLnBrk="0" hangingPunct="1">
-        <a:lnSpc>
-          <a:spcPct val="90000"/>
-        </a:lnSpc>
+      <a:lvl1pPr algn="ctr" defTabSz="457200" rtl="0" eaLnBrk="1" latinLnBrk="0" hangingPunct="1">
         <a:spcBef>
           <a:spcPct val="0"/>
         </a:spcBef>
         <a:buNone/>
-        <a:defRPr sz="4400" kern="1200">
+        <a:defRPr sz="4000" kern="1200">
+          <a:ln>
+            <a:solidFill>
+              <a:schemeClr val="bg1">
+                <a:lumMod val="75000"/>
+                <a:lumOff val="25000"/>
+                <a:alpha val="10000"/>
+              </a:schemeClr>
+            </a:solidFill>
+          </a:ln>
           <a:solidFill>
-            <a:schemeClr val="tx1"/>
+            <a:schemeClr val="tx2"/>
           </a:solidFill>
+          <a:effectLst>
+            <a:outerShdw blurRad="9525" dist="25400" dir="14640000" algn="tl" rotWithShape="0">
+              <a:schemeClr val="bg1">
+                <a:alpha val="30000"/>
+              </a:schemeClr>
+            </a:outerShdw>
+          </a:effectLst>
           <a:latin typeface="+mj-lt"/>
           <a:ea typeface="+mj-ea"/>
-          <a:cs typeface="+mj-cs"/>
+          <a:cs typeface="Trebuchet MS"/>
         </a:defRPr>
       </a:lvl1pPr>
+      <a:lvl2pPr eaLnBrk="1" hangingPunct="1">
+        <a:defRPr>
+          <a:solidFill>
+            <a:schemeClr val="tx2"/>
+          </a:solidFill>
+        </a:defRPr>
+      </a:lvl2pPr>
+      <a:lvl3pPr eaLnBrk="1" hangingPunct="1">
+        <a:defRPr>
+          <a:solidFill>
+            <a:schemeClr val="tx2"/>
+          </a:solidFill>
+        </a:defRPr>
+      </a:lvl3pPr>
+      <a:lvl4pPr eaLnBrk="1" hangingPunct="1">
+        <a:defRPr>
+          <a:solidFill>
+            <a:schemeClr val="tx2"/>
+          </a:solidFill>
+        </a:defRPr>
+      </a:lvl4pPr>
+      <a:lvl5pPr eaLnBrk="1" hangingPunct="1">
+        <a:defRPr>
+          <a:solidFill>
+            <a:schemeClr val="tx2"/>
+          </a:solidFill>
+        </a:defRPr>
+      </a:lvl5pPr>
+      <a:lvl6pPr eaLnBrk="1" hangingPunct="1">
+        <a:defRPr>
+          <a:solidFill>
+            <a:schemeClr val="tx2"/>
+          </a:solidFill>
+        </a:defRPr>
+      </a:lvl6pPr>
+      <a:lvl7pPr eaLnBrk="1" hangingPunct="1">
+        <a:defRPr>
+          <a:solidFill>
+            <a:schemeClr val="tx2"/>
+          </a:solidFill>
+        </a:defRPr>
+      </a:lvl7pPr>
+      <a:lvl8pPr eaLnBrk="1" hangingPunct="1">
+        <a:defRPr>
+          <a:solidFill>
+            <a:schemeClr val="tx2"/>
+          </a:solidFill>
+        </a:defRPr>
+      </a:lvl8pPr>
+      <a:lvl9pPr eaLnBrk="1" hangingPunct="1">
+        <a:defRPr>
+          <a:solidFill>
+            <a:schemeClr val="tx2"/>
+          </a:solidFill>
+        </a:defRPr>
+      </a:lvl9pPr>
     </p:titleStyle>
     <p:bodyStyle>
-      <a:lvl1pPr marL="228600" indent="-228600" algn="l" defTabSz="914400" rtl="0" eaLnBrk="1" latinLnBrk="0" hangingPunct="1">
-        <a:lnSpc>
-          <a:spcPct val="90000"/>
-        </a:lnSpc>
+      <a:lvl1pPr marL="342900" indent="-306000" algn="l" defTabSz="457200" rtl="0" eaLnBrk="1" latinLnBrk="0" hangingPunct="1">
         <a:spcBef>
-          <a:spcPts val="1000"/>
+          <a:spcPct val="20000"/>
         </a:spcBef>
-        <a:buFont typeface="Arial" panose="020B0604020202020204" pitchFamily="34" charset="0"/>
-        <a:buChar char="•"/>
-        <a:defRPr sz="2800" kern="1200">
+        <a:spcAft>
+          <a:spcPts val="600"/>
+        </a:spcAft>
+        <a:buClr>
+          <a:schemeClr val="tx2"/>
+        </a:buClr>
+        <a:buSzPct val="70000"/>
+        <a:buFont typeface="Wingdings 2" charset="2"/>
+        <a:buChar char=""/>
+        <a:defRPr sz="2000" kern="1200">
+          <a:ln>
+            <a:solidFill>
+              <a:schemeClr val="bg1">
+                <a:lumMod val="75000"/>
+                <a:lumOff val="25000"/>
+                <a:alpha val="10000"/>
+              </a:schemeClr>
+            </a:solidFill>
+          </a:ln>
           <a:solidFill>
-            <a:schemeClr val="tx1"/>
+            <a:schemeClr val="tx2"/>
           </a:solidFill>
+          <a:effectLst>
+            <a:outerShdw blurRad="9525" dist="25400" dir="14640000" algn="tl" rotWithShape="0">
+              <a:schemeClr val="bg1">
+                <a:alpha val="30000"/>
+              </a:schemeClr>
+            </a:outerShdw>
+          </a:effectLst>
           <a:latin typeface="+mn-lt"/>
           <a:ea typeface="+mn-ea"/>
           <a:cs typeface="+mn-cs"/>
         </a:defRPr>
       </a:lvl1pPr>
-      <a:lvl2pPr marL="685800" indent="-228600" algn="l" defTabSz="914400" rtl="0" eaLnBrk="1" latinLnBrk="0" hangingPunct="1">
-        <a:lnSpc>
-          <a:spcPct val="90000"/>
-        </a:lnSpc>
+      <a:lvl2pPr marL="720000" indent="-270000" algn="l" defTabSz="457200" rtl="0" eaLnBrk="1" latinLnBrk="0" hangingPunct="1">
         <a:spcBef>
-          <a:spcPts val="500"/>
+          <a:spcPct val="20000"/>
         </a:spcBef>
-        <a:buFont typeface="Arial" panose="020B0604020202020204" pitchFamily="34" charset="0"/>
-        <a:buChar char="•"/>
-        <a:defRPr sz="2400" kern="1200">
+        <a:spcAft>
+          <a:spcPts val="600"/>
+        </a:spcAft>
+        <a:buClr>
+          <a:schemeClr val="tx2"/>
+        </a:buClr>
+        <a:buSzPct val="70000"/>
+        <a:buFont typeface="Wingdings 2" charset="2"/>
+        <a:buChar char=""/>
+        <a:defRPr sz="1800" kern="1200">
+          <a:ln>
+            <a:solidFill>
+              <a:schemeClr val="bg1">
+                <a:lumMod val="75000"/>
+                <a:lumOff val="25000"/>
+                <a:alpha val="10000"/>
+              </a:schemeClr>
+            </a:solidFill>
+          </a:ln>
           <a:solidFill>
-            <a:schemeClr val="tx1"/>
+            <a:schemeClr val="tx2"/>
           </a:solidFill>
+          <a:effectLst>
+            <a:outerShdw blurRad="9525" dist="25400" dir="14640000" algn="tl" rotWithShape="0">
+              <a:schemeClr val="bg1">
+                <a:alpha val="30000"/>
+              </a:schemeClr>
+            </a:outerShdw>
+          </a:effectLst>
           <a:latin typeface="+mn-lt"/>
           <a:ea typeface="+mn-ea"/>
           <a:cs typeface="+mn-cs"/>
         </a:defRPr>
       </a:lvl2pPr>
-      <a:lvl3pPr marL="1143000" indent="-228600" algn="l" defTabSz="914400" rtl="0" eaLnBrk="1" latinLnBrk="0" hangingPunct="1">
-        <a:lnSpc>
-          <a:spcPct val="90000"/>
-        </a:lnSpc>
+      <a:lvl3pPr marL="1026000" indent="-216000" algn="l" defTabSz="457200" rtl="0" eaLnBrk="1" latinLnBrk="0" hangingPunct="1">
         <a:spcBef>
-          <a:spcPts val="500"/>
+          <a:spcPct val="20000"/>
         </a:spcBef>
-        <a:buFont typeface="Arial" panose="020B0604020202020204" pitchFamily="34" charset="0"/>
-        <a:buChar char="•"/>
-        <a:defRPr sz="2000" kern="1200">
+        <a:spcAft>
+          <a:spcPts val="600"/>
+        </a:spcAft>
+        <a:buClr>
+          <a:schemeClr val="tx2"/>
+        </a:buClr>
+        <a:buSzPct val="70000"/>
+        <a:buFont typeface="Wingdings 2" charset="2"/>
+        <a:buChar char=""/>
+        <a:defRPr sz="1600" kern="1200">
+          <a:ln>
+            <a:solidFill>
+              <a:schemeClr val="bg1">
+                <a:lumMod val="75000"/>
+                <a:lumOff val="25000"/>
+                <a:alpha val="10000"/>
+              </a:schemeClr>
+            </a:solidFill>
+          </a:ln>
           <a:solidFill>
-            <a:schemeClr val="tx1"/>
+            <a:schemeClr val="tx2"/>
           </a:solidFill>
+          <a:effectLst>
+            <a:outerShdw blurRad="9525" dist="25400" dir="14640000" algn="tl" rotWithShape="0">
+              <a:schemeClr val="bg1">
+                <a:alpha val="30000"/>
+              </a:schemeClr>
+            </a:outerShdw>
+          </a:effectLst>
           <a:latin typeface="+mn-lt"/>
           <a:ea typeface="+mn-ea"/>
           <a:cs typeface="+mn-cs"/>
         </a:defRPr>
       </a:lvl3pPr>
-      <a:lvl4pPr marL="1600200" indent="-228600" algn="l" defTabSz="914400" rtl="0" eaLnBrk="1" latinLnBrk="0" hangingPunct="1">
-        <a:lnSpc>
-          <a:spcPct val="90000"/>
-        </a:lnSpc>
+      <a:lvl4pPr marL="1386000" indent="-216000" algn="l" defTabSz="457200" rtl="0" eaLnBrk="1" latinLnBrk="0" hangingPunct="1">
         <a:spcBef>
-          <a:spcPts val="500"/>
+          <a:spcPct val="20000"/>
         </a:spcBef>
-        <a:buFont typeface="Arial" panose="020B0604020202020204" pitchFamily="34" charset="0"/>
-        <a:buChar char="•"/>
-        <a:defRPr sz="1800" kern="1200">
+        <a:spcAft>
+          <a:spcPts val="600"/>
+        </a:spcAft>
+        <a:buClr>
+          <a:schemeClr val="tx2"/>
+        </a:buClr>
+        <a:buSzPct val="70000"/>
+        <a:buFont typeface="Wingdings 2" charset="2"/>
+        <a:buChar char=""/>
+        <a:defRPr sz="1400" kern="1200">
+          <a:ln>
+            <a:solidFill>
+              <a:schemeClr val="bg1">
+                <a:lumMod val="75000"/>
+                <a:lumOff val="25000"/>
+                <a:alpha val="10000"/>
+              </a:schemeClr>
+            </a:solidFill>
+          </a:ln>
           <a:solidFill>
-            <a:schemeClr val="tx1"/>
+            <a:schemeClr val="tx2"/>
           </a:solidFill>
+          <a:effectLst>
+            <a:outerShdw blurRad="9525" dist="25400" dir="14640000" algn="tl" rotWithShape="0">
+              <a:schemeClr val="bg1">
+                <a:alpha val="30000"/>
+              </a:schemeClr>
+            </a:outerShdw>
+          </a:effectLst>
           <a:latin typeface="+mn-lt"/>
           <a:ea typeface="+mn-ea"/>
           <a:cs typeface="+mn-cs"/>
         </a:defRPr>
       </a:lvl4pPr>
-      <a:lvl5pPr marL="2057400" indent="-228600" algn="l" defTabSz="914400" rtl="0" eaLnBrk="1" latinLnBrk="0" hangingPunct="1">
-        <a:lnSpc>
-          <a:spcPct val="90000"/>
-        </a:lnSpc>
+      <a:lvl5pPr marL="1674000" indent="-216000" algn="l" defTabSz="457200" rtl="0" eaLnBrk="1" latinLnBrk="0" hangingPunct="1">
         <a:spcBef>
-          <a:spcPts val="500"/>
+          <a:spcPct val="20000"/>
         </a:spcBef>
-        <a:buFont typeface="Arial" panose="020B0604020202020204" pitchFamily="34" charset="0"/>
-        <a:buChar char="•"/>
-        <a:defRPr sz="1800" kern="1200">
+        <a:spcAft>
+          <a:spcPts val="600"/>
+        </a:spcAft>
+        <a:buClr>
+          <a:schemeClr val="tx2"/>
+        </a:buClr>
+        <a:buSzPct val="70000"/>
+        <a:buFont typeface="Wingdings 2" charset="2"/>
+        <a:buChar char=""/>
+        <a:defRPr sz="1400" kern="1200">
+          <a:ln>
+            <a:solidFill>
+              <a:schemeClr val="bg1">
+                <a:lumMod val="75000"/>
+                <a:lumOff val="25000"/>
+                <a:alpha val="10000"/>
+              </a:schemeClr>
+            </a:solidFill>
+          </a:ln>
           <a:solidFill>
-            <a:schemeClr val="tx1"/>
+            <a:schemeClr val="tx2"/>
           </a:solidFill>
+          <a:effectLst>
+            <a:outerShdw blurRad="9525" dist="25400" dir="14640000" algn="tl" rotWithShape="0">
+              <a:schemeClr val="bg1">
+                <a:alpha val="30000"/>
+              </a:schemeClr>
+            </a:outerShdw>
+          </a:effectLst>
           <a:latin typeface="+mn-lt"/>
           <a:ea typeface="+mn-ea"/>
           <a:cs typeface="+mn-cs"/>
         </a:defRPr>
       </a:lvl5pPr>
-      <a:lvl6pPr marL="2514600" indent="-228600" algn="l" defTabSz="914400" rtl="0" eaLnBrk="1" latinLnBrk="0" hangingPunct="1">
-        <a:lnSpc>
-          <a:spcPct val="90000"/>
-        </a:lnSpc>
+      <a:lvl6pPr marL="2014600" indent="-228600" algn="l" defTabSz="457200" rtl="0" eaLnBrk="1" latinLnBrk="0" hangingPunct="1">
         <a:spcBef>
-          <a:spcPts val="500"/>
+          <a:spcPct val="20000"/>
         </a:spcBef>
-        <a:buFont typeface="Arial" panose="020B0604020202020204" pitchFamily="34" charset="0"/>
-        <a:buChar char="•"/>
-        <a:defRPr sz="1800" kern="1200">
+        <a:spcAft>
+          <a:spcPts val="600"/>
+        </a:spcAft>
+        <a:buClr>
+          <a:schemeClr val="tx2"/>
+        </a:buClr>
+        <a:buSzPct val="70000"/>
+        <a:buFont typeface="Wingdings 2" charset="2"/>
+        <a:buChar char=""/>
+        <a:defRPr sz="1400" kern="1200">
+          <a:ln>
+            <a:solidFill>
+              <a:schemeClr val="bg1">
+                <a:lumMod val="75000"/>
+                <a:lumOff val="25000"/>
+                <a:alpha val="10000"/>
+              </a:schemeClr>
+            </a:solidFill>
+          </a:ln>
           <a:solidFill>
-            <a:schemeClr val="tx1"/>
+            <a:schemeClr val="tx2"/>
           </a:solidFill>
+          <a:effectLst>
+            <a:outerShdw blurRad="9525" dist="25400" dir="14640000" algn="tl" rotWithShape="0">
+              <a:schemeClr val="bg1">
+                <a:alpha val="30000"/>
+              </a:schemeClr>
+            </a:outerShdw>
+          </a:effectLst>
           <a:latin typeface="+mn-lt"/>
           <a:ea typeface="+mn-ea"/>
           <a:cs typeface="+mn-cs"/>
         </a:defRPr>
       </a:lvl6pPr>
-      <a:lvl7pPr marL="2971800" indent="-228600" algn="l" defTabSz="914400" rtl="0" eaLnBrk="1" latinLnBrk="0" hangingPunct="1">
-        <a:lnSpc>
-          <a:spcPct val="90000"/>
-        </a:lnSpc>
+      <a:lvl7pPr marL="2401800" indent="-228600" algn="l" defTabSz="457200" rtl="0" eaLnBrk="1" latinLnBrk="0" hangingPunct="1">
         <a:spcBef>
-          <a:spcPts val="500"/>
+          <a:spcPct val="20000"/>
         </a:spcBef>
-        <a:buFont typeface="Arial" panose="020B0604020202020204" pitchFamily="34" charset="0"/>
-        <a:buChar char="•"/>
-        <a:defRPr sz="1800" kern="1200">
+        <a:spcAft>
+          <a:spcPts val="600"/>
+        </a:spcAft>
+        <a:buClr>
+          <a:schemeClr val="tx2"/>
+        </a:buClr>
+        <a:buSzPct val="70000"/>
+        <a:buFont typeface="Wingdings 2" charset="2"/>
+        <a:buChar char=""/>
+        <a:defRPr sz="1400" kern="1200">
+          <a:ln>
+            <a:solidFill>
+              <a:schemeClr val="bg1">
+                <a:lumMod val="75000"/>
+                <a:lumOff val="25000"/>
+                <a:alpha val="10000"/>
+              </a:schemeClr>
+            </a:solidFill>
+          </a:ln>
           <a:solidFill>
-            <a:schemeClr val="tx1"/>
+            <a:schemeClr val="tx2"/>
           </a:solidFill>
+          <a:effectLst>
+            <a:outerShdw blurRad="9525" dist="25400" dir="14640000" algn="tl" rotWithShape="0">
+              <a:schemeClr val="bg1">
+                <a:alpha val="30000"/>
+              </a:schemeClr>
+            </a:outerShdw>
+          </a:effectLst>
           <a:latin typeface="+mn-lt"/>
           <a:ea typeface="+mn-ea"/>
           <a:cs typeface="+mn-cs"/>
         </a:defRPr>
       </a:lvl7pPr>
-      <a:lvl8pPr marL="3429000" indent="-228600" algn="l" defTabSz="914400" rtl="0" eaLnBrk="1" latinLnBrk="0" hangingPunct="1">
-        <a:lnSpc>
-          <a:spcPct val="90000"/>
-        </a:lnSpc>
+      <a:lvl8pPr marL="2789000" indent="-228600" algn="l" defTabSz="457200" rtl="0" eaLnBrk="1" latinLnBrk="0" hangingPunct="1">
         <a:spcBef>
-          <a:spcPts val="500"/>
+          <a:spcPct val="20000"/>
         </a:spcBef>
-        <a:buFont typeface="Arial" panose="020B0604020202020204" pitchFamily="34" charset="0"/>
-        <a:buChar char="•"/>
-        <a:defRPr sz="1800" kern="1200">
+        <a:spcAft>
+          <a:spcPts val="600"/>
+        </a:spcAft>
+        <a:buClr>
+          <a:schemeClr val="tx2"/>
+        </a:buClr>
+        <a:buSzPct val="70000"/>
+        <a:buFont typeface="Wingdings 2" charset="2"/>
+        <a:buChar char=""/>
+        <a:defRPr sz="1400" kern="1200">
+          <a:ln>
+            <a:solidFill>
+              <a:schemeClr val="bg1">
+                <a:lumMod val="75000"/>
+                <a:lumOff val="25000"/>
+                <a:alpha val="10000"/>
+              </a:schemeClr>
+            </a:solidFill>
+          </a:ln>
           <a:solidFill>
-            <a:schemeClr val="tx1"/>
+            <a:schemeClr val="tx2"/>
           </a:solidFill>
+          <a:effectLst>
+            <a:outerShdw blurRad="9525" dist="25400" dir="14640000" algn="tl" rotWithShape="0">
+              <a:schemeClr val="bg1">
+                <a:alpha val="30000"/>
+              </a:schemeClr>
+            </a:outerShdw>
+          </a:effectLst>
           <a:latin typeface="+mn-lt"/>
           <a:ea typeface="+mn-ea"/>
           <a:cs typeface="+mn-cs"/>
         </a:defRPr>
       </a:lvl8pPr>
-      <a:lvl9pPr marL="3886200" indent="-228600" algn="l" defTabSz="914400" rtl="0" eaLnBrk="1" latinLnBrk="0" hangingPunct="1">
-        <a:lnSpc>
-          <a:spcPct val="90000"/>
-        </a:lnSpc>
+      <a:lvl9pPr marL="3106200" indent="-228600" algn="l" defTabSz="457200" rtl="0" eaLnBrk="1" latinLnBrk="0" hangingPunct="1">
         <a:spcBef>
-          <a:spcPts val="500"/>
+          <a:spcPct val="20000"/>
         </a:spcBef>
-        <a:buFont typeface="Arial" panose="020B0604020202020204" pitchFamily="34" charset="0"/>
-        <a:buChar char="•"/>
-        <a:defRPr sz="1800" kern="1200">
+        <a:spcAft>
+          <a:spcPts val="600"/>
+        </a:spcAft>
+        <a:buClr>
+          <a:schemeClr val="tx2"/>
+        </a:buClr>
+        <a:buSzPct val="70000"/>
+        <a:buFont typeface="Wingdings 2" charset="2"/>
+        <a:buChar char=""/>
+        <a:defRPr sz="1400" kern="1200">
+          <a:ln>
+            <a:solidFill>
+              <a:schemeClr val="bg1">
+                <a:lumMod val="75000"/>
+                <a:lumOff val="25000"/>
+                <a:alpha val="10000"/>
+              </a:schemeClr>
+            </a:solidFill>
+          </a:ln>
           <a:solidFill>
-            <a:schemeClr val="tx1"/>
+            <a:schemeClr val="tx2"/>
           </a:solidFill>
+          <a:effectLst>
+            <a:outerShdw blurRad="9525" dist="25400" dir="14640000" algn="tl" rotWithShape="0">
+              <a:schemeClr val="bg1">
+                <a:alpha val="30000"/>
+              </a:schemeClr>
+            </a:outerShdw>
+          </a:effectLst>
           <a:latin typeface="+mn-lt"/>
           <a:ea typeface="+mn-ea"/>
           <a:cs typeface="+mn-cs"/>
@@ -2868,7 +5918,7 @@
       <a:defPPr>
         <a:defRPr lang="en-US"/>
       </a:defPPr>
-      <a:lvl1pPr marL="0" algn="l" defTabSz="914400" rtl="0" eaLnBrk="1" latinLnBrk="0" hangingPunct="1">
+      <a:lvl1pPr marL="0" algn="l" defTabSz="457200" rtl="0" eaLnBrk="1" latinLnBrk="0" hangingPunct="1">
         <a:defRPr sz="1800" kern="1200">
           <a:solidFill>
             <a:schemeClr val="tx1"/>
@@ -2878,7 +5928,7 @@
           <a:cs typeface="+mn-cs"/>
         </a:defRPr>
       </a:lvl1pPr>
-      <a:lvl2pPr marL="457200" algn="l" defTabSz="914400" rtl="0" eaLnBrk="1" latinLnBrk="0" hangingPunct="1">
+      <a:lvl2pPr marL="457200" algn="l" defTabSz="457200" rtl="0" eaLnBrk="1" latinLnBrk="0" hangingPunct="1">
         <a:defRPr sz="1800" kern="1200">
           <a:solidFill>
             <a:schemeClr val="tx1"/>
@@ -2888,7 +5938,7 @@
           <a:cs typeface="+mn-cs"/>
         </a:defRPr>
       </a:lvl2pPr>
-      <a:lvl3pPr marL="914400" algn="l" defTabSz="914400" rtl="0" eaLnBrk="1" latinLnBrk="0" hangingPunct="1">
+      <a:lvl3pPr marL="914400" algn="l" defTabSz="457200" rtl="0" eaLnBrk="1" latinLnBrk="0" hangingPunct="1">
         <a:defRPr sz="1800" kern="1200">
           <a:solidFill>
             <a:schemeClr val="tx1"/>
@@ -2898,7 +5948,7 @@
           <a:cs typeface="+mn-cs"/>
         </a:defRPr>
       </a:lvl3pPr>
-      <a:lvl4pPr marL="1371600" algn="l" defTabSz="914400" rtl="0" eaLnBrk="1" latinLnBrk="0" hangingPunct="1">
+      <a:lvl4pPr marL="1371600" algn="l" defTabSz="457200" rtl="0" eaLnBrk="1" latinLnBrk="0" hangingPunct="1">
         <a:defRPr sz="1800" kern="1200">
           <a:solidFill>
             <a:schemeClr val="tx1"/>
@@ -2908,7 +5958,7 @@
           <a:cs typeface="+mn-cs"/>
         </a:defRPr>
       </a:lvl4pPr>
-      <a:lvl5pPr marL="1828800" algn="l" defTabSz="914400" rtl="0" eaLnBrk="1" latinLnBrk="0" hangingPunct="1">
+      <a:lvl5pPr marL="1828800" algn="l" defTabSz="457200" rtl="0" eaLnBrk="1" latinLnBrk="0" hangingPunct="1">
         <a:defRPr sz="1800" kern="1200">
           <a:solidFill>
             <a:schemeClr val="tx1"/>
@@ -2918,7 +5968,7 @@
           <a:cs typeface="+mn-cs"/>
         </a:defRPr>
       </a:lvl5pPr>
-      <a:lvl6pPr marL="2286000" algn="l" defTabSz="914400" rtl="0" eaLnBrk="1" latinLnBrk="0" hangingPunct="1">
+      <a:lvl6pPr marL="2286000" algn="l" defTabSz="457200" rtl="0" eaLnBrk="1" latinLnBrk="0" hangingPunct="1">
         <a:defRPr sz="1800" kern="1200">
           <a:solidFill>
             <a:schemeClr val="tx1"/>
@@ -2928,7 +5978,7 @@
           <a:cs typeface="+mn-cs"/>
         </a:defRPr>
       </a:lvl6pPr>
-      <a:lvl7pPr marL="2743200" algn="l" defTabSz="914400" rtl="0" eaLnBrk="1" latinLnBrk="0" hangingPunct="1">
+      <a:lvl7pPr marL="2743200" algn="l" defTabSz="457200" rtl="0" eaLnBrk="1" latinLnBrk="0" hangingPunct="1">
         <a:defRPr sz="1800" kern="1200">
           <a:solidFill>
             <a:schemeClr val="tx1"/>
@@ -2938,7 +5988,7 @@
           <a:cs typeface="+mn-cs"/>
         </a:defRPr>
       </a:lvl7pPr>
-      <a:lvl8pPr marL="3200400" algn="l" defTabSz="914400" rtl="0" eaLnBrk="1" latinLnBrk="0" hangingPunct="1">
+      <a:lvl8pPr marL="3200400" algn="l" defTabSz="457200" rtl="0" eaLnBrk="1" latinLnBrk="0" hangingPunct="1">
         <a:defRPr sz="1800" kern="1200">
           <a:solidFill>
             <a:schemeClr val="tx1"/>
@@ -2948,7 +5998,7 @@
           <a:cs typeface="+mn-cs"/>
         </a:defRPr>
       </a:lvl8pPr>
-      <a:lvl9pPr marL="3657600" algn="l" defTabSz="914400" rtl="0" eaLnBrk="1" latinLnBrk="0" hangingPunct="1">
+      <a:lvl9pPr marL="3657600" algn="l" defTabSz="457200" rtl="0" eaLnBrk="1" latinLnBrk="0" hangingPunct="1">
         <a:defRPr sz="1800" kern="1200">
           <a:solidFill>
             <a:schemeClr val="tx1"/>
@@ -2966,6 +6016,26 @@
 <file path=ppt/slides/slide1.xml><?xml version="1.0" encoding="utf-8"?>
 <p:sld xmlns:a="http://schemas.openxmlformats.org/drawingml/2006/main" xmlns:r="http://schemas.openxmlformats.org/officeDocument/2006/relationships" xmlns:p="http://schemas.openxmlformats.org/presentationml/2006/main">
   <p:cSld>
+    <p:bg>
+      <p:bgPr>
+        <a:blipFill rotWithShape="1">
+          <a:blip r:embed="rId2">
+            <a:duotone>
+              <a:schemeClr val="bg2">
+                <a:shade val="80000"/>
+                <a:lumMod val="80000"/>
+              </a:schemeClr>
+              <a:schemeClr val="bg2">
+                <a:tint val="98000"/>
+              </a:schemeClr>
+            </a:duotone>
+            <a:extLst/>
+          </a:blip>
+          <a:stretch/>
+        </a:blipFill>
+        <a:effectLst/>
+      </p:bgPr>
+    </p:bg>
     <p:spTree>
       <p:nvGrpSpPr>
         <p:cNvPr id="1" name=""/>
@@ -2980,6 +6050,66 @@
           <a:chExt cx="0" cy="0"/>
         </a:xfrm>
       </p:grpSpPr>
+      <p:sp useBgFill="1">
+        <p:nvSpPr>
+          <p:cNvPr id="8" name="Rectangle 7">
+            <a:extLst>
+              <a:ext uri="{FF2B5EF4-FFF2-40B4-BE49-F238E27FC236}">
+                <a16:creationId xmlns:a16="http://schemas.microsoft.com/office/drawing/2014/main" id="{2124007E-BA57-41B2-8C6B-5E99927F2247}"/>
+              </a:ext>
+              <a:ext uri="{C183D7F6-B498-43B3-948B-1728B52AA6E4}">
+                <adec:decorative xmlns:adec="http://schemas.microsoft.com/office/drawing/2017/decorative" val="1"/>
+              </a:ext>
+            </a:extLst>
+          </p:cNvPr>
+          <p:cNvSpPr>
+            <a:spLocks noGrp="1" noRot="1" noChangeAspect="1" noMove="1" noResize="1" noEditPoints="1" noAdjustHandles="1" noChangeArrowheads="1" noChangeShapeType="1" noTextEdit="1"/>
+          </p:cNvSpPr>
+          <p:nvPr>
+            <p:extLst>
+              <p:ext uri="{386F3935-93C4-4BCD-93E2-E3B085C9AB24}">
+                <p16:designElem xmlns:p16="http://schemas.microsoft.com/office/powerpoint/2015/main" val="1"/>
+              </p:ext>
+            </p:extLst>
+          </p:nvPr>
+        </p:nvSpPr>
+        <p:spPr>
+          <a:xfrm>
+            <a:off x="0" y="0"/>
+            <a:ext cx="12192000" cy="6858000"/>
+          </a:xfrm>
+          <a:prstGeom prst="rect">
+            <a:avLst/>
+          </a:prstGeom>
+          <a:ln>
+            <a:noFill/>
+          </a:ln>
+        </p:spPr>
+        <p:style>
+          <a:lnRef idx="2">
+            <a:schemeClr val="accent1">
+              <a:shade val="50000"/>
+            </a:schemeClr>
+          </a:lnRef>
+          <a:fillRef idx="1">
+            <a:schemeClr val="accent1"/>
+          </a:fillRef>
+          <a:effectRef idx="0">
+            <a:schemeClr val="accent1"/>
+          </a:effectRef>
+          <a:fontRef idx="minor">
+            <a:schemeClr val="lt1"/>
+          </a:fontRef>
+        </p:style>
+        <p:txBody>
+          <a:bodyPr rtlCol="0" anchor="ctr"/>
+          <a:lstStyle/>
+          <a:p>
+            <a:pPr algn="ctr"/>
+            <a:endParaRPr lang="en-US"/>
+          </a:p>
+        </p:txBody>
+      </p:sp>
       <p:sp>
         <p:nvSpPr>
           <p:cNvPr id="2" name="Title 1"/>
@@ -2990,16 +6120,100 @@
             <p:ph type="ctrTitle"/>
           </p:nvPr>
         </p:nvSpPr>
-        <p:spPr/>
-        <p:txBody>
-          <a:bodyPr/>
-          <a:lstStyle/>
-          <a:p>
-            <a:r>
-              <a:rPr lang="en-US" dirty="0" smtClean="0"/>
+        <p:spPr>
+          <a:xfrm>
+            <a:off x="5179157" y="1099456"/>
+            <a:ext cx="6243636" cy="4625558"/>
+          </a:xfrm>
+          <a:effectLst/>
+        </p:spPr>
+        <p:txBody>
+          <a:bodyPr anchor="ctr">
+            <a:normAutofit/>
+          </a:bodyPr>
+          <a:lstStyle/>
+          <a:p>
+            <a:pPr algn="l"/>
+            <a:r>
+              <a:rPr lang="en-US">
+                <a:solidFill>
+                  <a:schemeClr val="tx1"/>
+                </a:solidFill>
+              </a:rPr>
               <a:t>HECC 2018</a:t>
             </a:r>
-            <a:endParaRPr lang="en-US" dirty="0"/>
+          </a:p>
+        </p:txBody>
+      </p:sp>
+      <p:sp>
+        <p:nvSpPr>
+          <p:cNvPr id="10" name="Rectangle 9">
+            <a:extLst>
+              <a:ext uri="{FF2B5EF4-FFF2-40B4-BE49-F238E27FC236}">
+                <a16:creationId xmlns:a16="http://schemas.microsoft.com/office/drawing/2014/main" id="{B86DB862-6DDF-422F-A454-90D0C371F85E}"/>
+              </a:ext>
+              <a:ext uri="{C183D7F6-B498-43B3-948B-1728B52AA6E4}">
+                <adec:decorative xmlns:adec="http://schemas.microsoft.com/office/drawing/2017/decorative" val="1"/>
+              </a:ext>
+            </a:extLst>
+          </p:cNvPr>
+          <p:cNvSpPr>
+            <a:spLocks noGrp="1" noRot="1" noChangeAspect="1" noMove="1" noResize="1" noEditPoints="1" noAdjustHandles="1" noChangeArrowheads="1" noChangeShapeType="1" noTextEdit="1"/>
+          </p:cNvSpPr>
+          <p:nvPr>
+            <p:extLst>
+              <p:ext uri="{386F3935-93C4-4BCD-93E2-E3B085C9AB24}">
+                <p16:designElem xmlns:p16="http://schemas.microsoft.com/office/powerpoint/2015/main" val="1"/>
+              </p:ext>
+            </p:extLst>
+          </p:nvPr>
+        </p:nvSpPr>
+        <p:spPr>
+          <a:xfrm>
+            <a:off x="0" y="0"/>
+            <a:ext cx="4654296" cy="6858000"/>
+          </a:xfrm>
+          <a:prstGeom prst="rect">
+            <a:avLst/>
+          </a:prstGeom>
+          <a:solidFill>
+            <a:schemeClr val="tx1">
+              <a:alpha val="90000"/>
+            </a:schemeClr>
+          </a:solidFill>
+          <a:ln>
+            <a:noFill/>
+          </a:ln>
+          <a:effectLst>
+            <a:outerShdw blurRad="50800" dist="38100" algn="l" rotWithShape="0">
+              <a:prstClr val="black">
+                <a:alpha val="40000"/>
+              </a:prstClr>
+            </a:outerShdw>
+          </a:effectLst>
+        </p:spPr>
+        <p:style>
+          <a:lnRef idx="2">
+            <a:schemeClr val="accent1">
+              <a:shade val="50000"/>
+            </a:schemeClr>
+          </a:lnRef>
+          <a:fillRef idx="1">
+            <a:schemeClr val="accent1"/>
+          </a:fillRef>
+          <a:effectRef idx="0">
+            <a:schemeClr val="accent1"/>
+          </a:effectRef>
+          <a:fontRef idx="minor">
+            <a:schemeClr val="lt1"/>
+          </a:fontRef>
+        </p:style>
+        <p:txBody>
+          <a:bodyPr rtlCol="0" anchor="ctr"/>
+          <a:lstStyle/>
+          <a:p>
+            <a:pPr algn="ctr"/>
+            <a:endParaRPr lang="en-US"/>
           </a:p>
         </p:txBody>
       </p:sp>
@@ -3013,32 +6227,47 @@
             <p:ph type="subTitle" idx="1"/>
           </p:nvPr>
         </p:nvSpPr>
-        <p:spPr/>
-        <p:txBody>
-          <a:bodyPr/>
-          <a:lstStyle/>
-          <a:p>
-            <a:r>
-              <a:rPr lang="en-US" dirty="0" smtClean="0"/>
-              <a:t>2054 </a:t>
-            </a:r>
-            <a:r>
-              <a:rPr lang="en-US" dirty="0"/>
-              <a:t>- Deploying Windows 10 With MDT (Part </a:t>
-            </a:r>
-            <a:r>
-              <a:rPr lang="en-US" dirty="0" smtClean="0"/>
-              <a:t>2)</a:t>
-            </a:r>
-          </a:p>
-          <a:p>
-            <a:r>
-              <a:rPr lang="en-US" sz="2000" dirty="0"/>
+        <p:spPr>
+          <a:xfrm>
+            <a:off x="1474631" y="1112685"/>
+            <a:ext cx="2935320" cy="4632630"/>
+          </a:xfrm>
+          <a:effectLst/>
+        </p:spPr>
+        <p:txBody>
+          <a:bodyPr anchor="ctr">
+            <a:normAutofit/>
+          </a:bodyPr>
+          <a:lstStyle/>
+          <a:p>
+            <a:pPr algn="l"/>
+            <a:r>
+              <a:rPr lang="en-US" sz="2400">
+                <a:solidFill>
+                  <a:schemeClr val="bg2"/>
+                </a:solidFill>
+              </a:rPr>
+              <a:t>2054 - Deploying Windows 10 With MDT (Part 2)</a:t>
+            </a:r>
+          </a:p>
+          <a:p>
+            <a:pPr algn="l"/>
+            <a:r>
+              <a:rPr lang="en-US" sz="2400">
+                <a:solidFill>
+                  <a:schemeClr val="bg2"/>
+                </a:solidFill>
+              </a:rPr>
               <a:t>Section 2</a:t>
             </a:r>
           </a:p>
           <a:p>
-            <a:endParaRPr lang="en-US" dirty="0"/>
+            <a:pPr algn="l"/>
+            <a:endParaRPr lang="en-US" sz="2400">
+              <a:solidFill>
+                <a:schemeClr val="bg2"/>
+              </a:solidFill>
+            </a:endParaRPr>
           </a:p>
         </p:txBody>
       </p:sp>
@@ -3052,13 +6281,6 @@
   <p:clrMapOvr>
     <a:masterClrMapping/>
   </p:clrMapOvr>
-  <p:timing>
-    <p:tnLst>
-      <p:par>
-        <p:cTn id="1" dur="indefinite" restart="never" nodeType="tmRoot"/>
-      </p:par>
-    </p:tnLst>
-  </p:timing>
 </p:sld>
 </file>
 
@@ -3103,10 +6325,9 @@
           <a:p>
             <a:pPr algn="ctr"/>
             <a:r>
-              <a:rPr lang="en-US" sz="16600" dirty="0" smtClean="0"/>
+              <a:rPr lang="en-US" sz="16600" dirty="0"/>
               <a:t>Demo</a:t>
             </a:r>
-            <a:endParaRPr lang="en-US" sz="16600" dirty="0"/>
           </a:p>
         </p:txBody>
       </p:sp>
@@ -3120,13 +6341,6 @@
   <p:clrMapOvr>
     <a:masterClrMapping/>
   </p:clrMapOvr>
-  <p:timing>
-    <p:tnLst>
-      <p:par>
-        <p:cTn id="1" dur="indefinite" restart="never" nodeType="tmRoot"/>
-      </p:par>
-    </p:tnLst>
-  </p:timing>
 </p:sld>
 </file>
 
@@ -3171,10 +6385,9 @@
           <a:p>
             <a:pPr algn="ctr"/>
             <a:r>
-              <a:rPr lang="en-US" sz="13800" dirty="0" smtClean="0"/>
+              <a:rPr lang="en-US" sz="13800" dirty="0"/>
               <a:t>Questions</a:t>
             </a:r>
-            <a:endParaRPr lang="en-US" sz="13800" dirty="0"/>
           </a:p>
         </p:txBody>
       </p:sp>
@@ -3188,13 +6401,6 @@
   <p:clrMapOvr>
     <a:masterClrMapping/>
   </p:clrMapOvr>
-  <p:timing>
-    <p:tnLst>
-      <p:par>
-        <p:cTn id="1" dur="indefinite" restart="never" nodeType="tmRoot"/>
-      </p:par>
-    </p:tnLst>
-  </p:timing>
 </p:sld>
 </file>
 
@@ -3237,14 +6443,14 @@
           <a:p>
             <a:pPr algn="ctr"/>
             <a:r>
-              <a:rPr lang="en-US" sz="13800" dirty="0" smtClean="0"/>
+              <a:rPr lang="en-US" sz="13800" dirty="0"/>
               <a:t>Break</a:t>
             </a:r>
             <a:br>
-              <a:rPr lang="en-US" sz="13800" dirty="0" smtClean="0"/>
+              <a:rPr lang="en-US" sz="13800" dirty="0"/>
             </a:br>
             <a:r>
-              <a:rPr lang="en-US" sz="3200" dirty="0" smtClean="0"/>
+              <a:rPr lang="en-US" sz="3200" dirty="0"/>
               <a:t>10 Minutes</a:t>
             </a:r>
             <a:endParaRPr lang="en-US" dirty="0"/>
@@ -3261,13 +6467,6 @@
   <p:clrMapOvr>
     <a:masterClrMapping/>
   </p:clrMapOvr>
-  <p:timing>
-    <p:tnLst>
-      <p:par>
-        <p:cTn id="1" dur="indefinite" restart="never" nodeType="tmRoot"/>
-      </p:par>
-    </p:tnLst>
-  </p:timing>
 </p:sld>
 </file>
 
@@ -3309,10 +6508,9 @@
           <a:lstStyle/>
           <a:p>
             <a:r>
-              <a:rPr lang="en-US" dirty="0" smtClean="0"/>
+              <a:rPr lang="en-US" dirty="0"/>
               <a:t>Agenda</a:t>
             </a:r>
-            <a:endParaRPr lang="en-US" dirty="0"/>
           </a:p>
         </p:txBody>
       </p:sp>
@@ -3339,7 +6537,7 @@
           <a:lstStyle/>
           <a:p>
             <a:r>
-              <a:rPr lang="en-US" dirty="0" smtClean="0"/>
+              <a:rPr lang="en-US" dirty="0"/>
               <a:t>Drivers and BIOS</a:t>
             </a:r>
           </a:p>
@@ -3349,7 +6547,6 @@
               <a:rPr lang="en-US" dirty="0"/>
               <a:t>Modern Driver Implementation </a:t>
             </a:r>
-            <a:endParaRPr lang="en-US" dirty="0" smtClean="0"/>
           </a:p>
           <a:p>
             <a:pPr lvl="1"/>
@@ -3357,64 +6554,39 @@
               <a:rPr lang="en-US" dirty="0"/>
               <a:t>Model Alias </a:t>
             </a:r>
-            <a:endParaRPr lang="en-US" dirty="0" smtClean="0"/>
           </a:p>
           <a:p>
             <a:pPr lvl="1"/>
             <a:r>
               <a:rPr lang="en-US" dirty="0"/>
-              <a:t>Driver Automation </a:t>
-            </a:r>
-            <a:r>
-              <a:rPr lang="en-US" dirty="0" smtClean="0"/>
-              <a:t>Tool</a:t>
+              <a:t>Driver Automation Tool</a:t>
             </a:r>
           </a:p>
           <a:p>
             <a:pPr lvl="1"/>
             <a:r>
-              <a:rPr lang="en-US" dirty="0" smtClean="0"/>
-              <a:t>BIOS upgrade </a:t>
-            </a:r>
-            <a:r>
               <a:rPr lang="en-US" dirty="0"/>
-              <a:t>during </a:t>
-            </a:r>
-            <a:r>
-              <a:rPr lang="en-US" dirty="0" smtClean="0"/>
-              <a:t>deployment</a:t>
+              <a:t>BIOS upgrade during deployment</a:t>
             </a:r>
           </a:p>
           <a:p>
             <a:pPr lvl="1"/>
             <a:r>
               <a:rPr lang="en-US" dirty="0"/>
-              <a:t>Task Sequence a</a:t>
-            </a:r>
-            <a:r>
-              <a:rPr lang="en-US" dirty="0" smtClean="0"/>
-              <a:t>djustments </a:t>
-            </a:r>
+              <a:t>Task Sequence adjustments for drivers and BIOS update</a:t>
+            </a:r>
+          </a:p>
+          <a:p>
+            <a:pPr lvl="1"/>
             <a:r>
               <a:rPr lang="en-US" dirty="0"/>
-              <a:t>for </a:t>
-            </a:r>
-            <a:r>
-              <a:rPr lang="en-US" dirty="0" smtClean="0"/>
-              <a:t>drivers and BIOS update</a:t>
+              <a:t>Demo</a:t>
             </a:r>
           </a:p>
           <a:p>
             <a:pPr lvl="1"/>
             <a:r>
-              <a:rPr lang="en-US" dirty="0" smtClean="0"/>
-              <a:t>Demo</a:t>
-            </a:r>
-          </a:p>
-          <a:p>
-            <a:pPr lvl="1"/>
-            <a:r>
-              <a:rPr lang="en-US" dirty="0" smtClean="0"/>
+              <a:rPr lang="en-US" dirty="0"/>
               <a:t>Questions</a:t>
             </a:r>
           </a:p>
@@ -3430,13 +6602,6 @@
   <p:clrMapOvr>
     <a:masterClrMapping/>
   </p:clrMapOvr>
-  <p:timing>
-    <p:tnLst>
-      <p:par>
-        <p:cTn id="1" dur="indefinite" restart="never" nodeType="tmRoot"/>
-      </p:par>
-    </p:tnLst>
-  </p:timing>
 </p:sld>
 </file>
 
@@ -3500,19 +6665,19 @@
           <a:lstStyle/>
           <a:p>
             <a:r>
-              <a:rPr lang="en-US" dirty="0" smtClean="0"/>
+              <a:rPr lang="en-US" dirty="0"/>
               <a:t>Only install Drivers for the Machine and OS you are deploying to</a:t>
             </a:r>
           </a:p>
           <a:p>
             <a:r>
-              <a:rPr lang="en-US" dirty="0" smtClean="0"/>
+              <a:rPr lang="en-US" dirty="0"/>
               <a:t>Organized Drivers to make updating them less of a pain</a:t>
             </a:r>
           </a:p>
           <a:p>
             <a:r>
-              <a:rPr lang="en-US" dirty="0" smtClean="0"/>
+              <a:rPr lang="en-US" dirty="0"/>
               <a:t>Does require Model Alias Script</a:t>
             </a:r>
           </a:p>
@@ -3520,7 +6685,7 @@
             <a:pPr marL="0" indent="0">
               <a:buNone/>
             </a:pPr>
-            <a:endParaRPr lang="en-US" dirty="0" smtClean="0"/>
+            <a:endParaRPr lang="en-US" dirty="0"/>
           </a:p>
           <a:p>
             <a:endParaRPr lang="en-US" dirty="0"/>
@@ -3561,13 +6726,6 @@
   <p:clrMapOvr>
     <a:masterClrMapping/>
   </p:clrMapOvr>
-  <p:timing>
-    <p:tnLst>
-      <p:par>
-        <p:cTn id="1" dur="indefinite" restart="never" nodeType="tmRoot"/>
-      </p:par>
-    </p:tnLst>
-  </p:timing>
 </p:sld>
 </file>
 
@@ -3605,13 +6763,8 @@
           <a:p>
             <a:r>
               <a:rPr lang="en-US" dirty="0"/>
-              <a:t>Model </a:t>
-            </a:r>
-            <a:r>
-              <a:rPr lang="en-US" dirty="0" smtClean="0"/>
-              <a:t>Alias</a:t>
-            </a:r>
-            <a:endParaRPr lang="en-US" dirty="0"/>
+              <a:t>Model Alias</a:t>
+            </a:r>
           </a:p>
         </p:txBody>
       </p:sp>
@@ -3632,36 +6785,32 @@
           <a:p>
             <a:r>
               <a:rPr lang="en-US" dirty="0"/>
-              <a:t>VB Script (</a:t>
-            </a:r>
-            <a:r>
-              <a:rPr lang="en-US" dirty="0" smtClean="0"/>
-              <a:t>AliasUserExit.vbs) to help with Modern Driver Implementation and other functions</a:t>
-            </a:r>
-          </a:p>
-          <a:p>
-            <a:r>
-              <a:rPr lang="en-US" dirty="0" smtClean="0"/>
+              <a:t>VB Script (AliasUserExit.vbs) to help with Modern Driver Implementation and other functions</a:t>
+            </a:r>
+          </a:p>
+          <a:p>
+            <a:r>
+              <a:rPr lang="en-US" dirty="0"/>
               <a:t>Sits in %</a:t>
             </a:r>
             <a:r>
-              <a:rPr lang="en-US" dirty="0" err="1" smtClean="0"/>
+              <a:rPr lang="en-US" dirty="0" err="1"/>
               <a:t>DeploymentRoot</a:t>
             </a:r>
             <a:r>
-              <a:rPr lang="en-US" dirty="0" smtClean="0"/>
+              <a:rPr lang="en-US" dirty="0"/>
               <a:t>%\Scripts folder</a:t>
             </a:r>
           </a:p>
           <a:p>
             <a:r>
-              <a:rPr lang="en-US" dirty="0" smtClean="0"/>
+              <a:rPr lang="en-US" dirty="0"/>
               <a:t>Basically creates MDT custom variables about the deployment target machine</a:t>
             </a:r>
           </a:p>
           <a:p>
             <a:r>
-              <a:rPr lang="en-US" dirty="0" smtClean="0"/>
+              <a:rPr lang="en-US" dirty="0"/>
               <a:t>Written Originally by Mikael Nystrom</a:t>
             </a:r>
           </a:p>
@@ -3671,15 +6820,9 @@
               <a:rPr lang="en-US" sz="1600" dirty="0">
                 <a:hlinkClick r:id="rId2"/>
               </a:rPr>
-              <a:t>https://deploymentbunny.com/2012/05/01/modelalias-user-exit-for-microsoft-deployment-toolkit-20102012</a:t>
-            </a:r>
-            <a:r>
-              <a:rPr lang="en-US" sz="1600" dirty="0" smtClean="0">
-                <a:hlinkClick r:id="rId2"/>
-              </a:rPr>
-              <a:t>/</a:t>
-            </a:r>
-            <a:endParaRPr lang="en-US" sz="1600" dirty="0" smtClean="0"/>
+              <a:t>https://deploymentbunny.com/2012/05/01/modelalias-user-exit-for-microsoft-deployment-toolkit-20102012/</a:t>
+            </a:r>
+            <a:endParaRPr lang="en-US" sz="1600" dirty="0"/>
           </a:p>
           <a:p>
             <a:endParaRPr lang="en-US" dirty="0"/>
@@ -3699,13 +6842,6 @@
   <p:clrMapOvr>
     <a:masterClrMapping/>
   </p:clrMapOvr>
-  <p:timing>
-    <p:tnLst>
-      <p:par>
-        <p:cTn id="1" dur="indefinite" restart="never" nodeType="tmRoot"/>
-      </p:par>
-    </p:tnLst>
-  </p:timing>
 </p:sld>
 </file>
 
@@ -3742,10 +6878,9 @@
           <a:lstStyle/>
           <a:p>
             <a:r>
-              <a:rPr lang="en-US" dirty="0" smtClean="0"/>
+              <a:rPr lang="en-US" dirty="0"/>
               <a:t>Driver Task Sequence Adjustment</a:t>
             </a:r>
-            <a:endParaRPr lang="en-US" dirty="0"/>
           </a:p>
         </p:txBody>
       </p:sp>
@@ -3761,55 +6896,53 @@
         </p:nvSpPr>
         <p:spPr/>
         <p:txBody>
-          <a:bodyPr/>
-          <a:lstStyle/>
-          <a:p>
-            <a:r>
-              <a:rPr lang="en-US" dirty="0" smtClean="0"/>
+          <a:bodyPr>
+            <a:normAutofit lnSpcReduction="10000"/>
+          </a:bodyPr>
+          <a:lstStyle/>
+          <a:p>
+            <a:r>
+              <a:rPr lang="en-US" dirty="0"/>
               <a:t>Need to create 2 Set Task Sequence Variable Tasks under Preinstall before the Inject Drivers TS</a:t>
             </a:r>
           </a:p>
           <a:p>
             <a:pPr lvl="1"/>
             <a:r>
-              <a:rPr lang="en-US" dirty="0" smtClean="0"/>
+              <a:rPr lang="en-US" dirty="0"/>
               <a:t>Task 1</a:t>
             </a:r>
           </a:p>
           <a:p>
             <a:pPr lvl="2"/>
             <a:r>
-              <a:rPr lang="en-US" dirty="0" smtClean="0"/>
+              <a:rPr lang="en-US" dirty="0"/>
               <a:t>Name - DriverGroup001</a:t>
             </a:r>
           </a:p>
           <a:p>
             <a:pPr lvl="2"/>
             <a:r>
-              <a:rPr lang="en-US" dirty="0" smtClean="0"/>
-              <a:t>Task Sequence Variable - </a:t>
-            </a:r>
-            <a:r>
               <a:rPr lang="en-US" dirty="0"/>
-              <a:t>DriverGroup001</a:t>
+              <a:t>Task Sequence Variable - DriverGroup001</a:t>
             </a:r>
           </a:p>
           <a:p>
             <a:pPr lvl="2"/>
             <a:r>
-              <a:rPr lang="en-US" dirty="0" smtClean="0"/>
+              <a:rPr lang="en-US" dirty="0"/>
               <a:t>Value - </a:t>
             </a:r>
             <a:r>
               <a:rPr lang="pt-BR" dirty="0"/>
               <a:t>Windows 10 x64\%MakeAlias%\%ModelAlias%</a:t>
             </a:r>
-            <a:endParaRPr lang="en-US" dirty="0" smtClean="0"/>
+            <a:endParaRPr lang="en-US" dirty="0"/>
           </a:p>
           <a:p>
             <a:pPr lvl="1"/>
             <a:r>
-              <a:rPr lang="en-US" dirty="0" smtClean="0"/>
+              <a:rPr lang="en-US" dirty="0"/>
               <a:t>Task 2</a:t>
             </a:r>
           </a:p>
@@ -3817,25 +6950,15 @@
             <a:pPr lvl="2"/>
             <a:r>
               <a:rPr lang="en-US" dirty="0"/>
-              <a:t>Name - </a:t>
-            </a:r>
-            <a:r>
-              <a:rPr lang="en-US" dirty="0" smtClean="0"/>
-              <a:t>DriverGroup002</a:t>
-            </a:r>
-            <a:endParaRPr lang="en-US" dirty="0"/>
+              <a:t>Name - DriverGroup002</a:t>
+            </a:r>
           </a:p>
           <a:p>
             <a:pPr lvl="2"/>
             <a:r>
               <a:rPr lang="en-US" dirty="0"/>
-              <a:t>Task Sequence Variable - </a:t>
-            </a:r>
-            <a:r>
-              <a:rPr lang="en-US" dirty="0" smtClean="0"/>
-              <a:t>DriverGroup002</a:t>
-            </a:r>
-            <a:endParaRPr lang="en-US" dirty="0"/>
+              <a:t>Task Sequence Variable - DriverGroup002</a:t>
+            </a:r>
           </a:p>
           <a:p>
             <a:pPr lvl="2"/>
@@ -3845,16 +6968,12 @@
             </a:r>
             <a:r>
               <a:rPr lang="pt-BR" dirty="0"/>
-              <a:t>Windows 10 </a:t>
-            </a:r>
-            <a:r>
-              <a:rPr lang="pt-BR" dirty="0" smtClean="0"/>
-              <a:t>x64\Generic</a:t>
-            </a:r>
-          </a:p>
-          <a:p>
-            <a:r>
-              <a:rPr lang="pt-BR" dirty="0" smtClean="0"/>
+              <a:t>Windows 10 x64\Generic</a:t>
+            </a:r>
+          </a:p>
+          <a:p>
+            <a:r>
+              <a:rPr lang="pt-BR" dirty="0"/>
               <a:t>Set Inject Drivers to Nothing</a:t>
             </a:r>
             <a:endParaRPr lang="en-US" dirty="0"/>
@@ -3871,13 +6990,6 @@
   <p:clrMapOvr>
     <a:masterClrMapping/>
   </p:clrMapOvr>
-  <p:timing>
-    <p:tnLst>
-      <p:par>
-        <p:cTn id="1" dur="indefinite" restart="never" nodeType="tmRoot"/>
-      </p:par>
-    </p:tnLst>
-  </p:timing>
 </p:sld>
 </file>
 
@@ -3919,10 +7031,9 @@
           <a:lstStyle/>
           <a:p>
             <a:r>
-              <a:rPr lang="en-US" dirty="0" smtClean="0"/>
+              <a:rPr lang="en-US" dirty="0"/>
               <a:t>Driver Task Sequence Adjustment</a:t>
             </a:r>
-            <a:endParaRPr lang="en-US" dirty="0"/>
           </a:p>
         </p:txBody>
       </p:sp>
@@ -3944,8 +7055,8 @@
         </p:blipFill>
         <p:spPr>
           <a:xfrm>
-            <a:off x="3043427" y="1293060"/>
-            <a:ext cx="6105146" cy="5502275"/>
+            <a:off x="3839238" y="1731963"/>
+            <a:ext cx="4503998" cy="4059237"/>
           </a:xfrm>
           <a:prstGeom prst="rect">
             <a:avLst/>
@@ -4190,18 +7301,18 @@
           <a:lstStyle/>
           <a:p>
             <a:r>
-              <a:rPr lang="en-US" dirty="0" smtClean="0"/>
+              <a:rPr lang="en-US" dirty="0"/>
               <a:t>Built by Maurice Daly - @</a:t>
             </a:r>
             <a:r>
-              <a:rPr lang="en-US" dirty="0" err="1" smtClean="0"/>
+              <a:rPr lang="en-US" dirty="0" err="1"/>
               <a:t>modaly_it</a:t>
             </a:r>
-            <a:endParaRPr lang="en-US" dirty="0" smtClean="0"/>
-          </a:p>
-          <a:p>
-            <a:r>
-              <a:rPr lang="en-US" dirty="0" smtClean="0"/>
+            <a:endParaRPr lang="en-US" dirty="0"/>
+          </a:p>
+          <a:p>
+            <a:r>
+              <a:rPr lang="en-US" dirty="0"/>
               <a:t>Can be found at</a:t>
             </a:r>
           </a:p>
@@ -4215,62 +7326,55 @@
               <a:rPr lang="en-US" sz="2000" dirty="0">
                 <a:hlinkClick r:id="rId2"/>
               </a:rPr>
-              <a:t>http://www.scconfigmgr.com/2018/08/28/driver-automation-tool-6-1-0-released</a:t>
-            </a:r>
-            <a:r>
-              <a:rPr lang="en-US" sz="2000" dirty="0" smtClean="0">
-                <a:hlinkClick r:id="rId2"/>
-              </a:rPr>
-              <a:t>/</a:t>
-            </a:r>
-            <a:endParaRPr lang="en-US" sz="2000" dirty="0" smtClean="0"/>
-          </a:p>
-          <a:p>
-            <a:r>
-              <a:rPr lang="en-US" dirty="0" smtClean="0"/>
+              <a:t>http://www.scconfigmgr.com/2018/08/28/driver-automation-tool-6-1-0-released/</a:t>
+            </a:r>
+            <a:endParaRPr lang="en-US" sz="2000" dirty="0"/>
+          </a:p>
+          <a:p>
+            <a:r>
+              <a:rPr lang="en-US" dirty="0"/>
               <a:t>GUI Based</a:t>
             </a:r>
           </a:p>
           <a:p>
             <a:r>
-              <a:rPr lang="en-US" dirty="0" smtClean="0"/>
+              <a:rPr lang="en-US" dirty="0"/>
               <a:t>Works with MDT and SCCM</a:t>
             </a:r>
           </a:p>
           <a:p>
             <a:r>
-              <a:rPr lang="en-US" dirty="0" smtClean="0"/>
+              <a:rPr lang="en-US" dirty="0"/>
               <a:t>Works with</a:t>
             </a:r>
           </a:p>
           <a:p>
             <a:pPr lvl="1"/>
             <a:r>
-              <a:rPr lang="en-US" dirty="0" smtClean="0"/>
+              <a:rPr lang="en-US" dirty="0"/>
               <a:t>Dell</a:t>
             </a:r>
           </a:p>
           <a:p>
             <a:pPr lvl="1"/>
             <a:r>
-              <a:rPr lang="en-US" dirty="0" smtClean="0"/>
+              <a:rPr lang="en-US" dirty="0"/>
               <a:t>HP</a:t>
             </a:r>
           </a:p>
           <a:p>
             <a:pPr lvl="1"/>
             <a:r>
-              <a:rPr lang="en-US" dirty="0" smtClean="0"/>
+              <a:rPr lang="en-US" dirty="0"/>
               <a:t>Lenovo</a:t>
             </a:r>
           </a:p>
           <a:p>
             <a:pPr lvl="1"/>
             <a:r>
-              <a:rPr lang="en-US" dirty="0" smtClean="0"/>
+              <a:rPr lang="en-US" dirty="0"/>
               <a:t>Microsoft</a:t>
             </a:r>
-            <a:endParaRPr lang="en-US" dirty="0" smtClean="0"/>
           </a:p>
         </p:txBody>
       </p:sp>
@@ -4284,13 +7388,6 @@
   <p:clrMapOvr>
     <a:masterClrMapping/>
   </p:clrMapOvr>
-  <p:timing>
-    <p:tnLst>
-      <p:par>
-        <p:cTn id="1" dur="indefinite" restart="never" nodeType="tmRoot"/>
-      </p:par>
-    </p:tnLst>
-  </p:timing>
 </p:sld>
 </file>
 
@@ -4328,13 +7425,8 @@
           <a:p>
             <a:r>
               <a:rPr lang="en-US" dirty="0"/>
-              <a:t>BIOS upgrade during </a:t>
-            </a:r>
-            <a:r>
-              <a:rPr lang="en-US" dirty="0" smtClean="0"/>
-              <a:t>deployment</a:t>
-            </a:r>
-            <a:endParaRPr lang="en-US" dirty="0"/>
+              <a:t>BIOS upgrade during deployment</a:t>
+            </a:r>
           </a:p>
         </p:txBody>
       </p:sp>
@@ -4354,13 +7446,13 @@
           <a:lstStyle/>
           <a:p>
             <a:r>
-              <a:rPr lang="en-US" dirty="0" smtClean="0"/>
+              <a:rPr lang="en-US" dirty="0"/>
               <a:t>PowerShell script to install BIOS updates for HP and Dell machines</a:t>
             </a:r>
           </a:p>
           <a:p>
             <a:r>
-              <a:rPr lang="en-US" dirty="0" smtClean="0"/>
+              <a:rPr lang="en-US" dirty="0"/>
               <a:t>Idea taken from this post by Mikael Nystrom</a:t>
             </a:r>
           </a:p>
@@ -4370,25 +7462,19 @@
               <a:rPr lang="en-US" sz="1600" dirty="0">
                 <a:hlinkClick r:id="rId2"/>
               </a:rPr>
-              <a:t>https://deploymentbunny.com/2016/07/20/osd-bios-upgrade-during-os-deployment-in-mdtconfigmgr-v3</a:t>
-            </a:r>
-            <a:r>
-              <a:rPr lang="en-US" sz="1600" dirty="0" smtClean="0">
-                <a:hlinkClick r:id="rId2"/>
-              </a:rPr>
-              <a:t>/</a:t>
-            </a:r>
-            <a:endParaRPr lang="en-US" sz="1600" dirty="0" smtClean="0"/>
-          </a:p>
-          <a:p>
-            <a:r>
-              <a:rPr lang="en-US" dirty="0" smtClean="0"/>
+              <a:t>https://deploymentbunny.com/2016/07/20/osd-bios-upgrade-during-os-deployment-in-mdtconfigmgr-v3/</a:t>
+            </a:r>
+            <a:endParaRPr lang="en-US" sz="1600" dirty="0"/>
+          </a:p>
+          <a:p>
+            <a:r>
+              <a:rPr lang="en-US" dirty="0"/>
               <a:t>I have tweaked it to make it work for me</a:t>
             </a:r>
           </a:p>
           <a:p>
             <a:r>
-              <a:rPr lang="en-US" dirty="0" smtClean="0"/>
+              <a:rPr lang="en-US" dirty="0"/>
               <a:t>Also depend on Model Alias</a:t>
             </a:r>
           </a:p>
@@ -4407,13 +7493,6 @@
   <p:clrMapOvr>
     <a:masterClrMapping/>
   </p:clrMapOvr>
-  <p:timing>
-    <p:tnLst>
-      <p:par>
-        <p:cTn id="1" dur="indefinite" restart="never" nodeType="tmRoot"/>
-      </p:par>
-    </p:tnLst>
-  </p:timing>
 </p:sld>
 </file>
 
@@ -4451,13 +7530,8 @@
           <a:p>
             <a:r>
               <a:rPr lang="en-US" dirty="0"/>
-              <a:t>BIOS </a:t>
-            </a:r>
-            <a:r>
-              <a:rPr lang="en-US" dirty="0" smtClean="0"/>
-              <a:t>upgrade Task Sequence</a:t>
-            </a:r>
-            <a:endParaRPr lang="en-US" dirty="0"/>
+              <a:t>BIOS upgrade Task Sequence</a:t>
+            </a:r>
           </a:p>
         </p:txBody>
       </p:sp>
@@ -4477,57 +7551,49 @@
           <a:lstStyle/>
           <a:p>
             <a:r>
-              <a:rPr lang="en-US" dirty="0" smtClean="0"/>
-              <a:t>Add </a:t>
-            </a:r>
-            <a:r>
               <a:rPr lang="en-US" dirty="0"/>
-              <a:t>the Application Install - BIOS </a:t>
-            </a:r>
-            <a:r>
-              <a:rPr lang="en-US" dirty="0" smtClean="0"/>
-              <a:t>Upgrade</a:t>
-            </a:r>
-          </a:p>
-          <a:p>
-            <a:r>
-              <a:rPr lang="en-US" dirty="0" smtClean="0"/>
+              <a:t>Add the Application Install - BIOS Upgrade</a:t>
+            </a:r>
+          </a:p>
+          <a:p>
+            <a:r>
+              <a:rPr lang="en-US" dirty="0"/>
               <a:t>In the State Restore Section</a:t>
             </a:r>
           </a:p>
           <a:p>
             <a:pPr lvl="1"/>
             <a:r>
-              <a:rPr lang="en-US" dirty="0" smtClean="0"/>
+              <a:rPr lang="en-US" dirty="0"/>
               <a:t>Create new Group called BISO Upgrade</a:t>
             </a:r>
           </a:p>
           <a:p>
             <a:pPr lvl="1"/>
             <a:r>
-              <a:rPr lang="en-US" dirty="0" smtClean="0"/>
+              <a:rPr lang="en-US" dirty="0"/>
               <a:t>Add TS to run Application Install – BIOS Upgrade</a:t>
             </a:r>
           </a:p>
           <a:p>
             <a:pPr lvl="1"/>
             <a:r>
-              <a:rPr lang="en-US" dirty="0" smtClean="0"/>
+              <a:rPr lang="en-US" dirty="0"/>
               <a:t>Add Restart Computer TS</a:t>
             </a:r>
           </a:p>
           <a:p>
             <a:pPr lvl="2"/>
             <a:r>
-              <a:rPr lang="en-US" dirty="0" smtClean="0"/>
+              <a:rPr lang="en-US" dirty="0"/>
               <a:t>Add TS variable check </a:t>
             </a:r>
             <a:r>
-              <a:rPr lang="en-US" dirty="0" err="1" smtClean="0"/>
+              <a:rPr lang="en-US" dirty="0" err="1"/>
               <a:t>NeedReboot</a:t>
             </a:r>
             <a:r>
-              <a:rPr lang="en-US" dirty="0" smtClean="0"/>
+              <a:rPr lang="en-US" dirty="0"/>
               <a:t> equals YES</a:t>
             </a:r>
           </a:p>
@@ -4547,20 +7613,13 @@
   <p:clrMapOvr>
     <a:masterClrMapping/>
   </p:clrMapOvr>
-  <p:timing>
-    <p:tnLst>
-      <p:par>
-        <p:cTn id="1" dur="indefinite" restart="never" nodeType="tmRoot"/>
-      </p:par>
-    </p:tnLst>
-  </p:timing>
 </p:sld>
 </file>
 
 <file path=ppt/theme/theme1.xml><?xml version="1.0" encoding="utf-8"?>
-<a:theme xmlns:a="http://schemas.openxmlformats.org/drawingml/2006/main" name="Office Theme">
+<a:theme xmlns:a="http://schemas.openxmlformats.org/drawingml/2006/main" name="Slate">
   <a:themeElements>
-    <a:clrScheme name="Office">
+    <a:clrScheme name="Slate">
       <a:dk1>
         <a:sysClr val="windowText" lastClr="000000"/>
       </a:dk1>
@@ -4568,52 +7627,52 @@
         <a:sysClr val="window" lastClr="FFFFFF"/>
       </a:lt1>
       <a:dk2>
-        <a:srgbClr val="44546A"/>
+        <a:srgbClr val="212123"/>
       </a:dk2>
       <a:lt2>
-        <a:srgbClr val="E7E6E6"/>
+        <a:srgbClr val="DADADA"/>
       </a:lt2>
       <a:accent1>
-        <a:srgbClr val="5B9BD5"/>
+        <a:srgbClr val="BC451B"/>
       </a:accent1>
       <a:accent2>
-        <a:srgbClr val="ED7D31"/>
+        <a:srgbClr val="D3BA68"/>
       </a:accent2>
       <a:accent3>
-        <a:srgbClr val="A5A5A5"/>
+        <a:srgbClr val="BB8640"/>
       </a:accent3>
       <a:accent4>
-        <a:srgbClr val="FFC000"/>
+        <a:srgbClr val="AD9277"/>
       </a:accent4>
       <a:accent5>
-        <a:srgbClr val="4472C4"/>
+        <a:srgbClr val="A55A43"/>
       </a:accent5>
       <a:accent6>
-        <a:srgbClr val="70AD47"/>
+        <a:srgbClr val="AD9D7B"/>
       </a:accent6>
       <a:hlink>
-        <a:srgbClr val="0563C1"/>
+        <a:srgbClr val="E98052"/>
       </a:hlink>
       <a:folHlink>
-        <a:srgbClr val="954F72"/>
+        <a:srgbClr val="F4B69B"/>
       </a:folHlink>
     </a:clrScheme>
-    <a:fontScheme name="Office">
+    <a:fontScheme name="Slate">
       <a:majorFont>
-        <a:latin typeface="Calibri Light" panose="020F0302020204030204"/>
+        <a:latin typeface="Calisto MT" panose="02040603050505030304"/>
         <a:ea typeface=""/>
         <a:cs typeface=""/>
-        <a:font script="Jpan" typeface="游ゴシック Light"/>
-        <a:font script="Hang" typeface="맑은 고딕"/>
-        <a:font script="Hans" typeface="等线 Light"/>
-        <a:font script="Hant" typeface="新細明體"/>
-        <a:font script="Arab" typeface="Times New Roman"/>
-        <a:font script="Hebr" typeface="Times New Roman"/>
-        <a:font script="Thai" typeface="Angsana New"/>
+        <a:font script="Jpan" typeface="ＭＳ Ｐゴシック"/>
+        <a:font script="Hang" typeface="돋움"/>
+        <a:font script="Hans" typeface="方正舒体"/>
+        <a:font script="Hant" typeface="微軟正黑體"/>
+        <a:font script="Arab" typeface="Arial"/>
+        <a:font script="Hebr" typeface="Arial"/>
+        <a:font script="Thai" typeface="Cordia New"/>
         <a:font script="Ethi" typeface="Nyala"/>
         <a:font script="Beng" typeface="Vrinda"/>
         <a:font script="Gujr" typeface="Shruti"/>
-        <a:font script="Khmr" typeface="MoolBoran"/>
+        <a:font script="Khmr" typeface="DaunPenh"/>
         <a:font script="Knda" typeface="Tunga"/>
         <a:font script="Guru" typeface="Raavi"/>
         <a:font script="Cans" typeface="Euphemia"/>
@@ -4630,18 +7689,18 @@
         <a:font script="Laoo" typeface="DokChampa"/>
         <a:font script="Sinh" typeface="Iskoola Pota"/>
         <a:font script="Mong" typeface="Mongolian Baiti"/>
-        <a:font script="Viet" typeface="Times New Roman"/>
+        <a:font script="Viet" typeface="Arial"/>
         <a:font script="Uigh" typeface="Microsoft Uighur"/>
         <a:font script="Geor" typeface="Sylfaen"/>
       </a:majorFont>
       <a:minorFont>
-        <a:latin typeface="Calibri" panose="020F0502020204030204"/>
+        <a:latin typeface="Calisto MT" panose="02040603050505030304"/>
         <a:ea typeface=""/>
         <a:cs typeface=""/>
-        <a:font script="Jpan" typeface="游ゴシック"/>
-        <a:font script="Hang" typeface="맑은 고딕"/>
-        <a:font script="Hans" typeface="等线"/>
-        <a:font script="Hant" typeface="新細明體"/>
+        <a:font script="Jpan" typeface="ＭＳ Ｐゴシック"/>
+        <a:font script="Hang" typeface="돋움"/>
+        <a:font script="Hans" typeface="方正舒体"/>
+        <a:font script="Hant" typeface="微軟正黑體"/>
         <a:font script="Arab" typeface="Arial"/>
         <a:font script="Hebr" typeface="Arial"/>
         <a:font script="Thai" typeface="Cordia New"/>
@@ -4670,7 +7729,7 @@
         <a:font script="Geor" typeface="Sylfaen"/>
       </a:minorFont>
     </a:fontScheme>
-    <a:fmtScheme name="Office">
+    <a:fmtScheme name="Slate">
       <a:fillStyleLst>
         <a:solidFill>
           <a:schemeClr val="phClr"/>
@@ -4679,23 +7738,13 @@
           <a:gsLst>
             <a:gs pos="0">
               <a:schemeClr val="phClr">
+                <a:tint val="60000"/>
                 <a:lumMod val="110000"/>
-                <a:satMod val="105000"/>
-                <a:tint val="67000"/>
-              </a:schemeClr>
-            </a:gs>
-            <a:gs pos="50000">
-              <a:schemeClr val="phClr">
-                <a:lumMod val="105000"/>
-                <a:satMod val="103000"/>
-                <a:tint val="73000"/>
               </a:schemeClr>
             </a:gs>
             <a:gs pos="100000">
               <a:schemeClr val="phClr">
-                <a:lumMod val="105000"/>
-                <a:satMod val="109000"/>
-                <a:tint val="81000"/>
+                <a:tint val="88000"/>
               </a:schemeClr>
             </a:gs>
           </a:gsLst>
@@ -4705,23 +7754,14 @@
           <a:gsLst>
             <a:gs pos="0">
               <a:schemeClr val="phClr">
-                <a:satMod val="103000"/>
-                <a:lumMod val="102000"/>
-                <a:tint val="94000"/>
-              </a:schemeClr>
-            </a:gs>
-            <a:gs pos="50000">
-              <a:schemeClr val="phClr">
-                <a:satMod val="110000"/>
-                <a:lumMod val="100000"/>
-                <a:shade val="100000"/>
+                <a:tint val="96000"/>
+                <a:lumMod val="104000"/>
               </a:schemeClr>
             </a:gs>
             <a:gs pos="100000">
               <a:schemeClr val="phClr">
-                <a:lumMod val="99000"/>
-                <a:satMod val="120000"/>
-                <a:shade val="78000"/>
+                <a:shade val="90000"/>
+                <a:lumMod val="90000"/>
               </a:schemeClr>
             </a:gs>
           </a:gsLst>
@@ -4729,26 +7769,25 @@
         </a:gradFill>
       </a:fillStyleLst>
       <a:lnStyleLst>
-        <a:ln w="6350" cap="flat" cmpd="sng" algn="ctr">
+        <a:ln w="9525" cap="rnd" cmpd="sng" algn="ctr">
+          <a:solidFill>
+            <a:schemeClr val="phClr">
+              <a:shade val="90000"/>
+            </a:schemeClr>
+          </a:solidFill>
+          <a:prstDash val="solid"/>
+        </a:ln>
+        <a:ln w="15875" cap="rnd" cmpd="sng" algn="ctr">
           <a:solidFill>
             <a:schemeClr val="phClr"/>
           </a:solidFill>
           <a:prstDash val="solid"/>
-          <a:miter lim="800000"/>
         </a:ln>
-        <a:ln w="12700" cap="flat" cmpd="sng" algn="ctr">
+        <a:ln w="25400" cap="rnd" cmpd="sng" algn="ctr">
           <a:solidFill>
             <a:schemeClr val="phClr"/>
           </a:solidFill>
           <a:prstDash val="solid"/>
-          <a:miter lim="800000"/>
-        </a:ln>
-        <a:ln w="19050" cap="flat" cmpd="sng" algn="ctr">
-          <a:solidFill>
-            <a:schemeClr val="phClr"/>
-          </a:solidFill>
-          <a:prstDash val="solid"/>
-          <a:miter lim="800000"/>
         </a:ln>
       </a:lnStyleLst>
       <a:effectStyleLst>
@@ -4756,16 +7795,33 @@
           <a:effectLst/>
         </a:effectStyle>
         <a:effectStyle>
-          <a:effectLst/>
+          <a:effectLst>
+            <a:outerShdw blurRad="63500" dist="25400" dir="5400000" rotWithShape="0">
+              <a:srgbClr val="000000">
+                <a:alpha val="60000"/>
+              </a:srgbClr>
+            </a:outerShdw>
+          </a:effectLst>
         </a:effectStyle>
         <a:effectStyle>
           <a:effectLst>
-            <a:outerShdw blurRad="57150" dist="19050" dir="5400000" algn="ctr" rotWithShape="0">
+            <a:outerShdw blurRad="76200" dist="38100" dir="5400000" rotWithShape="0">
               <a:srgbClr val="000000">
-                <a:alpha val="63000"/>
+                <a:alpha val="75000"/>
               </a:srgbClr>
             </a:outerShdw>
           </a:effectLst>
+          <a:scene3d>
+            <a:camera prst="orthographicFront">
+              <a:rot lat="0" lon="0" rev="0"/>
+            </a:camera>
+            <a:lightRig rig="threePt" dir="t">
+              <a:rot lat="0" lon="0" rev="1200000"/>
+            </a:lightRig>
+          </a:scene3d>
+          <a:sp3d>
+            <a:bevelT w="63500" h="25400" prst="hardEdge"/>
+          </a:sp3d>
         </a:effectStyle>
       </a:effectStyleLst>
       <a:bgFillStyleLst>
@@ -4773,38 +7829,22 @@
           <a:schemeClr val="phClr"/>
         </a:solidFill>
         <a:solidFill>
-          <a:schemeClr val="phClr">
-            <a:tint val="95000"/>
-            <a:satMod val="170000"/>
-          </a:schemeClr>
+          <a:schemeClr val="phClr"/>
         </a:solidFill>
-        <a:gradFill rotWithShape="1">
-          <a:gsLst>
-            <a:gs pos="0">
+        <a:blipFill rotWithShape="1">
+          <a:blip xmlns:r="http://schemas.openxmlformats.org/officeDocument/2006/relationships" r:embed="rId1">
+            <a:duotone>
               <a:schemeClr val="phClr">
-                <a:tint val="93000"/>
-                <a:satMod val="150000"/>
-                <a:shade val="98000"/>
-                <a:lumMod val="102000"/>
+                <a:shade val="80000"/>
+                <a:lumMod val="80000"/>
               </a:schemeClr>
-            </a:gs>
-            <a:gs pos="50000">
               <a:schemeClr val="phClr">
                 <a:tint val="98000"/>
-                <a:satMod val="130000"/>
-                <a:shade val="90000"/>
-                <a:lumMod val="103000"/>
               </a:schemeClr>
-            </a:gs>
-            <a:gs pos="100000">
-              <a:schemeClr val="phClr">
-                <a:shade val="63000"/>
-                <a:satMod val="120000"/>
-              </a:schemeClr>
-            </a:gs>
-          </a:gsLst>
-          <a:lin ang="5400000" scaled="0"/>
-        </a:gradFill>
+            </a:duotone>
+          </a:blip>
+          <a:stretch/>
+        </a:blipFill>
       </a:bgFillStyleLst>
     </a:fmtScheme>
   </a:themeElements>
@@ -4812,7 +7852,7 @@
   <a:extraClrSchemeLst/>
   <a:extLst>
     <a:ext uri="{05A4C25C-085E-4340-85A3-A5531E510DB2}">
-      <thm15:themeFamily xmlns:thm15="http://schemas.microsoft.com/office/thememl/2012/main" name="Office Theme" id="{62F939B6-93AF-4DB8-9C6B-D6C7DFDC589F}" vid="{4A3C46E8-61CC-4603-A589-7422A47A8E4A}"/>
+      <thm15:themeFamily xmlns:thm15="http://schemas.microsoft.com/office/thememl/2012/main" name="Slate" id="{C3F70B94-7CE9-428E-ADC1-3269CC2C3385}" vid="{3F2DE9A5-64E6-437C-A389-CC4477E817E8}"/>
     </a:ext>
   </a:extLst>
 </a:theme>
